--- a/haskeat.pptx
+++ b/haskeat.pptx
@@ -9,9 +9,10 @@
     <p:sldId id="260" r:id="rId3"/>
     <p:sldId id="256" r:id="rId4"/>
     <p:sldId id="257" r:id="rId5"/>
-    <p:sldId id="261" r:id="rId6"/>
-    <p:sldId id="262" r:id="rId7"/>
-    <p:sldId id="258" r:id="rId8"/>
+    <p:sldId id="263" r:id="rId6"/>
+    <p:sldId id="261" r:id="rId7"/>
+    <p:sldId id="262" r:id="rId8"/>
+    <p:sldId id="258" r:id="rId9"/>
   </p:sldIdLst>
   <p:sldSz cx="12192000" cy="6858000"/>
   <p:notesSz cx="6858000" cy="9144000"/>
@@ -110,6 +111,11 @@
       </a:defRPr>
     </a:lvl9pPr>
   </p:defaultTextStyle>
+  <p:extLst>
+    <p:ext uri="{EFAFB233-063F-42B5-8137-9DF3F51BA10A}">
+      <p15:sldGuideLst xmlns:p15="http://schemas.microsoft.com/office/powerpoint/2012/main"/>
+    </p:ext>
+  </p:extLst>
 </p:presentation>
 </file>
 
@@ -244,7 +250,7 @@
           <a:p>
             <a:fld id="{D9145103-6079-44AB-8287-23A2C0B432BD}" type="datetimeFigureOut">
               <a:rPr kumimoji="1" lang="ja-JP" altLang="en-US" smtClean="0"/>
-              <a:t>2023/2/1</a:t>
+              <a:t>2023/2/7</a:t>
             </a:fld>
             <a:endParaRPr kumimoji="1" lang="ja-JP" altLang="en-US"/>
           </a:p>
@@ -446,7 +452,7 @@
           <a:p>
             <a:fld id="{D9145103-6079-44AB-8287-23A2C0B432BD}" type="datetimeFigureOut">
               <a:rPr kumimoji="1" lang="ja-JP" altLang="en-US" smtClean="0"/>
-              <a:t>2023/2/1</a:t>
+              <a:t>2023/2/7</a:t>
             </a:fld>
             <a:endParaRPr kumimoji="1" lang="ja-JP" altLang="en-US"/>
           </a:p>
@@ -658,7 +664,7 @@
           <a:p>
             <a:fld id="{D9145103-6079-44AB-8287-23A2C0B432BD}" type="datetimeFigureOut">
               <a:rPr kumimoji="1" lang="ja-JP" altLang="en-US" smtClean="0"/>
-              <a:t>2023/2/1</a:t>
+              <a:t>2023/2/7</a:t>
             </a:fld>
             <a:endParaRPr kumimoji="1" lang="ja-JP" altLang="en-US"/>
           </a:p>
@@ -860,7 +866,7 @@
           <a:p>
             <a:fld id="{D9145103-6079-44AB-8287-23A2C0B432BD}" type="datetimeFigureOut">
               <a:rPr kumimoji="1" lang="ja-JP" altLang="en-US" smtClean="0"/>
-              <a:t>2023/2/1</a:t>
+              <a:t>2023/2/7</a:t>
             </a:fld>
             <a:endParaRPr kumimoji="1" lang="ja-JP" altLang="en-US"/>
           </a:p>
@@ -1106,7 +1112,7 @@
           <a:p>
             <a:fld id="{D9145103-6079-44AB-8287-23A2C0B432BD}" type="datetimeFigureOut">
               <a:rPr kumimoji="1" lang="ja-JP" altLang="en-US" smtClean="0"/>
-              <a:t>2023/2/1</a:t>
+              <a:t>2023/2/7</a:t>
             </a:fld>
             <a:endParaRPr kumimoji="1" lang="ja-JP" altLang="en-US"/>
           </a:p>
@@ -1402,7 +1408,7 @@
           <a:p>
             <a:fld id="{D9145103-6079-44AB-8287-23A2C0B432BD}" type="datetimeFigureOut">
               <a:rPr kumimoji="1" lang="ja-JP" altLang="en-US" smtClean="0"/>
-              <a:t>2023/2/1</a:t>
+              <a:t>2023/2/7</a:t>
             </a:fld>
             <a:endParaRPr kumimoji="1" lang="ja-JP" altLang="en-US"/>
           </a:p>
@@ -1833,7 +1839,7 @@
           <a:p>
             <a:fld id="{D9145103-6079-44AB-8287-23A2C0B432BD}" type="datetimeFigureOut">
               <a:rPr kumimoji="1" lang="ja-JP" altLang="en-US" smtClean="0"/>
-              <a:t>2023/2/1</a:t>
+              <a:t>2023/2/7</a:t>
             </a:fld>
             <a:endParaRPr kumimoji="1" lang="ja-JP" altLang="en-US"/>
           </a:p>
@@ -1951,7 +1957,7 @@
           <a:p>
             <a:fld id="{D9145103-6079-44AB-8287-23A2C0B432BD}" type="datetimeFigureOut">
               <a:rPr kumimoji="1" lang="ja-JP" altLang="en-US" smtClean="0"/>
-              <a:t>2023/2/1</a:t>
+              <a:t>2023/2/7</a:t>
             </a:fld>
             <a:endParaRPr kumimoji="1" lang="ja-JP" altLang="en-US"/>
           </a:p>
@@ -2046,7 +2052,7 @@
           <a:p>
             <a:fld id="{D9145103-6079-44AB-8287-23A2C0B432BD}" type="datetimeFigureOut">
               <a:rPr kumimoji="1" lang="ja-JP" altLang="en-US" smtClean="0"/>
-              <a:t>2023/2/1</a:t>
+              <a:t>2023/2/7</a:t>
             </a:fld>
             <a:endParaRPr kumimoji="1" lang="ja-JP" altLang="en-US"/>
           </a:p>
@@ -2355,7 +2361,7 @@
           <a:p>
             <a:fld id="{D9145103-6079-44AB-8287-23A2C0B432BD}" type="datetimeFigureOut">
               <a:rPr kumimoji="1" lang="ja-JP" altLang="en-US" smtClean="0"/>
-              <a:t>2023/2/1</a:t>
+              <a:t>2023/2/7</a:t>
             </a:fld>
             <a:endParaRPr kumimoji="1" lang="ja-JP" altLang="en-US"/>
           </a:p>
@@ -2612,7 +2618,7 @@
           <a:p>
             <a:fld id="{D9145103-6079-44AB-8287-23A2C0B432BD}" type="datetimeFigureOut">
               <a:rPr kumimoji="1" lang="ja-JP" altLang="en-US" smtClean="0"/>
-              <a:t>2023/2/1</a:t>
+              <a:t>2023/2/7</a:t>
             </a:fld>
             <a:endParaRPr kumimoji="1" lang="ja-JP" altLang="en-US"/>
           </a:p>
@@ -2857,7 +2863,7 @@
           <a:p>
             <a:fld id="{D9145103-6079-44AB-8287-23A2C0B432BD}" type="datetimeFigureOut">
               <a:rPr kumimoji="1" lang="ja-JP" altLang="en-US" smtClean="0"/>
-              <a:t>2023/2/1</a:t>
+              <a:t>2023/2/7</a:t>
             </a:fld>
             <a:endParaRPr kumimoji="1" lang="ja-JP" altLang="en-US"/>
           </a:p>
@@ -6375,6 +6381,1335 @@
 </file>
 
 <file path=ppt/slides/slide5.xml><?xml version="1.0" encoding="utf-8"?>
+<p:sld xmlns:a="http://schemas.openxmlformats.org/drawingml/2006/main" xmlns:r="http://schemas.openxmlformats.org/officeDocument/2006/relationships" xmlns:p="http://schemas.openxmlformats.org/presentationml/2006/main">
+  <p:cSld>
+    <p:bg>
+      <p:bgPr>
+        <a:solidFill>
+          <a:schemeClr val="accent4"/>
+        </a:solidFill>
+        <a:effectLst/>
+      </p:bgPr>
+    </p:bg>
+    <p:spTree>
+      <p:nvGrpSpPr>
+        <p:cNvPr id="1" name=""/>
+        <p:cNvGrpSpPr/>
+        <p:nvPr/>
+      </p:nvGrpSpPr>
+      <p:grpSpPr>
+        <a:xfrm>
+          <a:off x="0" y="0"/>
+          <a:ext cx="0" cy="0"/>
+          <a:chOff x="0" y="0"/>
+          <a:chExt cx="0" cy="0"/>
+        </a:xfrm>
+      </p:grpSpPr>
+      <p:sp>
+        <p:nvSpPr>
+          <p:cNvPr id="4" name="正方形/長方形 3">
+            <a:extLst>
+              <a:ext uri="{FF2B5EF4-FFF2-40B4-BE49-F238E27FC236}">
+                <a16:creationId xmlns:a16="http://schemas.microsoft.com/office/drawing/2014/main" id="{B286D74C-1FDA-434A-8992-6FFD4EB32B63}"/>
+              </a:ext>
+            </a:extLst>
+          </p:cNvPr>
+          <p:cNvSpPr/>
+          <p:nvPr/>
+        </p:nvSpPr>
+        <p:spPr>
+          <a:xfrm>
+            <a:off x="973394" y="324465"/>
+            <a:ext cx="10048567" cy="6533535"/>
+          </a:xfrm>
+          <a:prstGeom prst="rect">
+            <a:avLst/>
+          </a:prstGeom>
+        </p:spPr>
+        <p:style>
+          <a:lnRef idx="2">
+            <a:schemeClr val="accent1">
+              <a:shade val="50000"/>
+            </a:schemeClr>
+          </a:lnRef>
+          <a:fillRef idx="1">
+            <a:schemeClr val="accent1"/>
+          </a:fillRef>
+          <a:effectRef idx="0">
+            <a:schemeClr val="accent1"/>
+          </a:effectRef>
+          <a:fontRef idx="minor">
+            <a:schemeClr val="lt1"/>
+          </a:fontRef>
+        </p:style>
+        <p:txBody>
+          <a:bodyPr rtlCol="0" anchor="ctr"/>
+          <a:lstStyle/>
+          <a:p>
+            <a:pPr algn="ctr"/>
+            <a:endParaRPr kumimoji="1" lang="ja-JP" altLang="en-US"/>
+          </a:p>
+        </p:txBody>
+      </p:sp>
+      <p:sp>
+        <p:nvSpPr>
+          <p:cNvPr id="5" name="楕円 4">
+            <a:extLst>
+              <a:ext uri="{FF2B5EF4-FFF2-40B4-BE49-F238E27FC236}">
+                <a16:creationId xmlns:a16="http://schemas.microsoft.com/office/drawing/2014/main" id="{203F7618-14B2-4DB1-BB65-BAD25FFC9EB2}"/>
+              </a:ext>
+            </a:extLst>
+          </p:cNvPr>
+          <p:cNvSpPr/>
+          <p:nvPr/>
+        </p:nvSpPr>
+        <p:spPr>
+          <a:xfrm>
+            <a:off x="4680154" y="4563397"/>
+            <a:ext cx="383459" cy="363793"/>
+          </a:xfrm>
+          <a:prstGeom prst="ellipse">
+            <a:avLst/>
+          </a:prstGeom>
+          <a:solidFill>
+            <a:schemeClr val="bg1"/>
+          </a:solidFill>
+        </p:spPr>
+        <p:style>
+          <a:lnRef idx="2">
+            <a:schemeClr val="accent1">
+              <a:shade val="50000"/>
+            </a:schemeClr>
+          </a:lnRef>
+          <a:fillRef idx="1">
+            <a:schemeClr val="accent1"/>
+          </a:fillRef>
+          <a:effectRef idx="0">
+            <a:schemeClr val="accent1"/>
+          </a:effectRef>
+          <a:fontRef idx="minor">
+            <a:schemeClr val="lt1"/>
+          </a:fontRef>
+        </p:style>
+        <p:txBody>
+          <a:bodyPr rtlCol="0" anchor="ctr"/>
+          <a:lstStyle/>
+          <a:p>
+            <a:pPr algn="ctr"/>
+            <a:r>
+              <a:rPr kumimoji="1" lang="en-US" altLang="ja-JP" dirty="0">
+                <a:solidFill>
+                  <a:srgbClr val="FF0000"/>
+                </a:solidFill>
+              </a:rPr>
+              <a:t>P</a:t>
+            </a:r>
+            <a:endParaRPr kumimoji="1" lang="ja-JP" altLang="en-US" dirty="0">
+              <a:solidFill>
+                <a:srgbClr val="FF0000"/>
+              </a:solidFill>
+            </a:endParaRPr>
+          </a:p>
+        </p:txBody>
+      </p:sp>
+      <p:grpSp>
+        <p:nvGrpSpPr>
+          <p:cNvPr id="15" name="グループ化 14">
+            <a:extLst>
+              <a:ext uri="{FF2B5EF4-FFF2-40B4-BE49-F238E27FC236}">
+                <a16:creationId xmlns:a16="http://schemas.microsoft.com/office/drawing/2014/main" id="{989175BB-ECA7-4C54-B2F2-D21A0B82A7C4}"/>
+              </a:ext>
+            </a:extLst>
+          </p:cNvPr>
+          <p:cNvGrpSpPr/>
+          <p:nvPr/>
+        </p:nvGrpSpPr>
+        <p:grpSpPr>
+          <a:xfrm>
+            <a:off x="1170039" y="543233"/>
+            <a:ext cx="1757189" cy="201562"/>
+            <a:chOff x="4615590" y="978309"/>
+            <a:chExt cx="1757189" cy="201562"/>
+          </a:xfrm>
+        </p:grpSpPr>
+        <p:sp>
+          <p:nvSpPr>
+            <p:cNvPr id="16" name="正方形/長方形 15">
+              <a:extLst>
+                <a:ext uri="{FF2B5EF4-FFF2-40B4-BE49-F238E27FC236}">
+                  <a16:creationId xmlns:a16="http://schemas.microsoft.com/office/drawing/2014/main" id="{ABF3B2B2-4B09-41F5-A1E9-59AE26EB8B8C}"/>
+                </a:ext>
+              </a:extLst>
+            </p:cNvPr>
+            <p:cNvSpPr/>
+            <p:nvPr/>
+          </p:nvSpPr>
+          <p:spPr>
+            <a:xfrm>
+              <a:off x="4701295" y="978309"/>
+              <a:ext cx="1671484" cy="201562"/>
+            </a:xfrm>
+            <a:prstGeom prst="rect">
+              <a:avLst/>
+            </a:prstGeom>
+            <a:solidFill>
+              <a:schemeClr val="accent6"/>
+            </a:solidFill>
+          </p:spPr>
+          <p:style>
+            <a:lnRef idx="2">
+              <a:schemeClr val="accent1">
+                <a:shade val="50000"/>
+              </a:schemeClr>
+            </a:lnRef>
+            <a:fillRef idx="1">
+              <a:schemeClr val="accent1"/>
+            </a:fillRef>
+            <a:effectRef idx="0">
+              <a:schemeClr val="accent1"/>
+            </a:effectRef>
+            <a:fontRef idx="minor">
+              <a:schemeClr val="lt1"/>
+            </a:fontRef>
+          </p:style>
+          <p:txBody>
+            <a:bodyPr rtlCol="0" anchor="ctr"/>
+            <a:lstStyle/>
+            <a:p>
+              <a:pPr algn="ctr"/>
+              <a:endParaRPr kumimoji="1" lang="ja-JP" altLang="en-US"/>
+            </a:p>
+          </p:txBody>
+        </p:sp>
+        <p:sp>
+          <p:nvSpPr>
+            <p:cNvPr id="17" name="楕円 16">
+              <a:extLst>
+                <a:ext uri="{FF2B5EF4-FFF2-40B4-BE49-F238E27FC236}">
+                  <a16:creationId xmlns:a16="http://schemas.microsoft.com/office/drawing/2014/main" id="{522352BD-BA68-4376-839B-F58623BBD12B}"/>
+                </a:ext>
+              </a:extLst>
+            </p:cNvPr>
+            <p:cNvSpPr/>
+            <p:nvPr/>
+          </p:nvSpPr>
+          <p:spPr>
+            <a:xfrm>
+              <a:off x="4615590" y="978309"/>
+              <a:ext cx="212049" cy="201562"/>
+            </a:xfrm>
+            <a:prstGeom prst="ellipse">
+              <a:avLst/>
+            </a:prstGeom>
+            <a:solidFill>
+              <a:schemeClr val="accent6"/>
+            </a:solidFill>
+            <a:ln>
+              <a:solidFill>
+                <a:schemeClr val="bg2"/>
+              </a:solidFill>
+            </a:ln>
+          </p:spPr>
+          <p:style>
+            <a:lnRef idx="2">
+              <a:schemeClr val="accent1">
+                <a:shade val="50000"/>
+              </a:schemeClr>
+            </a:lnRef>
+            <a:fillRef idx="1">
+              <a:schemeClr val="accent1"/>
+            </a:fillRef>
+            <a:effectRef idx="0">
+              <a:schemeClr val="accent1"/>
+            </a:effectRef>
+            <a:fontRef idx="minor">
+              <a:schemeClr val="lt1"/>
+            </a:fontRef>
+          </p:style>
+          <p:txBody>
+            <a:bodyPr rtlCol="0" anchor="ctr"/>
+            <a:lstStyle/>
+            <a:p>
+              <a:pPr algn="ctr"/>
+              <a:endParaRPr kumimoji="1" lang="ja-JP" altLang="en-US"/>
+            </a:p>
+          </p:txBody>
+        </p:sp>
+      </p:grpSp>
+      <p:sp>
+        <p:nvSpPr>
+          <p:cNvPr id="18" name="正方形/長方形 17">
+            <a:extLst>
+              <a:ext uri="{FF2B5EF4-FFF2-40B4-BE49-F238E27FC236}">
+                <a16:creationId xmlns:a16="http://schemas.microsoft.com/office/drawing/2014/main" id="{454F8CC9-B54A-48D2-972E-084343F1A9AA}"/>
+              </a:ext>
+            </a:extLst>
+          </p:cNvPr>
+          <p:cNvSpPr/>
+          <p:nvPr/>
+        </p:nvSpPr>
+        <p:spPr>
+          <a:xfrm>
+            <a:off x="1255744" y="493458"/>
+            <a:ext cx="1592951" cy="947583"/>
+          </a:xfrm>
+          <a:prstGeom prst="rect">
+            <a:avLst/>
+          </a:prstGeom>
+          <a:solidFill>
+            <a:schemeClr val="tx1"/>
+          </a:solidFill>
+        </p:spPr>
+        <p:style>
+          <a:lnRef idx="2">
+            <a:schemeClr val="accent1">
+              <a:shade val="50000"/>
+            </a:schemeClr>
+          </a:lnRef>
+          <a:fillRef idx="1">
+            <a:schemeClr val="accent1"/>
+          </a:fillRef>
+          <a:effectRef idx="0">
+            <a:schemeClr val="accent1"/>
+          </a:effectRef>
+          <a:fontRef idx="minor">
+            <a:schemeClr val="lt1"/>
+          </a:fontRef>
+        </p:style>
+        <p:txBody>
+          <a:bodyPr rtlCol="0" anchor="ctr"/>
+          <a:lstStyle/>
+          <a:p>
+            <a:pPr algn="ctr"/>
+            <a:r>
+              <a:rPr kumimoji="1" lang="ja-JP" altLang="en-US" dirty="0">
+                <a:solidFill>
+                  <a:schemeClr val="bg1"/>
+                </a:solidFill>
+              </a:rPr>
+              <a:t>メニュー表示</a:t>
+            </a:r>
+          </a:p>
+        </p:txBody>
+      </p:sp>
+      <p:sp>
+        <p:nvSpPr>
+          <p:cNvPr id="2" name="四角形: 角を丸くする 1">
+            <a:extLst>
+              <a:ext uri="{FF2B5EF4-FFF2-40B4-BE49-F238E27FC236}">
+                <a16:creationId xmlns:a16="http://schemas.microsoft.com/office/drawing/2014/main" id="{4C093EDE-B651-4F4E-A651-AB70B94BCC6E}"/>
+              </a:ext>
+            </a:extLst>
+          </p:cNvPr>
+          <p:cNvSpPr/>
+          <p:nvPr/>
+        </p:nvSpPr>
+        <p:spPr>
+          <a:xfrm>
+            <a:off x="1255744" y="1189703"/>
+            <a:ext cx="9392591" cy="5125064"/>
+          </a:xfrm>
+          <a:prstGeom prst="roundRect">
+            <a:avLst/>
+          </a:prstGeom>
+          <a:solidFill>
+            <a:schemeClr val="tx1"/>
+          </a:solidFill>
+          <a:ln>
+            <a:solidFill>
+              <a:schemeClr val="bg1"/>
+            </a:solidFill>
+          </a:ln>
+        </p:spPr>
+        <p:style>
+          <a:lnRef idx="2">
+            <a:schemeClr val="accent1">
+              <a:shade val="50000"/>
+            </a:schemeClr>
+          </a:lnRef>
+          <a:fillRef idx="1">
+            <a:schemeClr val="accent1"/>
+          </a:fillRef>
+          <a:effectRef idx="0">
+            <a:schemeClr val="accent1"/>
+          </a:effectRef>
+          <a:fontRef idx="minor">
+            <a:schemeClr val="lt1"/>
+          </a:fontRef>
+        </p:style>
+        <p:txBody>
+          <a:bodyPr rtlCol="0" anchor="ctr"/>
+          <a:lstStyle/>
+          <a:p>
+            <a:pPr algn="ctr"/>
+            <a:endParaRPr kumimoji="1" lang="ja-JP" altLang="en-US"/>
+          </a:p>
+        </p:txBody>
+      </p:sp>
+      <p:sp>
+        <p:nvSpPr>
+          <p:cNvPr id="11" name="四角形: 角を丸くする 10">
+            <a:extLst>
+              <a:ext uri="{FF2B5EF4-FFF2-40B4-BE49-F238E27FC236}">
+                <a16:creationId xmlns:a16="http://schemas.microsoft.com/office/drawing/2014/main" id="{FA9353A9-25EC-44DF-A577-7E65BA027DD8}"/>
+              </a:ext>
+            </a:extLst>
+          </p:cNvPr>
+          <p:cNvSpPr/>
+          <p:nvPr/>
+        </p:nvSpPr>
+        <p:spPr>
+          <a:xfrm>
+            <a:off x="1864602" y="4887861"/>
+            <a:ext cx="7983793" cy="1047135"/>
+          </a:xfrm>
+          <a:prstGeom prst="roundRect">
+            <a:avLst/>
+          </a:prstGeom>
+          <a:solidFill>
+            <a:schemeClr val="tx1"/>
+          </a:solidFill>
+          <a:ln>
+            <a:solidFill>
+              <a:schemeClr val="bg1"/>
+            </a:solidFill>
+          </a:ln>
+        </p:spPr>
+        <p:style>
+          <a:lnRef idx="2">
+            <a:schemeClr val="accent1">
+              <a:shade val="50000"/>
+            </a:schemeClr>
+          </a:lnRef>
+          <a:fillRef idx="1">
+            <a:schemeClr val="accent1"/>
+          </a:fillRef>
+          <a:effectRef idx="0">
+            <a:schemeClr val="accent1"/>
+          </a:effectRef>
+          <a:fontRef idx="minor">
+            <a:schemeClr val="lt1"/>
+          </a:fontRef>
+        </p:style>
+        <p:txBody>
+          <a:bodyPr rtlCol="0" anchor="ctr"/>
+          <a:lstStyle/>
+          <a:p>
+            <a:pPr algn="ctr"/>
+            <a:endParaRPr kumimoji="1" lang="ja-JP" altLang="en-US"/>
+          </a:p>
+        </p:txBody>
+      </p:sp>
+      <p:sp>
+        <p:nvSpPr>
+          <p:cNvPr id="13" name="楕円 12">
+            <a:extLst>
+              <a:ext uri="{FF2B5EF4-FFF2-40B4-BE49-F238E27FC236}">
+                <a16:creationId xmlns:a16="http://schemas.microsoft.com/office/drawing/2014/main" id="{6EA24E2B-F02B-4002-A3FE-72E51361F01D}"/>
+              </a:ext>
+            </a:extLst>
+          </p:cNvPr>
+          <p:cNvSpPr/>
+          <p:nvPr/>
+        </p:nvSpPr>
+        <p:spPr>
+          <a:xfrm>
+            <a:off x="2376622" y="5040874"/>
+            <a:ext cx="816077" cy="741107"/>
+          </a:xfrm>
+          <a:prstGeom prst="ellipse">
+            <a:avLst/>
+          </a:prstGeom>
+          <a:solidFill>
+            <a:srgbClr val="FF0000"/>
+          </a:solidFill>
+          <a:ln>
+            <a:solidFill>
+              <a:schemeClr val="bg1"/>
+            </a:solidFill>
+          </a:ln>
+        </p:spPr>
+        <p:style>
+          <a:lnRef idx="2">
+            <a:schemeClr val="accent1">
+              <a:shade val="50000"/>
+            </a:schemeClr>
+          </a:lnRef>
+          <a:fillRef idx="1">
+            <a:schemeClr val="accent1"/>
+          </a:fillRef>
+          <a:effectRef idx="0">
+            <a:schemeClr val="accent1"/>
+          </a:effectRef>
+          <a:fontRef idx="minor">
+            <a:schemeClr val="lt1"/>
+          </a:fontRef>
+        </p:style>
+        <p:txBody>
+          <a:bodyPr rtlCol="0" anchor="ctr"/>
+          <a:lstStyle/>
+          <a:p>
+            <a:pPr algn="ctr"/>
+            <a:r>
+              <a:rPr kumimoji="1" lang="ja-JP" altLang="en-US" dirty="0">
+                <a:solidFill>
+                  <a:schemeClr val="bg1"/>
+                </a:solidFill>
+              </a:rPr>
+              <a:t>赤</a:t>
+            </a:r>
+          </a:p>
+        </p:txBody>
+      </p:sp>
+      <p:sp>
+        <p:nvSpPr>
+          <p:cNvPr id="23" name="楕円 22">
+            <a:extLst>
+              <a:ext uri="{FF2B5EF4-FFF2-40B4-BE49-F238E27FC236}">
+                <a16:creationId xmlns:a16="http://schemas.microsoft.com/office/drawing/2014/main" id="{38D174FF-E806-44D9-9BB6-2C2D1D8A78A4}"/>
+              </a:ext>
+            </a:extLst>
+          </p:cNvPr>
+          <p:cNvSpPr/>
+          <p:nvPr/>
+        </p:nvSpPr>
+        <p:spPr>
+          <a:xfrm>
+            <a:off x="3832674" y="5040873"/>
+            <a:ext cx="816077" cy="741107"/>
+          </a:xfrm>
+          <a:prstGeom prst="ellipse">
+            <a:avLst/>
+          </a:prstGeom>
+          <a:solidFill>
+            <a:srgbClr val="0070C0"/>
+          </a:solidFill>
+          <a:ln>
+            <a:solidFill>
+              <a:schemeClr val="bg1"/>
+            </a:solidFill>
+          </a:ln>
+        </p:spPr>
+        <p:style>
+          <a:lnRef idx="2">
+            <a:schemeClr val="accent1">
+              <a:shade val="50000"/>
+            </a:schemeClr>
+          </a:lnRef>
+          <a:fillRef idx="1">
+            <a:schemeClr val="accent1"/>
+          </a:fillRef>
+          <a:effectRef idx="0">
+            <a:schemeClr val="accent1"/>
+          </a:effectRef>
+          <a:fontRef idx="minor">
+            <a:schemeClr val="lt1"/>
+          </a:fontRef>
+        </p:style>
+        <p:txBody>
+          <a:bodyPr rtlCol="0" anchor="ctr"/>
+          <a:lstStyle/>
+          <a:p>
+            <a:pPr algn="ctr"/>
+            <a:r>
+              <a:rPr kumimoji="1" lang="ja-JP" altLang="en-US" dirty="0">
+                <a:solidFill>
+                  <a:schemeClr val="bg1"/>
+                </a:solidFill>
+              </a:rPr>
+              <a:t>青</a:t>
+            </a:r>
+          </a:p>
+        </p:txBody>
+      </p:sp>
+      <p:sp>
+        <p:nvSpPr>
+          <p:cNvPr id="24" name="楕円 23">
+            <a:extLst>
+              <a:ext uri="{FF2B5EF4-FFF2-40B4-BE49-F238E27FC236}">
+                <a16:creationId xmlns:a16="http://schemas.microsoft.com/office/drawing/2014/main" id="{79066B96-A2FC-40B9-B99F-98BBC01B487F}"/>
+              </a:ext>
+            </a:extLst>
+          </p:cNvPr>
+          <p:cNvSpPr/>
+          <p:nvPr/>
+        </p:nvSpPr>
+        <p:spPr>
+          <a:xfrm>
+            <a:off x="5589638" y="5013221"/>
+            <a:ext cx="816077" cy="741107"/>
+          </a:xfrm>
+          <a:prstGeom prst="ellipse">
+            <a:avLst/>
+          </a:prstGeom>
+          <a:solidFill>
+            <a:srgbClr val="FFFF00"/>
+          </a:solidFill>
+          <a:ln>
+            <a:solidFill>
+              <a:schemeClr val="bg1"/>
+            </a:solidFill>
+          </a:ln>
+        </p:spPr>
+        <p:style>
+          <a:lnRef idx="2">
+            <a:schemeClr val="accent1">
+              <a:shade val="50000"/>
+            </a:schemeClr>
+          </a:lnRef>
+          <a:fillRef idx="1">
+            <a:schemeClr val="accent1"/>
+          </a:fillRef>
+          <a:effectRef idx="0">
+            <a:schemeClr val="accent1"/>
+          </a:effectRef>
+          <a:fontRef idx="minor">
+            <a:schemeClr val="lt1"/>
+          </a:fontRef>
+        </p:style>
+        <p:txBody>
+          <a:bodyPr rtlCol="0" anchor="ctr"/>
+          <a:lstStyle/>
+          <a:p>
+            <a:pPr algn="ctr"/>
+            <a:r>
+              <a:rPr kumimoji="1" lang="ja-JP" altLang="en-US" dirty="0">
+                <a:solidFill>
+                  <a:schemeClr val="bg1"/>
+                </a:solidFill>
+              </a:rPr>
+              <a:t>黄</a:t>
+            </a:r>
+          </a:p>
+        </p:txBody>
+      </p:sp>
+      <p:sp>
+        <p:nvSpPr>
+          <p:cNvPr id="25" name="楕円 24">
+            <a:extLst>
+              <a:ext uri="{FF2B5EF4-FFF2-40B4-BE49-F238E27FC236}">
+                <a16:creationId xmlns:a16="http://schemas.microsoft.com/office/drawing/2014/main" id="{9F5DF03C-8A90-45EC-A6B7-254DB524FC4D}"/>
+              </a:ext>
+            </a:extLst>
+          </p:cNvPr>
+          <p:cNvSpPr/>
+          <p:nvPr/>
+        </p:nvSpPr>
+        <p:spPr>
+          <a:xfrm>
+            <a:off x="7376417" y="5013221"/>
+            <a:ext cx="816077" cy="741107"/>
+          </a:xfrm>
+          <a:prstGeom prst="ellipse">
+            <a:avLst/>
+          </a:prstGeom>
+          <a:solidFill>
+            <a:srgbClr val="7030A0"/>
+          </a:solidFill>
+          <a:ln>
+            <a:solidFill>
+              <a:schemeClr val="bg1"/>
+            </a:solidFill>
+          </a:ln>
+        </p:spPr>
+        <p:style>
+          <a:lnRef idx="2">
+            <a:schemeClr val="accent1">
+              <a:shade val="50000"/>
+            </a:schemeClr>
+          </a:lnRef>
+          <a:fillRef idx="1">
+            <a:schemeClr val="accent1"/>
+          </a:fillRef>
+          <a:effectRef idx="0">
+            <a:schemeClr val="accent1"/>
+          </a:effectRef>
+          <a:fontRef idx="minor">
+            <a:schemeClr val="lt1"/>
+          </a:fontRef>
+        </p:style>
+        <p:txBody>
+          <a:bodyPr rtlCol="0" anchor="ctr"/>
+          <a:lstStyle/>
+          <a:p>
+            <a:pPr algn="ctr"/>
+            <a:r>
+              <a:rPr kumimoji="1" lang="ja-JP" altLang="en-US" dirty="0">
+                <a:solidFill>
+                  <a:schemeClr val="tx1"/>
+                </a:solidFill>
+              </a:rPr>
+              <a:t>紫</a:t>
+            </a:r>
+          </a:p>
+        </p:txBody>
+      </p:sp>
+      <p:sp>
+        <p:nvSpPr>
+          <p:cNvPr id="22" name="テキスト ボックス 21">
+            <a:extLst>
+              <a:ext uri="{FF2B5EF4-FFF2-40B4-BE49-F238E27FC236}">
+                <a16:creationId xmlns:a16="http://schemas.microsoft.com/office/drawing/2014/main" id="{E3EF32E8-E144-4E02-BD23-D102ACC0CFAD}"/>
+              </a:ext>
+            </a:extLst>
+          </p:cNvPr>
+          <p:cNvSpPr txBox="1"/>
+          <p:nvPr/>
+        </p:nvSpPr>
+        <p:spPr>
+          <a:xfrm>
+            <a:off x="2908258" y="5642172"/>
+            <a:ext cx="769791" cy="369332"/>
+          </a:xfrm>
+          <a:prstGeom prst="rect">
+            <a:avLst/>
+          </a:prstGeom>
+          <a:noFill/>
+        </p:spPr>
+        <p:txBody>
+          <a:bodyPr wrap="square" rtlCol="0">
+            <a:spAutoFit/>
+          </a:bodyPr>
+          <a:lstStyle/>
+          <a:p>
+            <a:r>
+              <a:rPr kumimoji="1" lang="ja-JP" altLang="en-US" dirty="0">
+                <a:solidFill>
+                  <a:schemeClr val="bg1"/>
+                </a:solidFill>
+              </a:rPr>
+              <a:t>～％</a:t>
+            </a:r>
+          </a:p>
+        </p:txBody>
+      </p:sp>
+      <p:sp>
+        <p:nvSpPr>
+          <p:cNvPr id="27" name="テキスト ボックス 26">
+            <a:extLst>
+              <a:ext uri="{FF2B5EF4-FFF2-40B4-BE49-F238E27FC236}">
+                <a16:creationId xmlns:a16="http://schemas.microsoft.com/office/drawing/2014/main" id="{4C0605FD-E172-4A68-BBF7-DFBCAABE0C22}"/>
+              </a:ext>
+            </a:extLst>
+          </p:cNvPr>
+          <p:cNvSpPr txBox="1"/>
+          <p:nvPr/>
+        </p:nvSpPr>
+        <p:spPr>
+          <a:xfrm>
+            <a:off x="7886207" y="5597314"/>
+            <a:ext cx="769791" cy="369332"/>
+          </a:xfrm>
+          <a:prstGeom prst="rect">
+            <a:avLst/>
+          </a:prstGeom>
+          <a:noFill/>
+        </p:spPr>
+        <p:txBody>
+          <a:bodyPr wrap="square" rtlCol="0">
+            <a:spAutoFit/>
+          </a:bodyPr>
+          <a:lstStyle/>
+          <a:p>
+            <a:r>
+              <a:rPr kumimoji="1" lang="ja-JP" altLang="en-US" dirty="0">
+                <a:solidFill>
+                  <a:schemeClr val="bg1"/>
+                </a:solidFill>
+              </a:rPr>
+              <a:t>～％</a:t>
+            </a:r>
+          </a:p>
+        </p:txBody>
+      </p:sp>
+      <p:sp>
+        <p:nvSpPr>
+          <p:cNvPr id="28" name="テキスト ボックス 27">
+            <a:extLst>
+              <a:ext uri="{FF2B5EF4-FFF2-40B4-BE49-F238E27FC236}">
+                <a16:creationId xmlns:a16="http://schemas.microsoft.com/office/drawing/2014/main" id="{38072D17-0E27-47C8-8E3E-F72851B60F7B}"/>
+              </a:ext>
+            </a:extLst>
+          </p:cNvPr>
+          <p:cNvSpPr txBox="1"/>
+          <p:nvPr/>
+        </p:nvSpPr>
+        <p:spPr>
+          <a:xfrm>
+            <a:off x="6131197" y="5642172"/>
+            <a:ext cx="769791" cy="369332"/>
+          </a:xfrm>
+          <a:prstGeom prst="rect">
+            <a:avLst/>
+          </a:prstGeom>
+          <a:noFill/>
+        </p:spPr>
+        <p:txBody>
+          <a:bodyPr wrap="square" rtlCol="0">
+            <a:spAutoFit/>
+          </a:bodyPr>
+          <a:lstStyle/>
+          <a:p>
+            <a:r>
+              <a:rPr kumimoji="1" lang="ja-JP" altLang="en-US" dirty="0">
+                <a:solidFill>
+                  <a:schemeClr val="bg1"/>
+                </a:solidFill>
+              </a:rPr>
+              <a:t>～％</a:t>
+            </a:r>
+          </a:p>
+        </p:txBody>
+      </p:sp>
+      <p:sp>
+        <p:nvSpPr>
+          <p:cNvPr id="29" name="テキスト ボックス 28">
+            <a:extLst>
+              <a:ext uri="{FF2B5EF4-FFF2-40B4-BE49-F238E27FC236}">
+                <a16:creationId xmlns:a16="http://schemas.microsoft.com/office/drawing/2014/main" id="{A7E49A83-C368-4882-BC4A-3EBDB2F2977B}"/>
+              </a:ext>
+            </a:extLst>
+          </p:cNvPr>
+          <p:cNvSpPr txBox="1"/>
+          <p:nvPr/>
+        </p:nvSpPr>
+        <p:spPr>
+          <a:xfrm>
+            <a:off x="4451136" y="5668297"/>
+            <a:ext cx="769791" cy="369332"/>
+          </a:xfrm>
+          <a:prstGeom prst="rect">
+            <a:avLst/>
+          </a:prstGeom>
+          <a:noFill/>
+        </p:spPr>
+        <p:txBody>
+          <a:bodyPr wrap="square" rtlCol="0">
+            <a:spAutoFit/>
+          </a:bodyPr>
+          <a:lstStyle/>
+          <a:p>
+            <a:r>
+              <a:rPr kumimoji="1" lang="ja-JP" altLang="en-US" dirty="0">
+                <a:solidFill>
+                  <a:schemeClr val="bg1"/>
+                </a:solidFill>
+              </a:rPr>
+              <a:t>～％</a:t>
+            </a:r>
+          </a:p>
+        </p:txBody>
+      </p:sp>
+      <p:grpSp>
+        <p:nvGrpSpPr>
+          <p:cNvPr id="34" name="グループ化 33">
+            <a:extLst>
+              <a:ext uri="{FF2B5EF4-FFF2-40B4-BE49-F238E27FC236}">
+                <a16:creationId xmlns:a16="http://schemas.microsoft.com/office/drawing/2014/main" id="{24DA3BAC-04B8-40CF-9C2A-2A14111C7426}"/>
+              </a:ext>
+            </a:extLst>
+          </p:cNvPr>
+          <p:cNvGrpSpPr/>
+          <p:nvPr/>
+        </p:nvGrpSpPr>
+        <p:grpSpPr>
+          <a:xfrm>
+            <a:off x="2546271" y="1869524"/>
+            <a:ext cx="4331796" cy="2690957"/>
+            <a:chOff x="3735501" y="1625397"/>
+            <a:chExt cx="3546930" cy="2450066"/>
+          </a:xfrm>
+        </p:grpSpPr>
+        <p:sp>
+          <p:nvSpPr>
+            <p:cNvPr id="12" name="四角形: 角を丸くする 11">
+              <a:extLst>
+                <a:ext uri="{FF2B5EF4-FFF2-40B4-BE49-F238E27FC236}">
+                  <a16:creationId xmlns:a16="http://schemas.microsoft.com/office/drawing/2014/main" id="{2C031FDB-056F-42AA-945E-25AD7485094D}"/>
+                </a:ext>
+              </a:extLst>
+            </p:cNvPr>
+            <p:cNvSpPr/>
+            <p:nvPr/>
+          </p:nvSpPr>
+          <p:spPr>
+            <a:xfrm>
+              <a:off x="3735501" y="1625397"/>
+              <a:ext cx="3481375" cy="2450066"/>
+            </a:xfrm>
+            <a:prstGeom prst="roundRect">
+              <a:avLst/>
+            </a:prstGeom>
+            <a:solidFill>
+              <a:schemeClr val="tx1"/>
+            </a:solidFill>
+            <a:ln>
+              <a:solidFill>
+                <a:schemeClr val="bg1"/>
+              </a:solidFill>
+            </a:ln>
+          </p:spPr>
+          <p:style>
+            <a:lnRef idx="2">
+              <a:schemeClr val="accent1">
+                <a:shade val="50000"/>
+              </a:schemeClr>
+            </a:lnRef>
+            <a:fillRef idx="1">
+              <a:schemeClr val="accent1"/>
+            </a:fillRef>
+            <a:effectRef idx="0">
+              <a:schemeClr val="accent1"/>
+            </a:effectRef>
+            <a:fontRef idx="minor">
+              <a:schemeClr val="lt1"/>
+            </a:fontRef>
+          </p:style>
+          <p:txBody>
+            <a:bodyPr rtlCol="0" anchor="ctr"/>
+            <a:lstStyle/>
+            <a:p>
+              <a:pPr algn="ctr"/>
+              <a:endParaRPr kumimoji="1" lang="ja-JP" altLang="en-US"/>
+            </a:p>
+          </p:txBody>
+        </p:sp>
+        <p:sp>
+          <p:nvSpPr>
+            <p:cNvPr id="30" name="テキスト ボックス 29">
+              <a:extLst>
+                <a:ext uri="{FF2B5EF4-FFF2-40B4-BE49-F238E27FC236}">
+                  <a16:creationId xmlns:a16="http://schemas.microsoft.com/office/drawing/2014/main" id="{1707A95B-614F-47ED-974C-29C993635E94}"/>
+                </a:ext>
+              </a:extLst>
+            </p:cNvPr>
+            <p:cNvSpPr txBox="1"/>
+            <p:nvPr/>
+          </p:nvSpPr>
+          <p:spPr>
+            <a:xfrm>
+              <a:off x="3983130" y="1816818"/>
+              <a:ext cx="3233747" cy="369332"/>
+            </a:xfrm>
+            <a:prstGeom prst="rect">
+              <a:avLst/>
+            </a:prstGeom>
+            <a:noFill/>
+          </p:spPr>
+          <p:txBody>
+            <a:bodyPr wrap="square" rtlCol="0">
+              <a:spAutoFit/>
+            </a:bodyPr>
+            <a:lstStyle/>
+            <a:p>
+              <a:pPr algn="ctr"/>
+              <a:r>
+                <a:rPr kumimoji="1" lang="ja-JP" altLang="en-US" dirty="0">
+                  <a:solidFill>
+                    <a:schemeClr val="bg1"/>
+                  </a:solidFill>
+                </a:rPr>
+                <a:t>ミッション内容</a:t>
+              </a:r>
+            </a:p>
+          </p:txBody>
+        </p:sp>
+        <p:sp>
+          <p:nvSpPr>
+            <p:cNvPr id="31" name="テキスト ボックス 30">
+              <a:extLst>
+                <a:ext uri="{FF2B5EF4-FFF2-40B4-BE49-F238E27FC236}">
+                  <a16:creationId xmlns:a16="http://schemas.microsoft.com/office/drawing/2014/main" id="{E970ED34-1AB4-4985-8383-A00F02EF12B3}"/>
+                </a:ext>
+              </a:extLst>
+            </p:cNvPr>
+            <p:cNvSpPr txBox="1"/>
+            <p:nvPr/>
+          </p:nvSpPr>
+          <p:spPr>
+            <a:xfrm>
+              <a:off x="3917575" y="2294607"/>
+              <a:ext cx="3364856" cy="369332"/>
+            </a:xfrm>
+            <a:prstGeom prst="rect">
+              <a:avLst/>
+            </a:prstGeom>
+            <a:noFill/>
+          </p:spPr>
+          <p:txBody>
+            <a:bodyPr wrap="square" rtlCol="0">
+              <a:spAutoFit/>
+            </a:bodyPr>
+            <a:lstStyle/>
+            <a:p>
+              <a:r>
+                <a:rPr kumimoji="1" lang="ja-JP" altLang="en-US" dirty="0">
+                  <a:solidFill>
+                    <a:schemeClr val="bg1"/>
+                  </a:solidFill>
+                </a:rPr>
+                <a:t>☆　絵画を</a:t>
+              </a:r>
+              <a:r>
+                <a:rPr kumimoji="1" lang="en-US" altLang="ja-JP" dirty="0">
+                  <a:solidFill>
+                    <a:schemeClr val="bg1"/>
+                  </a:solidFill>
+                </a:rPr>
+                <a:t>4</a:t>
+              </a:r>
+              <a:r>
+                <a:rPr kumimoji="1" lang="ja-JP" altLang="en-US" dirty="0">
+                  <a:solidFill>
+                    <a:schemeClr val="bg1"/>
+                  </a:solidFill>
+                </a:rPr>
+                <a:t>枚塗りつぶせ！</a:t>
+              </a:r>
+            </a:p>
+          </p:txBody>
+        </p:sp>
+        <p:sp>
+          <p:nvSpPr>
+            <p:cNvPr id="32" name="テキスト ボックス 31">
+              <a:extLst>
+                <a:ext uri="{FF2B5EF4-FFF2-40B4-BE49-F238E27FC236}">
+                  <a16:creationId xmlns:a16="http://schemas.microsoft.com/office/drawing/2014/main" id="{726C1785-A656-44DC-8E52-0BA1EB67B571}"/>
+                </a:ext>
+              </a:extLst>
+            </p:cNvPr>
+            <p:cNvSpPr txBox="1"/>
+            <p:nvPr/>
+          </p:nvSpPr>
+          <p:spPr>
+            <a:xfrm>
+              <a:off x="3921441" y="2796069"/>
+              <a:ext cx="3083525" cy="369332"/>
+            </a:xfrm>
+            <a:prstGeom prst="rect">
+              <a:avLst/>
+            </a:prstGeom>
+            <a:noFill/>
+          </p:spPr>
+          <p:txBody>
+            <a:bodyPr wrap="square" rtlCol="0">
+              <a:spAutoFit/>
+            </a:bodyPr>
+            <a:lstStyle/>
+            <a:p>
+              <a:r>
+                <a:rPr kumimoji="1" lang="ja-JP" altLang="en-US" dirty="0">
+                  <a:solidFill>
+                    <a:schemeClr val="bg1"/>
+                  </a:solidFill>
+                </a:rPr>
+                <a:t>☆　絵画だけ塗りつぶせ！</a:t>
+              </a:r>
+            </a:p>
+          </p:txBody>
+        </p:sp>
+        <p:sp>
+          <p:nvSpPr>
+            <p:cNvPr id="33" name="テキスト ボックス 32">
+              <a:extLst>
+                <a:ext uri="{FF2B5EF4-FFF2-40B4-BE49-F238E27FC236}">
+                  <a16:creationId xmlns:a16="http://schemas.microsoft.com/office/drawing/2014/main" id="{08D63047-DB40-4D16-9BB4-E59BD9FC6701}"/>
+                </a:ext>
+              </a:extLst>
+            </p:cNvPr>
+            <p:cNvSpPr txBox="1"/>
+            <p:nvPr/>
+          </p:nvSpPr>
+          <p:spPr>
+            <a:xfrm>
+              <a:off x="3937237" y="3298863"/>
+              <a:ext cx="2046072" cy="369332"/>
+            </a:xfrm>
+            <a:prstGeom prst="rect">
+              <a:avLst/>
+            </a:prstGeom>
+            <a:noFill/>
+          </p:spPr>
+          <p:txBody>
+            <a:bodyPr wrap="square" rtlCol="0">
+              <a:spAutoFit/>
+            </a:bodyPr>
+            <a:lstStyle/>
+            <a:p>
+              <a:r>
+                <a:rPr kumimoji="1" lang="ja-JP" altLang="en-US" dirty="0">
+                  <a:solidFill>
+                    <a:schemeClr val="bg1"/>
+                  </a:solidFill>
+                </a:rPr>
+                <a:t>☆　ボスを倒せ！</a:t>
+              </a:r>
+            </a:p>
+          </p:txBody>
+        </p:sp>
+      </p:grpSp>
+      <p:grpSp>
+        <p:nvGrpSpPr>
+          <p:cNvPr id="39" name="グループ化 38">
+            <a:extLst>
+              <a:ext uri="{FF2B5EF4-FFF2-40B4-BE49-F238E27FC236}">
+                <a16:creationId xmlns:a16="http://schemas.microsoft.com/office/drawing/2014/main" id="{A009A46F-41FC-4580-91F5-877BD09A52D9}"/>
+              </a:ext>
+            </a:extLst>
+          </p:cNvPr>
+          <p:cNvGrpSpPr/>
+          <p:nvPr/>
+        </p:nvGrpSpPr>
+        <p:grpSpPr>
+          <a:xfrm>
+            <a:off x="7384671" y="2375302"/>
+            <a:ext cx="2712600" cy="1624834"/>
+            <a:chOff x="7228181" y="2226653"/>
+            <a:chExt cx="2712600" cy="1624834"/>
+          </a:xfrm>
+        </p:grpSpPr>
+        <p:sp>
+          <p:nvSpPr>
+            <p:cNvPr id="35" name="四角形: 角を丸くする 34">
+              <a:extLst>
+                <a:ext uri="{FF2B5EF4-FFF2-40B4-BE49-F238E27FC236}">
+                  <a16:creationId xmlns:a16="http://schemas.microsoft.com/office/drawing/2014/main" id="{6A2F1F08-8625-4667-9CB3-A1B29ED8FE54}"/>
+                </a:ext>
+              </a:extLst>
+            </p:cNvPr>
+            <p:cNvSpPr/>
+            <p:nvPr/>
+          </p:nvSpPr>
+          <p:spPr>
+            <a:xfrm>
+              <a:off x="7228181" y="2226653"/>
+              <a:ext cx="2525787" cy="1624834"/>
+            </a:xfrm>
+            <a:prstGeom prst="roundRect">
+              <a:avLst/>
+            </a:prstGeom>
+            <a:solidFill>
+              <a:schemeClr val="tx1"/>
+            </a:solidFill>
+            <a:ln>
+              <a:solidFill>
+                <a:schemeClr val="bg1"/>
+              </a:solidFill>
+            </a:ln>
+          </p:spPr>
+          <p:style>
+            <a:lnRef idx="2">
+              <a:schemeClr val="accent1">
+                <a:shade val="50000"/>
+              </a:schemeClr>
+            </a:lnRef>
+            <a:fillRef idx="1">
+              <a:schemeClr val="accent1"/>
+            </a:fillRef>
+            <a:effectRef idx="0">
+              <a:schemeClr val="accent1"/>
+            </a:effectRef>
+            <a:fontRef idx="minor">
+              <a:schemeClr val="lt1"/>
+            </a:fontRef>
+          </p:style>
+          <p:txBody>
+            <a:bodyPr rtlCol="0" anchor="ctr"/>
+            <a:lstStyle/>
+            <a:p>
+              <a:pPr algn="ctr"/>
+              <a:endParaRPr kumimoji="1" lang="ja-JP" altLang="en-US"/>
+            </a:p>
+          </p:txBody>
+        </p:sp>
+        <p:sp>
+          <p:nvSpPr>
+            <p:cNvPr id="36" name="テキスト ボックス 35">
+              <a:extLst>
+                <a:ext uri="{FF2B5EF4-FFF2-40B4-BE49-F238E27FC236}">
+                  <a16:creationId xmlns:a16="http://schemas.microsoft.com/office/drawing/2014/main" id="{329BF33D-D6C4-4727-BA3C-A07A3182DA11}"/>
+                </a:ext>
+              </a:extLst>
+            </p:cNvPr>
+            <p:cNvSpPr txBox="1"/>
+            <p:nvPr/>
+          </p:nvSpPr>
+          <p:spPr>
+            <a:xfrm>
+              <a:off x="7462588" y="2336820"/>
+              <a:ext cx="2338974" cy="369332"/>
+            </a:xfrm>
+            <a:prstGeom prst="rect">
+              <a:avLst/>
+            </a:prstGeom>
+            <a:noFill/>
+          </p:spPr>
+          <p:txBody>
+            <a:bodyPr wrap="square" rtlCol="0">
+              <a:spAutoFit/>
+            </a:bodyPr>
+            <a:lstStyle/>
+            <a:p>
+              <a:r>
+                <a:rPr kumimoji="1" lang="ja-JP" altLang="en-US" dirty="0">
+                  <a:solidFill>
+                    <a:schemeClr val="bg1"/>
+                  </a:solidFill>
+                </a:rPr>
+                <a:t>ステージ選択に戻る</a:t>
+              </a:r>
+            </a:p>
+          </p:txBody>
+        </p:sp>
+        <p:sp>
+          <p:nvSpPr>
+            <p:cNvPr id="37" name="テキスト ボックス 36">
+              <a:extLst>
+                <a:ext uri="{FF2B5EF4-FFF2-40B4-BE49-F238E27FC236}">
+                  <a16:creationId xmlns:a16="http://schemas.microsoft.com/office/drawing/2014/main" id="{52F9CF4F-FF1C-4437-B9C9-7D2D57BB8AD4}"/>
+                </a:ext>
+              </a:extLst>
+            </p:cNvPr>
+            <p:cNvSpPr txBox="1"/>
+            <p:nvPr/>
+          </p:nvSpPr>
+          <p:spPr>
+            <a:xfrm>
+              <a:off x="7601807" y="2761236"/>
+              <a:ext cx="2338974" cy="369332"/>
+            </a:xfrm>
+            <a:prstGeom prst="rect">
+              <a:avLst/>
+            </a:prstGeom>
+            <a:noFill/>
+          </p:spPr>
+          <p:txBody>
+            <a:bodyPr wrap="square" rtlCol="0">
+              <a:spAutoFit/>
+            </a:bodyPr>
+            <a:lstStyle/>
+            <a:p>
+              <a:r>
+                <a:rPr kumimoji="1" lang="ja-JP" altLang="en-US" dirty="0">
+                  <a:solidFill>
+                    <a:schemeClr val="bg1"/>
+                  </a:solidFill>
+                </a:rPr>
+                <a:t>タイトルに戻る</a:t>
+              </a:r>
+            </a:p>
+          </p:txBody>
+        </p:sp>
+        <p:sp>
+          <p:nvSpPr>
+            <p:cNvPr id="38" name="二等辺三角形 37">
+              <a:extLst>
+                <a:ext uri="{FF2B5EF4-FFF2-40B4-BE49-F238E27FC236}">
+                  <a16:creationId xmlns:a16="http://schemas.microsoft.com/office/drawing/2014/main" id="{5E57C431-B690-4977-84BD-8FF6DF552BE1}"/>
+                </a:ext>
+              </a:extLst>
+            </p:cNvPr>
+            <p:cNvSpPr/>
+            <p:nvPr/>
+          </p:nvSpPr>
+          <p:spPr>
+            <a:xfrm rot="5400000">
+              <a:off x="7294390" y="2353294"/>
+              <a:ext cx="278175" cy="245232"/>
+            </a:xfrm>
+            <a:prstGeom prst="triangle">
+              <a:avLst>
+                <a:gd name="adj" fmla="val 50000"/>
+              </a:avLst>
+            </a:prstGeom>
+            <a:solidFill>
+              <a:schemeClr val="accent1"/>
+            </a:solidFill>
+            <a:ln>
+              <a:solidFill>
+                <a:schemeClr val="bg1"/>
+              </a:solidFill>
+            </a:ln>
+          </p:spPr>
+          <p:style>
+            <a:lnRef idx="2">
+              <a:schemeClr val="accent1">
+                <a:shade val="50000"/>
+              </a:schemeClr>
+            </a:lnRef>
+            <a:fillRef idx="1">
+              <a:schemeClr val="accent1"/>
+            </a:fillRef>
+            <a:effectRef idx="0">
+              <a:schemeClr val="accent1"/>
+            </a:effectRef>
+            <a:fontRef idx="minor">
+              <a:schemeClr val="lt1"/>
+            </a:fontRef>
+          </p:style>
+          <p:txBody>
+            <a:bodyPr rtlCol="0" anchor="ctr"/>
+            <a:lstStyle/>
+            <a:p>
+              <a:pPr algn="ctr"/>
+              <a:endParaRPr kumimoji="1" lang="ja-JP" altLang="en-US"/>
+            </a:p>
+          </p:txBody>
+        </p:sp>
+        <p:sp>
+          <p:nvSpPr>
+            <p:cNvPr id="40" name="テキスト ボックス 39">
+              <a:extLst>
+                <a:ext uri="{FF2B5EF4-FFF2-40B4-BE49-F238E27FC236}">
+                  <a16:creationId xmlns:a16="http://schemas.microsoft.com/office/drawing/2014/main" id="{B7ACB038-4287-4094-BC39-C59D52D67AA6}"/>
+                </a:ext>
+              </a:extLst>
+            </p:cNvPr>
+            <p:cNvSpPr txBox="1"/>
+            <p:nvPr/>
+          </p:nvSpPr>
+          <p:spPr>
+            <a:xfrm>
+              <a:off x="7462588" y="3218315"/>
+              <a:ext cx="2338974" cy="369332"/>
+            </a:xfrm>
+            <a:prstGeom prst="rect">
+              <a:avLst/>
+            </a:prstGeom>
+            <a:noFill/>
+          </p:spPr>
+          <p:txBody>
+            <a:bodyPr wrap="square" rtlCol="0">
+              <a:spAutoFit/>
+            </a:bodyPr>
+            <a:lstStyle/>
+            <a:p>
+              <a:r>
+                <a:rPr kumimoji="1" lang="ja-JP" altLang="en-US" dirty="0">
+                  <a:solidFill>
+                    <a:schemeClr val="bg1"/>
+                  </a:solidFill>
+                </a:rPr>
+                <a:t>メニューを閉じる</a:t>
+              </a:r>
+            </a:p>
+          </p:txBody>
+        </p:sp>
+      </p:grpSp>
+    </p:spTree>
+    <p:extLst>
+      <p:ext uri="{BB962C8B-B14F-4D97-AF65-F5344CB8AC3E}">
+        <p14:creationId xmlns:p14="http://schemas.microsoft.com/office/powerpoint/2010/main" val="3285149481"/>
+      </p:ext>
+    </p:extLst>
+  </p:cSld>
+  <p:clrMapOvr>
+    <a:masterClrMapping/>
+  </p:clrMapOvr>
+</p:sld>
+</file>
+
+<file path=ppt/slides/slide6.xml><?xml version="1.0" encoding="utf-8"?>
 <p:sld xmlns:a="http://schemas.openxmlformats.org/drawingml/2006/main" xmlns:r="http://schemas.openxmlformats.org/officeDocument/2006/relationships" xmlns:p="http://schemas.openxmlformats.org/presentationml/2006/main">
   <p:cSld>
     <p:bg>
@@ -9216,7 +10551,7 @@
 </p:sld>
 </file>
 
-<file path=ppt/slides/slide6.xml><?xml version="1.0" encoding="utf-8"?>
+<file path=ppt/slides/slide7.xml><?xml version="1.0" encoding="utf-8"?>
 <p:sld xmlns:a="http://schemas.openxmlformats.org/drawingml/2006/main" xmlns:r="http://schemas.openxmlformats.org/officeDocument/2006/relationships" xmlns:p="http://schemas.openxmlformats.org/presentationml/2006/main">
   <p:cSld>
     <p:bg>
@@ -9966,7 +11301,7 @@
 </p:sld>
 </file>
 
-<file path=ppt/slides/slide7.xml><?xml version="1.0" encoding="utf-8"?>
+<file path=ppt/slides/slide8.xml><?xml version="1.0" encoding="utf-8"?>
 <p:sld xmlns:a="http://schemas.openxmlformats.org/drawingml/2006/main" xmlns:r="http://schemas.openxmlformats.org/officeDocument/2006/relationships" xmlns:p="http://schemas.openxmlformats.org/presentationml/2006/main" show="0">
   <p:cSld>
     <p:bg>

--- a/haskeat.pptx
+++ b/haskeat.pptx
@@ -250,7 +250,7 @@
           <a:p>
             <a:fld id="{D9145103-6079-44AB-8287-23A2C0B432BD}" type="datetimeFigureOut">
               <a:rPr kumimoji="1" lang="ja-JP" altLang="en-US" smtClean="0"/>
-              <a:t>2023/2/7</a:t>
+              <a:t>2023/2/9</a:t>
             </a:fld>
             <a:endParaRPr kumimoji="1" lang="ja-JP" altLang="en-US"/>
           </a:p>
@@ -452,7 +452,7 @@
           <a:p>
             <a:fld id="{D9145103-6079-44AB-8287-23A2C0B432BD}" type="datetimeFigureOut">
               <a:rPr kumimoji="1" lang="ja-JP" altLang="en-US" smtClean="0"/>
-              <a:t>2023/2/7</a:t>
+              <a:t>2023/2/9</a:t>
             </a:fld>
             <a:endParaRPr kumimoji="1" lang="ja-JP" altLang="en-US"/>
           </a:p>
@@ -664,7 +664,7 @@
           <a:p>
             <a:fld id="{D9145103-6079-44AB-8287-23A2C0B432BD}" type="datetimeFigureOut">
               <a:rPr kumimoji="1" lang="ja-JP" altLang="en-US" smtClean="0"/>
-              <a:t>2023/2/7</a:t>
+              <a:t>2023/2/9</a:t>
             </a:fld>
             <a:endParaRPr kumimoji="1" lang="ja-JP" altLang="en-US"/>
           </a:p>
@@ -866,7 +866,7 @@
           <a:p>
             <a:fld id="{D9145103-6079-44AB-8287-23A2C0B432BD}" type="datetimeFigureOut">
               <a:rPr kumimoji="1" lang="ja-JP" altLang="en-US" smtClean="0"/>
-              <a:t>2023/2/7</a:t>
+              <a:t>2023/2/9</a:t>
             </a:fld>
             <a:endParaRPr kumimoji="1" lang="ja-JP" altLang="en-US"/>
           </a:p>
@@ -1112,7 +1112,7 @@
           <a:p>
             <a:fld id="{D9145103-6079-44AB-8287-23A2C0B432BD}" type="datetimeFigureOut">
               <a:rPr kumimoji="1" lang="ja-JP" altLang="en-US" smtClean="0"/>
-              <a:t>2023/2/7</a:t>
+              <a:t>2023/2/9</a:t>
             </a:fld>
             <a:endParaRPr kumimoji="1" lang="ja-JP" altLang="en-US"/>
           </a:p>
@@ -1408,7 +1408,7 @@
           <a:p>
             <a:fld id="{D9145103-6079-44AB-8287-23A2C0B432BD}" type="datetimeFigureOut">
               <a:rPr kumimoji="1" lang="ja-JP" altLang="en-US" smtClean="0"/>
-              <a:t>2023/2/7</a:t>
+              <a:t>2023/2/9</a:t>
             </a:fld>
             <a:endParaRPr kumimoji="1" lang="ja-JP" altLang="en-US"/>
           </a:p>
@@ -1839,7 +1839,7 @@
           <a:p>
             <a:fld id="{D9145103-6079-44AB-8287-23A2C0B432BD}" type="datetimeFigureOut">
               <a:rPr kumimoji="1" lang="ja-JP" altLang="en-US" smtClean="0"/>
-              <a:t>2023/2/7</a:t>
+              <a:t>2023/2/9</a:t>
             </a:fld>
             <a:endParaRPr kumimoji="1" lang="ja-JP" altLang="en-US"/>
           </a:p>
@@ -1957,7 +1957,7 @@
           <a:p>
             <a:fld id="{D9145103-6079-44AB-8287-23A2C0B432BD}" type="datetimeFigureOut">
               <a:rPr kumimoji="1" lang="ja-JP" altLang="en-US" smtClean="0"/>
-              <a:t>2023/2/7</a:t>
+              <a:t>2023/2/9</a:t>
             </a:fld>
             <a:endParaRPr kumimoji="1" lang="ja-JP" altLang="en-US"/>
           </a:p>
@@ -2052,7 +2052,7 @@
           <a:p>
             <a:fld id="{D9145103-6079-44AB-8287-23A2C0B432BD}" type="datetimeFigureOut">
               <a:rPr kumimoji="1" lang="ja-JP" altLang="en-US" smtClean="0"/>
-              <a:t>2023/2/7</a:t>
+              <a:t>2023/2/9</a:t>
             </a:fld>
             <a:endParaRPr kumimoji="1" lang="ja-JP" altLang="en-US"/>
           </a:p>
@@ -2361,7 +2361,7 @@
           <a:p>
             <a:fld id="{D9145103-6079-44AB-8287-23A2C0B432BD}" type="datetimeFigureOut">
               <a:rPr kumimoji="1" lang="ja-JP" altLang="en-US" smtClean="0"/>
-              <a:t>2023/2/7</a:t>
+              <a:t>2023/2/9</a:t>
             </a:fld>
             <a:endParaRPr kumimoji="1" lang="ja-JP" altLang="en-US"/>
           </a:p>
@@ -2618,7 +2618,7 @@
           <a:p>
             <a:fld id="{D9145103-6079-44AB-8287-23A2C0B432BD}" type="datetimeFigureOut">
               <a:rPr kumimoji="1" lang="ja-JP" altLang="en-US" smtClean="0"/>
-              <a:t>2023/2/7</a:t>
+              <a:t>2023/2/9</a:t>
             </a:fld>
             <a:endParaRPr kumimoji="1" lang="ja-JP" altLang="en-US"/>
           </a:p>
@@ -2863,7 +2863,7 @@
           <a:p>
             <a:fld id="{D9145103-6079-44AB-8287-23A2C0B432BD}" type="datetimeFigureOut">
               <a:rPr kumimoji="1" lang="ja-JP" altLang="en-US" smtClean="0"/>
-              <a:t>2023/2/7</a:t>
+              <a:t>2023/2/9</a:t>
             </a:fld>
             <a:endParaRPr kumimoji="1" lang="ja-JP" altLang="en-US"/>
           </a:p>

--- a/haskeat.pptx
+++ b/haskeat.pptx
@@ -4,15 +4,21 @@
   <p:sldMasterIdLst>
     <p:sldMasterId id="2147483672" r:id="rId1"/>
   </p:sldMasterIdLst>
+  <p:notesMasterIdLst>
+    <p:notesMasterId r:id="rId13"/>
+  </p:notesMasterIdLst>
   <p:sldIdLst>
-    <p:sldId id="259" r:id="rId2"/>
-    <p:sldId id="260" r:id="rId3"/>
-    <p:sldId id="256" r:id="rId4"/>
-    <p:sldId id="257" r:id="rId5"/>
-    <p:sldId id="263" r:id="rId6"/>
-    <p:sldId id="261" r:id="rId7"/>
-    <p:sldId id="262" r:id="rId8"/>
-    <p:sldId id="258" r:id="rId9"/>
+    <p:sldId id="265" r:id="rId2"/>
+    <p:sldId id="259" r:id="rId3"/>
+    <p:sldId id="260" r:id="rId4"/>
+    <p:sldId id="256" r:id="rId5"/>
+    <p:sldId id="257" r:id="rId6"/>
+    <p:sldId id="263" r:id="rId7"/>
+    <p:sldId id="261" r:id="rId8"/>
+    <p:sldId id="262" r:id="rId9"/>
+    <p:sldId id="264" r:id="rId10"/>
+    <p:sldId id="266" r:id="rId11"/>
+    <p:sldId id="258" r:id="rId12"/>
   </p:sldIdLst>
   <p:sldSz cx="12192000" cy="6858000"/>
   <p:notesSz cx="6858000" cy="9144000"/>
@@ -119,6 +125,1584 @@
 </p:presentation>
 </file>
 
+<file path=ppt/notesMasters/notesMaster1.xml><?xml version="1.0" encoding="utf-8"?>
+<p:notesMaster xmlns:a="http://schemas.openxmlformats.org/drawingml/2006/main" xmlns:r="http://schemas.openxmlformats.org/officeDocument/2006/relationships" xmlns:p="http://schemas.openxmlformats.org/presentationml/2006/main">
+  <p:cSld>
+    <p:bg>
+      <p:bgRef idx="1001">
+        <a:schemeClr val="bg1"/>
+      </p:bgRef>
+    </p:bg>
+    <p:spTree>
+      <p:nvGrpSpPr>
+        <p:cNvPr id="1" name=""/>
+        <p:cNvGrpSpPr/>
+        <p:nvPr/>
+      </p:nvGrpSpPr>
+      <p:grpSpPr>
+        <a:xfrm>
+          <a:off x="0" y="0"/>
+          <a:ext cx="0" cy="0"/>
+          <a:chOff x="0" y="0"/>
+          <a:chExt cx="0" cy="0"/>
+        </a:xfrm>
+      </p:grpSpPr>
+      <p:sp>
+        <p:nvSpPr>
+          <p:cNvPr id="2" name="ヘッダー プレースホルダー 1"/>
+          <p:cNvSpPr>
+            <a:spLocks noGrp="1"/>
+          </p:cNvSpPr>
+          <p:nvPr>
+            <p:ph type="hdr" sz="quarter"/>
+          </p:nvPr>
+        </p:nvSpPr>
+        <p:spPr>
+          <a:xfrm>
+            <a:off x="0" y="0"/>
+            <a:ext cx="2971800" cy="458788"/>
+          </a:xfrm>
+          <a:prstGeom prst="rect">
+            <a:avLst/>
+          </a:prstGeom>
+        </p:spPr>
+        <p:txBody>
+          <a:bodyPr vert="horz" lIns="91440" tIns="45720" rIns="91440" bIns="45720" rtlCol="0"/>
+          <a:lstStyle>
+            <a:lvl1pPr algn="l">
+              <a:defRPr sz="1200"/>
+            </a:lvl1pPr>
+          </a:lstStyle>
+          <a:p>
+            <a:endParaRPr kumimoji="1" lang="ja-JP" altLang="en-US"/>
+          </a:p>
+        </p:txBody>
+      </p:sp>
+      <p:sp>
+        <p:nvSpPr>
+          <p:cNvPr id="3" name="日付プレースホルダー 2"/>
+          <p:cNvSpPr>
+            <a:spLocks noGrp="1"/>
+          </p:cNvSpPr>
+          <p:nvPr>
+            <p:ph type="dt" idx="1"/>
+          </p:nvPr>
+        </p:nvSpPr>
+        <p:spPr>
+          <a:xfrm>
+            <a:off x="3884613" y="0"/>
+            <a:ext cx="2971800" cy="458788"/>
+          </a:xfrm>
+          <a:prstGeom prst="rect">
+            <a:avLst/>
+          </a:prstGeom>
+        </p:spPr>
+        <p:txBody>
+          <a:bodyPr vert="horz" lIns="91440" tIns="45720" rIns="91440" bIns="45720" rtlCol="0"/>
+          <a:lstStyle>
+            <a:lvl1pPr algn="r">
+              <a:defRPr sz="1200"/>
+            </a:lvl1pPr>
+          </a:lstStyle>
+          <a:p>
+            <a:fld id="{823F6C72-E8C8-42DC-ADFB-A86410617821}" type="datetimeFigureOut">
+              <a:rPr kumimoji="1" lang="ja-JP" altLang="en-US" smtClean="0"/>
+              <a:t>2023/3/2</a:t>
+            </a:fld>
+            <a:endParaRPr kumimoji="1" lang="ja-JP" altLang="en-US"/>
+          </a:p>
+        </p:txBody>
+      </p:sp>
+      <p:sp>
+        <p:nvSpPr>
+          <p:cNvPr id="4" name="スライド イメージ プレースホルダー 3"/>
+          <p:cNvSpPr>
+            <a:spLocks noGrp="1" noRot="1" noChangeAspect="1"/>
+          </p:cNvSpPr>
+          <p:nvPr>
+            <p:ph type="sldImg" idx="2"/>
+          </p:nvPr>
+        </p:nvSpPr>
+        <p:spPr>
+          <a:xfrm>
+            <a:off x="685800" y="1143000"/>
+            <a:ext cx="5486400" cy="3086100"/>
+          </a:xfrm>
+          <a:prstGeom prst="rect">
+            <a:avLst/>
+          </a:prstGeom>
+          <a:noFill/>
+          <a:ln w="12700">
+            <a:solidFill>
+              <a:prstClr val="black"/>
+            </a:solidFill>
+          </a:ln>
+        </p:spPr>
+        <p:txBody>
+          <a:bodyPr vert="horz" lIns="91440" tIns="45720" rIns="91440" bIns="45720" rtlCol="0" anchor="ctr"/>
+          <a:lstStyle/>
+          <a:p>
+            <a:endParaRPr lang="ja-JP" altLang="en-US"/>
+          </a:p>
+        </p:txBody>
+      </p:sp>
+      <p:sp>
+        <p:nvSpPr>
+          <p:cNvPr id="5" name="ノート プレースホルダー 4"/>
+          <p:cNvSpPr>
+            <a:spLocks noGrp="1"/>
+          </p:cNvSpPr>
+          <p:nvPr>
+            <p:ph type="body" sz="quarter" idx="3"/>
+          </p:nvPr>
+        </p:nvSpPr>
+        <p:spPr>
+          <a:xfrm>
+            <a:off x="685800" y="4400550"/>
+            <a:ext cx="5486400" cy="3600450"/>
+          </a:xfrm>
+          <a:prstGeom prst="rect">
+            <a:avLst/>
+          </a:prstGeom>
+        </p:spPr>
+        <p:txBody>
+          <a:bodyPr vert="horz" lIns="91440" tIns="45720" rIns="91440" bIns="45720" rtlCol="0"/>
+          <a:lstStyle/>
+          <a:p>
+            <a:pPr lvl="0"/>
+            <a:r>
+              <a:rPr kumimoji="1" lang="ja-JP" altLang="en-US"/>
+              <a:t>マスター テキストの書式設定</a:t>
+            </a:r>
+          </a:p>
+          <a:p>
+            <a:pPr lvl="1"/>
+            <a:r>
+              <a:rPr kumimoji="1" lang="ja-JP" altLang="en-US"/>
+              <a:t>第 </a:t>
+            </a:r>
+            <a:r>
+              <a:rPr kumimoji="1" lang="en-US" altLang="ja-JP"/>
+              <a:t>2 </a:t>
+            </a:r>
+            <a:r>
+              <a:rPr kumimoji="1" lang="ja-JP" altLang="en-US"/>
+              <a:t>レベル</a:t>
+            </a:r>
+          </a:p>
+          <a:p>
+            <a:pPr lvl="2"/>
+            <a:r>
+              <a:rPr kumimoji="1" lang="ja-JP" altLang="en-US"/>
+              <a:t>第 </a:t>
+            </a:r>
+            <a:r>
+              <a:rPr kumimoji="1" lang="en-US" altLang="ja-JP"/>
+              <a:t>3 </a:t>
+            </a:r>
+            <a:r>
+              <a:rPr kumimoji="1" lang="ja-JP" altLang="en-US"/>
+              <a:t>レベル</a:t>
+            </a:r>
+          </a:p>
+          <a:p>
+            <a:pPr lvl="3"/>
+            <a:r>
+              <a:rPr kumimoji="1" lang="ja-JP" altLang="en-US"/>
+              <a:t>第 </a:t>
+            </a:r>
+            <a:r>
+              <a:rPr kumimoji="1" lang="en-US" altLang="ja-JP"/>
+              <a:t>4 </a:t>
+            </a:r>
+            <a:r>
+              <a:rPr kumimoji="1" lang="ja-JP" altLang="en-US"/>
+              <a:t>レベル</a:t>
+            </a:r>
+          </a:p>
+          <a:p>
+            <a:pPr lvl="4"/>
+            <a:r>
+              <a:rPr kumimoji="1" lang="ja-JP" altLang="en-US"/>
+              <a:t>第 </a:t>
+            </a:r>
+            <a:r>
+              <a:rPr kumimoji="1" lang="en-US" altLang="ja-JP"/>
+              <a:t>5 </a:t>
+            </a:r>
+            <a:r>
+              <a:rPr kumimoji="1" lang="ja-JP" altLang="en-US"/>
+              <a:t>レベル</a:t>
+            </a:r>
+          </a:p>
+        </p:txBody>
+      </p:sp>
+      <p:sp>
+        <p:nvSpPr>
+          <p:cNvPr id="6" name="フッター プレースホルダー 5"/>
+          <p:cNvSpPr>
+            <a:spLocks noGrp="1"/>
+          </p:cNvSpPr>
+          <p:nvPr>
+            <p:ph type="ftr" sz="quarter" idx="4"/>
+          </p:nvPr>
+        </p:nvSpPr>
+        <p:spPr>
+          <a:xfrm>
+            <a:off x="0" y="8685213"/>
+            <a:ext cx="2971800" cy="458787"/>
+          </a:xfrm>
+          <a:prstGeom prst="rect">
+            <a:avLst/>
+          </a:prstGeom>
+        </p:spPr>
+        <p:txBody>
+          <a:bodyPr vert="horz" lIns="91440" tIns="45720" rIns="91440" bIns="45720" rtlCol="0" anchor="b"/>
+          <a:lstStyle>
+            <a:lvl1pPr algn="l">
+              <a:defRPr sz="1200"/>
+            </a:lvl1pPr>
+          </a:lstStyle>
+          <a:p>
+            <a:endParaRPr kumimoji="1" lang="ja-JP" altLang="en-US"/>
+          </a:p>
+        </p:txBody>
+      </p:sp>
+      <p:sp>
+        <p:nvSpPr>
+          <p:cNvPr id="7" name="スライド番号プレースホルダー 6"/>
+          <p:cNvSpPr>
+            <a:spLocks noGrp="1"/>
+          </p:cNvSpPr>
+          <p:nvPr>
+            <p:ph type="sldNum" sz="quarter" idx="5"/>
+          </p:nvPr>
+        </p:nvSpPr>
+        <p:spPr>
+          <a:xfrm>
+            <a:off x="3884613" y="8685213"/>
+            <a:ext cx="2971800" cy="458787"/>
+          </a:xfrm>
+          <a:prstGeom prst="rect">
+            <a:avLst/>
+          </a:prstGeom>
+        </p:spPr>
+        <p:txBody>
+          <a:bodyPr vert="horz" lIns="91440" tIns="45720" rIns="91440" bIns="45720" rtlCol="0" anchor="b"/>
+          <a:lstStyle>
+            <a:lvl1pPr algn="r">
+              <a:defRPr sz="1200"/>
+            </a:lvl1pPr>
+          </a:lstStyle>
+          <a:p>
+            <a:fld id="{BCED0462-9738-42E7-A95A-C2273252B265}" type="slidenum">
+              <a:rPr kumimoji="1" lang="ja-JP" altLang="en-US" smtClean="0"/>
+              <a:t>‹#›</a:t>
+            </a:fld>
+            <a:endParaRPr kumimoji="1" lang="ja-JP" altLang="en-US"/>
+          </a:p>
+        </p:txBody>
+      </p:sp>
+    </p:spTree>
+    <p:extLst>
+      <p:ext uri="{BB962C8B-B14F-4D97-AF65-F5344CB8AC3E}">
+        <p14:creationId xmlns:p14="http://schemas.microsoft.com/office/powerpoint/2010/main" val="664748643"/>
+      </p:ext>
+    </p:extLst>
+  </p:cSld>
+  <p:clrMap bg1="lt1" tx1="dk1" bg2="lt2" tx2="dk2" accent1="accent1" accent2="accent2" accent3="accent3" accent4="accent4" accent5="accent5" accent6="accent6" hlink="hlink" folHlink="folHlink"/>
+  <p:notesStyle>
+    <a:lvl1pPr marL="0" algn="l" defTabSz="914400" rtl="0" eaLnBrk="1" latinLnBrk="0" hangingPunct="1">
+      <a:defRPr kumimoji="1" sz="1200" kern="1200">
+        <a:solidFill>
+          <a:schemeClr val="tx1"/>
+        </a:solidFill>
+        <a:latin typeface="+mn-lt"/>
+        <a:ea typeface="+mn-ea"/>
+        <a:cs typeface="+mn-cs"/>
+      </a:defRPr>
+    </a:lvl1pPr>
+    <a:lvl2pPr marL="457200" algn="l" defTabSz="914400" rtl="0" eaLnBrk="1" latinLnBrk="0" hangingPunct="1">
+      <a:defRPr kumimoji="1" sz="1200" kern="1200">
+        <a:solidFill>
+          <a:schemeClr val="tx1"/>
+        </a:solidFill>
+        <a:latin typeface="+mn-lt"/>
+        <a:ea typeface="+mn-ea"/>
+        <a:cs typeface="+mn-cs"/>
+      </a:defRPr>
+    </a:lvl2pPr>
+    <a:lvl3pPr marL="914400" algn="l" defTabSz="914400" rtl="0" eaLnBrk="1" latinLnBrk="0" hangingPunct="1">
+      <a:defRPr kumimoji="1" sz="1200" kern="1200">
+        <a:solidFill>
+          <a:schemeClr val="tx1"/>
+        </a:solidFill>
+        <a:latin typeface="+mn-lt"/>
+        <a:ea typeface="+mn-ea"/>
+        <a:cs typeface="+mn-cs"/>
+      </a:defRPr>
+    </a:lvl3pPr>
+    <a:lvl4pPr marL="1371600" algn="l" defTabSz="914400" rtl="0" eaLnBrk="1" latinLnBrk="0" hangingPunct="1">
+      <a:defRPr kumimoji="1" sz="1200" kern="1200">
+        <a:solidFill>
+          <a:schemeClr val="tx1"/>
+        </a:solidFill>
+        <a:latin typeface="+mn-lt"/>
+        <a:ea typeface="+mn-ea"/>
+        <a:cs typeface="+mn-cs"/>
+      </a:defRPr>
+    </a:lvl4pPr>
+    <a:lvl5pPr marL="1828800" algn="l" defTabSz="914400" rtl="0" eaLnBrk="1" latinLnBrk="0" hangingPunct="1">
+      <a:defRPr kumimoji="1" sz="1200" kern="1200">
+        <a:solidFill>
+          <a:schemeClr val="tx1"/>
+        </a:solidFill>
+        <a:latin typeface="+mn-lt"/>
+        <a:ea typeface="+mn-ea"/>
+        <a:cs typeface="+mn-cs"/>
+      </a:defRPr>
+    </a:lvl5pPr>
+    <a:lvl6pPr marL="2286000" algn="l" defTabSz="914400" rtl="0" eaLnBrk="1" latinLnBrk="0" hangingPunct="1">
+      <a:defRPr kumimoji="1" sz="1200" kern="1200">
+        <a:solidFill>
+          <a:schemeClr val="tx1"/>
+        </a:solidFill>
+        <a:latin typeface="+mn-lt"/>
+        <a:ea typeface="+mn-ea"/>
+        <a:cs typeface="+mn-cs"/>
+      </a:defRPr>
+    </a:lvl6pPr>
+    <a:lvl7pPr marL="2743200" algn="l" defTabSz="914400" rtl="0" eaLnBrk="1" latinLnBrk="0" hangingPunct="1">
+      <a:defRPr kumimoji="1" sz="1200" kern="1200">
+        <a:solidFill>
+          <a:schemeClr val="tx1"/>
+        </a:solidFill>
+        <a:latin typeface="+mn-lt"/>
+        <a:ea typeface="+mn-ea"/>
+        <a:cs typeface="+mn-cs"/>
+      </a:defRPr>
+    </a:lvl7pPr>
+    <a:lvl8pPr marL="3200400" algn="l" defTabSz="914400" rtl="0" eaLnBrk="1" latinLnBrk="0" hangingPunct="1">
+      <a:defRPr kumimoji="1" sz="1200" kern="1200">
+        <a:solidFill>
+          <a:schemeClr val="tx1"/>
+        </a:solidFill>
+        <a:latin typeface="+mn-lt"/>
+        <a:ea typeface="+mn-ea"/>
+        <a:cs typeface="+mn-cs"/>
+      </a:defRPr>
+    </a:lvl8pPr>
+    <a:lvl9pPr marL="3657600" algn="l" defTabSz="914400" rtl="0" eaLnBrk="1" latinLnBrk="0" hangingPunct="1">
+      <a:defRPr kumimoji="1" sz="1200" kern="1200">
+        <a:solidFill>
+          <a:schemeClr val="tx1"/>
+        </a:solidFill>
+        <a:latin typeface="+mn-lt"/>
+        <a:ea typeface="+mn-ea"/>
+        <a:cs typeface="+mn-cs"/>
+      </a:defRPr>
+    </a:lvl9pPr>
+  </p:notesStyle>
+</p:notesMaster>
+</file>
+
+<file path=ppt/notesSlides/notesSlide1.xml><?xml version="1.0" encoding="utf-8"?>
+<p:notes xmlns:a="http://schemas.openxmlformats.org/drawingml/2006/main" xmlns:r="http://schemas.openxmlformats.org/officeDocument/2006/relationships" xmlns:p="http://schemas.openxmlformats.org/presentationml/2006/main">
+  <p:cSld>
+    <p:spTree>
+      <p:nvGrpSpPr>
+        <p:cNvPr id="1" name=""/>
+        <p:cNvGrpSpPr/>
+        <p:nvPr/>
+      </p:nvGrpSpPr>
+      <p:grpSpPr>
+        <a:xfrm>
+          <a:off x="0" y="0"/>
+          <a:ext cx="0" cy="0"/>
+          <a:chOff x="0" y="0"/>
+          <a:chExt cx="0" cy="0"/>
+        </a:xfrm>
+      </p:grpSpPr>
+      <p:sp>
+        <p:nvSpPr>
+          <p:cNvPr id="2" name="スライド イメージ プレースホルダー 1"/>
+          <p:cNvSpPr>
+            <a:spLocks noGrp="1" noRot="1" noChangeAspect="1"/>
+          </p:cNvSpPr>
+          <p:nvPr>
+            <p:ph type="sldImg"/>
+          </p:nvPr>
+        </p:nvSpPr>
+        <p:spPr/>
+      </p:sp>
+      <p:sp>
+        <p:nvSpPr>
+          <p:cNvPr id="3" name="ノート プレースホルダー 2"/>
+          <p:cNvSpPr>
+            <a:spLocks noGrp="1"/>
+          </p:cNvSpPr>
+          <p:nvPr>
+            <p:ph type="body" idx="1"/>
+          </p:nvPr>
+        </p:nvSpPr>
+        <p:spPr/>
+        <p:txBody>
+          <a:bodyPr/>
+          <a:lstStyle/>
+          <a:p>
+            <a:endParaRPr kumimoji="1" lang="ja-JP" altLang="en-US" dirty="0"/>
+          </a:p>
+        </p:txBody>
+      </p:sp>
+      <p:sp>
+        <p:nvSpPr>
+          <p:cNvPr id="4" name="スライド番号プレースホルダー 3"/>
+          <p:cNvSpPr>
+            <a:spLocks noGrp="1"/>
+          </p:cNvSpPr>
+          <p:nvPr>
+            <p:ph type="sldNum" sz="quarter" idx="5"/>
+          </p:nvPr>
+        </p:nvSpPr>
+        <p:spPr/>
+        <p:txBody>
+          <a:bodyPr/>
+          <a:lstStyle/>
+          <a:p>
+            <a:fld id="{BCED0462-9738-42E7-A95A-C2273252B265}" type="slidenum">
+              <a:rPr kumimoji="1" lang="ja-JP" altLang="en-US" smtClean="0"/>
+              <a:t>1</a:t>
+            </a:fld>
+            <a:endParaRPr kumimoji="1" lang="ja-JP" altLang="en-US"/>
+          </a:p>
+        </p:txBody>
+      </p:sp>
+    </p:spTree>
+    <p:extLst>
+      <p:ext uri="{BB962C8B-B14F-4D97-AF65-F5344CB8AC3E}">
+        <p14:creationId xmlns:p14="http://schemas.microsoft.com/office/powerpoint/2010/main" val="3720230603"/>
+      </p:ext>
+    </p:extLst>
+  </p:cSld>
+  <p:clrMapOvr>
+    <a:masterClrMapping/>
+  </p:clrMapOvr>
+</p:notes>
+</file>
+
+<file path=ppt/notesSlides/notesSlide2.xml><?xml version="1.0" encoding="utf-8"?>
+<p:notes xmlns:a="http://schemas.openxmlformats.org/drawingml/2006/main" xmlns:r="http://schemas.openxmlformats.org/officeDocument/2006/relationships" xmlns:p="http://schemas.openxmlformats.org/presentationml/2006/main">
+  <p:cSld>
+    <p:spTree>
+      <p:nvGrpSpPr>
+        <p:cNvPr id="1" name=""/>
+        <p:cNvGrpSpPr/>
+        <p:nvPr/>
+      </p:nvGrpSpPr>
+      <p:grpSpPr>
+        <a:xfrm>
+          <a:off x="0" y="0"/>
+          <a:ext cx="0" cy="0"/>
+          <a:chOff x="0" y="0"/>
+          <a:chExt cx="0" cy="0"/>
+        </a:xfrm>
+      </p:grpSpPr>
+      <p:sp>
+        <p:nvSpPr>
+          <p:cNvPr id="2" name="スライド イメージ プレースホルダー 1"/>
+          <p:cNvSpPr>
+            <a:spLocks noGrp="1" noRot="1" noChangeAspect="1"/>
+          </p:cNvSpPr>
+          <p:nvPr>
+            <p:ph type="sldImg"/>
+          </p:nvPr>
+        </p:nvSpPr>
+        <p:spPr/>
+      </p:sp>
+      <p:sp>
+        <p:nvSpPr>
+          <p:cNvPr id="3" name="ノート プレースホルダー 2"/>
+          <p:cNvSpPr>
+            <a:spLocks noGrp="1"/>
+          </p:cNvSpPr>
+          <p:nvPr>
+            <p:ph type="body" idx="1"/>
+          </p:nvPr>
+        </p:nvSpPr>
+        <p:spPr/>
+        <p:txBody>
+          <a:bodyPr/>
+          <a:lstStyle/>
+          <a:p>
+            <a:r>
+              <a:rPr kumimoji="1" lang="ja-JP" altLang="en-US" dirty="0"/>
+              <a:t>今回のゲームはゲームショウに応募するために作りました。</a:t>
+            </a:r>
+            <a:endParaRPr kumimoji="1" lang="en-US" altLang="ja-JP" dirty="0"/>
+          </a:p>
+          <a:p>
+            <a:r>
+              <a:rPr kumimoji="1" lang="ja-JP" altLang="en-US" dirty="0"/>
+              <a:t>今回のテーマはこだわりです。</a:t>
+            </a:r>
+            <a:endParaRPr kumimoji="1" lang="en-US" altLang="ja-JP" dirty="0"/>
+          </a:p>
+          <a:p>
+            <a:r>
+              <a:rPr kumimoji="1" lang="ja-JP" altLang="en-US" dirty="0"/>
+              <a:t>意味としては特別な思い入れなどがあるそうです。</a:t>
+            </a:r>
+            <a:endParaRPr kumimoji="1" lang="en-US" altLang="ja-JP" dirty="0"/>
+          </a:p>
+          <a:p>
+            <a:r>
+              <a:rPr kumimoji="1" lang="ja-JP" altLang="en-US" dirty="0"/>
+              <a:t>運営側は</a:t>
+            </a:r>
+            <a:endParaRPr kumimoji="1" lang="en-US" altLang="ja-JP" dirty="0"/>
+          </a:p>
+          <a:p>
+            <a:r>
+              <a:rPr kumimoji="1" lang="ja-JP" altLang="en-US" dirty="0"/>
+              <a:t>「</a:t>
+            </a:r>
+            <a:r>
+              <a:rPr kumimoji="1" lang="ja-JP" altLang="en-US" sz="1200" b="0" i="0" kern="1200" dirty="0">
+                <a:solidFill>
+                  <a:schemeClr val="tx1"/>
+                </a:solidFill>
+                <a:effectLst/>
+                <a:latin typeface="+mn-lt"/>
+                <a:ea typeface="+mn-ea"/>
+                <a:cs typeface="+mn-cs"/>
+              </a:rPr>
+              <a:t>自分の本当に作りたいもの、こだわりの部分を貫き通し、新鮮な驚きと熱い想いを届けて欲しい。</a:t>
+            </a:r>
+            <a:br>
+              <a:rPr lang="ja-JP" altLang="en-US" dirty="0"/>
+            </a:br>
+            <a:r>
+              <a:rPr kumimoji="1" lang="ja-JP" altLang="en-US" sz="1200" b="0" i="0" kern="1200" dirty="0">
+                <a:solidFill>
+                  <a:schemeClr val="tx1"/>
+                </a:solidFill>
+                <a:effectLst/>
+                <a:latin typeface="+mn-lt"/>
+                <a:ea typeface="+mn-ea"/>
+                <a:cs typeface="+mn-cs"/>
+              </a:rPr>
+              <a:t>作品の中で、みなさんの個性をもっと前面に出して欲しい。</a:t>
+            </a:r>
+            <a:br>
+              <a:rPr lang="ja-JP" altLang="en-US" dirty="0"/>
+            </a:br>
+            <a:r>
+              <a:rPr kumimoji="1" lang="ja-JP" altLang="en-US" sz="1200" b="0" i="0" kern="1200" dirty="0">
+                <a:solidFill>
+                  <a:schemeClr val="tx1"/>
+                </a:solidFill>
+                <a:effectLst/>
+                <a:latin typeface="+mn-lt"/>
+                <a:ea typeface="+mn-ea"/>
+                <a:cs typeface="+mn-cs"/>
+              </a:rPr>
+              <a:t>そういう思いで、今回のテーマを「こだわり」としました。</a:t>
+            </a:r>
+            <a:r>
+              <a:rPr kumimoji="1" lang="ja-JP" altLang="en-US" dirty="0"/>
+              <a:t>」</a:t>
+            </a:r>
+            <a:endParaRPr kumimoji="1" lang="en-US" altLang="ja-JP" dirty="0"/>
+          </a:p>
+          <a:p>
+            <a:r>
+              <a:rPr kumimoji="1" lang="ja-JP" altLang="en-US" dirty="0"/>
+              <a:t>という意向らしいです。</a:t>
+            </a:r>
+          </a:p>
+        </p:txBody>
+      </p:sp>
+      <p:sp>
+        <p:nvSpPr>
+          <p:cNvPr id="4" name="スライド番号プレースホルダー 3"/>
+          <p:cNvSpPr>
+            <a:spLocks noGrp="1"/>
+          </p:cNvSpPr>
+          <p:nvPr>
+            <p:ph type="sldNum" sz="quarter" idx="5"/>
+          </p:nvPr>
+        </p:nvSpPr>
+        <p:spPr/>
+        <p:txBody>
+          <a:bodyPr/>
+          <a:lstStyle/>
+          <a:p>
+            <a:fld id="{BCED0462-9738-42E7-A95A-C2273252B265}" type="slidenum">
+              <a:rPr kumimoji="1" lang="ja-JP" altLang="en-US" smtClean="0"/>
+              <a:t>2</a:t>
+            </a:fld>
+            <a:endParaRPr kumimoji="1" lang="ja-JP" altLang="en-US"/>
+          </a:p>
+        </p:txBody>
+      </p:sp>
+    </p:spTree>
+    <p:extLst>
+      <p:ext uri="{BB962C8B-B14F-4D97-AF65-F5344CB8AC3E}">
+        <p14:creationId xmlns:p14="http://schemas.microsoft.com/office/powerpoint/2010/main" val="678538347"/>
+      </p:ext>
+    </p:extLst>
+  </p:cSld>
+  <p:clrMapOvr>
+    <a:masterClrMapping/>
+  </p:clrMapOvr>
+</p:notes>
+</file>
+
+<file path=ppt/notesSlides/notesSlide3.xml><?xml version="1.0" encoding="utf-8"?>
+<p:notes xmlns:a="http://schemas.openxmlformats.org/drawingml/2006/main" xmlns:r="http://schemas.openxmlformats.org/officeDocument/2006/relationships" xmlns:p="http://schemas.openxmlformats.org/presentationml/2006/main">
+  <p:cSld>
+    <p:spTree>
+      <p:nvGrpSpPr>
+        <p:cNvPr id="1" name=""/>
+        <p:cNvGrpSpPr/>
+        <p:nvPr/>
+      </p:nvGrpSpPr>
+      <p:grpSpPr>
+        <a:xfrm>
+          <a:off x="0" y="0"/>
+          <a:ext cx="0" cy="0"/>
+          <a:chOff x="0" y="0"/>
+          <a:chExt cx="0" cy="0"/>
+        </a:xfrm>
+      </p:grpSpPr>
+      <p:sp>
+        <p:nvSpPr>
+          <p:cNvPr id="2" name="スライド イメージ プレースホルダー 1"/>
+          <p:cNvSpPr>
+            <a:spLocks noGrp="1" noRot="1" noChangeAspect="1"/>
+          </p:cNvSpPr>
+          <p:nvPr>
+            <p:ph type="sldImg"/>
+          </p:nvPr>
+        </p:nvSpPr>
+        <p:spPr/>
+      </p:sp>
+      <p:sp>
+        <p:nvSpPr>
+          <p:cNvPr id="3" name="ノート プレースホルダー 2"/>
+          <p:cNvSpPr>
+            <a:spLocks noGrp="1"/>
+          </p:cNvSpPr>
+          <p:nvPr>
+            <p:ph type="body" idx="1"/>
+          </p:nvPr>
+        </p:nvSpPr>
+        <p:spPr/>
+        <p:txBody>
+          <a:bodyPr/>
+          <a:lstStyle/>
+          <a:p>
+            <a:pPr marL="0" marR="0" lvl="0" indent="0" algn="l" defTabSz="914400" rtl="0" eaLnBrk="1" fontAlgn="auto" latinLnBrk="0" hangingPunct="1">
+              <a:lnSpc>
+                <a:spcPct val="100000"/>
+              </a:lnSpc>
+              <a:spcBef>
+                <a:spcPts val="0"/>
+              </a:spcBef>
+              <a:spcAft>
+                <a:spcPts val="0"/>
+              </a:spcAft>
+              <a:buClrTx/>
+              <a:buSzTx/>
+              <a:buFontTx/>
+              <a:buNone/>
+              <a:tabLst/>
+              <a:defRPr/>
+            </a:pPr>
+            <a:r>
+              <a:rPr kumimoji="1" lang="ja-JP" altLang="en-US" dirty="0"/>
+              <a:t>まずこだわりと言えば？という話合いをしました。</a:t>
+            </a:r>
+            <a:endParaRPr kumimoji="1" lang="en-US" altLang="ja-JP" dirty="0"/>
+          </a:p>
+          <a:p>
+            <a:pPr marL="0" marR="0" lvl="0" indent="0" algn="l" defTabSz="914400" rtl="0" eaLnBrk="1" fontAlgn="auto" latinLnBrk="0" hangingPunct="1">
+              <a:lnSpc>
+                <a:spcPct val="100000"/>
+              </a:lnSpc>
+              <a:spcBef>
+                <a:spcPts val="0"/>
+              </a:spcBef>
+              <a:spcAft>
+                <a:spcPts val="0"/>
+              </a:spcAft>
+              <a:buClrTx/>
+              <a:buSzTx/>
+              <a:buFontTx/>
+              <a:buNone/>
+              <a:tabLst/>
+              <a:defRPr/>
+            </a:pPr>
+            <a:r>
+              <a:rPr kumimoji="1" lang="ja-JP" altLang="en-US" dirty="0"/>
+              <a:t>最初に出た意見として、陶芸家が壺を割る、ラーメンなどの意見が出ました。</a:t>
+            </a:r>
+            <a:endParaRPr kumimoji="1" lang="en-US" altLang="ja-JP" dirty="0"/>
+          </a:p>
+          <a:p>
+            <a:pPr marL="0" marR="0" lvl="0" indent="0" algn="l" defTabSz="914400" rtl="0" eaLnBrk="1" fontAlgn="auto" latinLnBrk="0" hangingPunct="1">
+              <a:lnSpc>
+                <a:spcPct val="100000"/>
+              </a:lnSpc>
+              <a:spcBef>
+                <a:spcPts val="0"/>
+              </a:spcBef>
+              <a:spcAft>
+                <a:spcPts val="0"/>
+              </a:spcAft>
+              <a:buClrTx/>
+              <a:buSzTx/>
+              <a:buFontTx/>
+              <a:buNone/>
+              <a:tabLst/>
+              <a:defRPr/>
+            </a:pPr>
+            <a:r>
+              <a:rPr kumimoji="1" lang="ja-JP" altLang="en-US" dirty="0"/>
+              <a:t>次にこの意見からアイデアからどのようなゲームにしようか話し合いをしましたが、</a:t>
+            </a:r>
+            <a:endParaRPr kumimoji="1" lang="en-US" altLang="ja-JP" dirty="0"/>
+          </a:p>
+          <a:p>
+            <a:pPr marL="0" marR="0" lvl="0" indent="0" algn="l" defTabSz="914400" rtl="0" eaLnBrk="1" fontAlgn="auto" latinLnBrk="0" hangingPunct="1">
+              <a:lnSpc>
+                <a:spcPct val="100000"/>
+              </a:lnSpc>
+              <a:spcBef>
+                <a:spcPts val="0"/>
+              </a:spcBef>
+              <a:spcAft>
+                <a:spcPts val="0"/>
+              </a:spcAft>
+              <a:buClrTx/>
+              <a:buSzTx/>
+              <a:buFontTx/>
+              <a:buNone/>
+              <a:tabLst/>
+              <a:defRPr/>
+            </a:pPr>
+            <a:r>
+              <a:rPr kumimoji="1" lang="ja-JP" altLang="en-US" dirty="0"/>
+              <a:t>なかなかアイデアや意見が出てこず、困っていました。</a:t>
+            </a:r>
+            <a:endParaRPr kumimoji="1" lang="en-US" altLang="ja-JP" dirty="0"/>
+          </a:p>
+          <a:p>
+            <a:pPr marL="0" marR="0" lvl="0" indent="0" algn="l" defTabSz="914400" rtl="0" eaLnBrk="1" fontAlgn="auto" latinLnBrk="0" hangingPunct="1">
+              <a:lnSpc>
+                <a:spcPct val="100000"/>
+              </a:lnSpc>
+              <a:spcBef>
+                <a:spcPts val="0"/>
+              </a:spcBef>
+              <a:spcAft>
+                <a:spcPts val="0"/>
+              </a:spcAft>
+              <a:buClrTx/>
+              <a:buSzTx/>
+              <a:buFontTx/>
+              <a:buNone/>
+              <a:tabLst/>
+              <a:defRPr/>
+            </a:pPr>
+            <a:r>
+              <a:rPr kumimoji="1" lang="ja-JP" altLang="en-US" dirty="0"/>
+              <a:t>そこでふと、壺と言えば美術品も芸術家のこだわりじゃないか、という意見が出たので、</a:t>
+            </a:r>
+            <a:endParaRPr kumimoji="1" lang="en-US" altLang="ja-JP" dirty="0"/>
+          </a:p>
+          <a:p>
+            <a:pPr marL="0" marR="0" lvl="0" indent="0" algn="l" defTabSz="914400" rtl="0" eaLnBrk="1" fontAlgn="auto" latinLnBrk="0" hangingPunct="1">
+              <a:lnSpc>
+                <a:spcPct val="100000"/>
+              </a:lnSpc>
+              <a:spcBef>
+                <a:spcPts val="0"/>
+              </a:spcBef>
+              <a:spcAft>
+                <a:spcPts val="0"/>
+              </a:spcAft>
+              <a:buClrTx/>
+              <a:buSzTx/>
+              <a:buFontTx/>
+              <a:buNone/>
+              <a:tabLst/>
+              <a:defRPr/>
+            </a:pPr>
+            <a:r>
+              <a:rPr kumimoji="1" lang="ja-JP" altLang="en-US" dirty="0"/>
+              <a:t>最初に出したアイデアであった壺を割りながら進むアクションゲームと掛け合わせた結果、</a:t>
+            </a:r>
+            <a:endParaRPr kumimoji="1" lang="en-US" altLang="ja-JP" dirty="0"/>
+          </a:p>
+          <a:p>
+            <a:pPr marL="0" marR="0" lvl="0" indent="0" algn="l" defTabSz="914400" rtl="0" eaLnBrk="1" fontAlgn="auto" latinLnBrk="0" hangingPunct="1">
+              <a:lnSpc>
+                <a:spcPct val="100000"/>
+              </a:lnSpc>
+              <a:spcBef>
+                <a:spcPts val="0"/>
+              </a:spcBef>
+              <a:spcAft>
+                <a:spcPts val="0"/>
+              </a:spcAft>
+              <a:buClrTx/>
+              <a:buSzTx/>
+              <a:buFontTx/>
+              <a:buNone/>
+              <a:tabLst/>
+              <a:defRPr/>
+            </a:pPr>
+            <a:r>
+              <a:rPr kumimoji="1" lang="ja-JP" altLang="en-US" dirty="0"/>
+              <a:t>美術家の魂やこだわりの象徴である作品を美術館の夜に忍び込み、絵を自分のこだわりで上書きして回るそんなゲームを作りました。</a:t>
+            </a:r>
+            <a:endParaRPr kumimoji="1" lang="en-US" altLang="ja-JP" dirty="0"/>
+          </a:p>
+          <a:p>
+            <a:endParaRPr kumimoji="1" lang="en-US" altLang="ja-JP" dirty="0"/>
+          </a:p>
+        </p:txBody>
+      </p:sp>
+      <p:sp>
+        <p:nvSpPr>
+          <p:cNvPr id="4" name="スライド番号プレースホルダー 3"/>
+          <p:cNvSpPr>
+            <a:spLocks noGrp="1"/>
+          </p:cNvSpPr>
+          <p:nvPr>
+            <p:ph type="sldNum" sz="quarter" idx="5"/>
+          </p:nvPr>
+        </p:nvSpPr>
+        <p:spPr/>
+        <p:txBody>
+          <a:bodyPr/>
+          <a:lstStyle/>
+          <a:p>
+            <a:fld id="{BCED0462-9738-42E7-A95A-C2273252B265}" type="slidenum">
+              <a:rPr kumimoji="1" lang="ja-JP" altLang="en-US" smtClean="0"/>
+              <a:t>3</a:t>
+            </a:fld>
+            <a:endParaRPr kumimoji="1" lang="ja-JP" altLang="en-US"/>
+          </a:p>
+        </p:txBody>
+      </p:sp>
+    </p:spTree>
+    <p:extLst>
+      <p:ext uri="{BB962C8B-B14F-4D97-AF65-F5344CB8AC3E}">
+        <p14:creationId xmlns:p14="http://schemas.microsoft.com/office/powerpoint/2010/main" val="1797904370"/>
+      </p:ext>
+    </p:extLst>
+  </p:cSld>
+  <p:clrMapOvr>
+    <a:masterClrMapping/>
+  </p:clrMapOvr>
+</p:notes>
+</file>
+
+<file path=ppt/notesSlides/notesSlide4.xml><?xml version="1.0" encoding="utf-8"?>
+<p:notes xmlns:a="http://schemas.openxmlformats.org/drawingml/2006/main" xmlns:r="http://schemas.openxmlformats.org/officeDocument/2006/relationships" xmlns:p="http://schemas.openxmlformats.org/presentationml/2006/main">
+  <p:cSld>
+    <p:spTree>
+      <p:nvGrpSpPr>
+        <p:cNvPr id="1" name=""/>
+        <p:cNvGrpSpPr/>
+        <p:nvPr/>
+      </p:nvGrpSpPr>
+      <p:grpSpPr>
+        <a:xfrm>
+          <a:off x="0" y="0"/>
+          <a:ext cx="0" cy="0"/>
+          <a:chOff x="0" y="0"/>
+          <a:chExt cx="0" cy="0"/>
+        </a:xfrm>
+      </p:grpSpPr>
+      <p:sp>
+        <p:nvSpPr>
+          <p:cNvPr id="2" name="スライド イメージ プレースホルダー 1"/>
+          <p:cNvSpPr>
+            <a:spLocks noGrp="1" noRot="1" noChangeAspect="1"/>
+          </p:cNvSpPr>
+          <p:nvPr>
+            <p:ph type="sldImg"/>
+          </p:nvPr>
+        </p:nvSpPr>
+        <p:spPr/>
+      </p:sp>
+      <p:sp>
+        <p:nvSpPr>
+          <p:cNvPr id="3" name="ノート プレースホルダー 2"/>
+          <p:cNvSpPr>
+            <a:spLocks noGrp="1"/>
+          </p:cNvSpPr>
+          <p:nvPr>
+            <p:ph type="body" idx="1"/>
+          </p:nvPr>
+        </p:nvSpPr>
+        <p:spPr/>
+        <p:txBody>
+          <a:bodyPr/>
+          <a:lstStyle/>
+          <a:p>
+            <a:r>
+              <a:rPr kumimoji="1" lang="ja-JP" altLang="en-US" dirty="0"/>
+              <a:t>まず、一番最初に予告状が飛んできます。そこには今回するミッションの内容が書かれています。</a:t>
+            </a:r>
+            <a:endParaRPr kumimoji="1" lang="en-US" altLang="ja-JP" dirty="0"/>
+          </a:p>
+          <a:p>
+            <a:r>
+              <a:rPr kumimoji="1" lang="ja-JP" altLang="en-US" dirty="0"/>
+              <a:t>プレイヤーであるあなたは周りの警備員や監視カメラをかいくぐりながら美術品を塗りつぶしていきます。</a:t>
+            </a:r>
+            <a:endParaRPr kumimoji="1" lang="en-US" altLang="ja-JP" dirty="0"/>
+          </a:p>
+          <a:p>
+            <a:r>
+              <a:rPr kumimoji="1" lang="ja-JP" altLang="en-US" dirty="0"/>
+              <a:t>このゲームの一番の特徴として見つかってからが本番という部分があります。</a:t>
+            </a:r>
+            <a:endParaRPr kumimoji="1" lang="en-US" altLang="ja-JP" dirty="0"/>
+          </a:p>
+          <a:p>
+            <a:r>
+              <a:rPr kumimoji="1" lang="ja-JP" altLang="en-US" dirty="0"/>
+              <a:t>このゲームは荒らしていく毎に敵が増えていきます。</a:t>
+            </a:r>
+            <a:endParaRPr kumimoji="1" lang="en-US" altLang="ja-JP" dirty="0"/>
+          </a:p>
+          <a:p>
+            <a:r>
+              <a:rPr kumimoji="1" lang="ja-JP" altLang="en-US" dirty="0"/>
+              <a:t>ステルスアクションと謳っていますが、ある程度見つかることを想定した作りになっています。</a:t>
+            </a:r>
+            <a:endParaRPr kumimoji="1" lang="en-US" altLang="ja-JP" dirty="0"/>
+          </a:p>
+          <a:p>
+            <a:r>
+              <a:rPr kumimoji="1" lang="ja-JP" altLang="en-US" dirty="0"/>
+              <a:t>プレイヤーは敵を華麗に避ける回避アクションや足止めに使える罠の設置ができます。</a:t>
+            </a:r>
+            <a:endParaRPr kumimoji="1" lang="en-US" altLang="ja-JP" dirty="0"/>
+          </a:p>
+          <a:p>
+            <a:r>
+              <a:rPr kumimoji="1" lang="ja-JP" altLang="en-US" dirty="0"/>
+              <a:t>これらを駆使して警備員や警察官をあざ笑うかのように美術館を荒らすゲームです。</a:t>
+            </a:r>
+            <a:endParaRPr kumimoji="1" lang="en-US" altLang="ja-JP" dirty="0"/>
+          </a:p>
+          <a:p>
+            <a:r>
+              <a:rPr kumimoji="1" lang="ja-JP" altLang="en-US" dirty="0"/>
+              <a:t>荒らし終わったら脱出しましょう。</a:t>
+            </a:r>
+            <a:endParaRPr kumimoji="1" lang="en-US" altLang="ja-JP" dirty="0"/>
+          </a:p>
+        </p:txBody>
+      </p:sp>
+      <p:sp>
+        <p:nvSpPr>
+          <p:cNvPr id="4" name="スライド番号プレースホルダー 3"/>
+          <p:cNvSpPr>
+            <a:spLocks noGrp="1"/>
+          </p:cNvSpPr>
+          <p:nvPr>
+            <p:ph type="sldNum" sz="quarter" idx="5"/>
+          </p:nvPr>
+        </p:nvSpPr>
+        <p:spPr/>
+        <p:txBody>
+          <a:bodyPr/>
+          <a:lstStyle/>
+          <a:p>
+            <a:fld id="{BCED0462-9738-42E7-A95A-C2273252B265}" type="slidenum">
+              <a:rPr kumimoji="1" lang="ja-JP" altLang="en-US" smtClean="0"/>
+              <a:t>4</a:t>
+            </a:fld>
+            <a:endParaRPr kumimoji="1" lang="ja-JP" altLang="en-US"/>
+          </a:p>
+        </p:txBody>
+      </p:sp>
+    </p:spTree>
+    <p:extLst>
+      <p:ext uri="{BB962C8B-B14F-4D97-AF65-F5344CB8AC3E}">
+        <p14:creationId xmlns:p14="http://schemas.microsoft.com/office/powerpoint/2010/main" val="1891382582"/>
+      </p:ext>
+    </p:extLst>
+  </p:cSld>
+  <p:clrMapOvr>
+    <a:masterClrMapping/>
+  </p:clrMapOvr>
+</p:notes>
+</file>
+
+<file path=ppt/notesSlides/notesSlide5.xml><?xml version="1.0" encoding="utf-8"?>
+<p:notes xmlns:a="http://schemas.openxmlformats.org/drawingml/2006/main" xmlns:r="http://schemas.openxmlformats.org/officeDocument/2006/relationships" xmlns:p="http://schemas.openxmlformats.org/presentationml/2006/main">
+  <p:cSld>
+    <p:spTree>
+      <p:nvGrpSpPr>
+        <p:cNvPr id="1" name=""/>
+        <p:cNvGrpSpPr/>
+        <p:nvPr/>
+      </p:nvGrpSpPr>
+      <p:grpSpPr>
+        <a:xfrm>
+          <a:off x="0" y="0"/>
+          <a:ext cx="0" cy="0"/>
+          <a:chOff x="0" y="0"/>
+          <a:chExt cx="0" cy="0"/>
+        </a:xfrm>
+      </p:grpSpPr>
+      <p:sp>
+        <p:nvSpPr>
+          <p:cNvPr id="2" name="スライド イメージ プレースホルダー 1"/>
+          <p:cNvSpPr>
+            <a:spLocks noGrp="1" noRot="1" noChangeAspect="1"/>
+          </p:cNvSpPr>
+          <p:nvPr>
+            <p:ph type="sldImg"/>
+          </p:nvPr>
+        </p:nvSpPr>
+        <p:spPr/>
+      </p:sp>
+      <p:sp>
+        <p:nvSpPr>
+          <p:cNvPr id="3" name="ノート プレースホルダー 2"/>
+          <p:cNvSpPr>
+            <a:spLocks noGrp="1"/>
+          </p:cNvSpPr>
+          <p:nvPr>
+            <p:ph type="body" idx="1"/>
+          </p:nvPr>
+        </p:nvSpPr>
+        <p:spPr/>
+        <p:txBody>
+          <a:bodyPr/>
+          <a:lstStyle/>
+          <a:p>
+            <a:r>
+              <a:rPr kumimoji="1" lang="ja-JP" altLang="en-US" dirty="0"/>
+              <a:t>次にボスについて説明します。</a:t>
+            </a:r>
+            <a:endParaRPr kumimoji="1" lang="en-US" altLang="ja-JP" dirty="0"/>
+          </a:p>
+          <a:p>
+            <a:r>
+              <a:rPr kumimoji="1" lang="ja-JP" altLang="en-US" dirty="0"/>
+              <a:t>ボスはミッションを一定回数クリアすると出現します。</a:t>
+            </a:r>
+            <a:endParaRPr kumimoji="1" lang="en-US" altLang="ja-JP" dirty="0"/>
+          </a:p>
+          <a:p>
+            <a:r>
+              <a:rPr kumimoji="1" lang="ja-JP" altLang="en-US" dirty="0"/>
+              <a:t>各ステージに倒せるボスかたおせないボスが居ます。</a:t>
+            </a:r>
+            <a:endParaRPr kumimoji="1" lang="en-US" altLang="ja-JP" dirty="0"/>
+          </a:p>
+          <a:p>
+            <a:r>
+              <a:rPr kumimoji="1" lang="ja-JP" altLang="en-US" dirty="0"/>
+              <a:t>倒せない場合は積極的に逃げましょう。</a:t>
+            </a:r>
+            <a:endParaRPr kumimoji="1" lang="en-US" altLang="ja-JP" dirty="0"/>
+          </a:p>
+          <a:p>
+            <a:endParaRPr kumimoji="1" lang="ja-JP" altLang="en-US" dirty="0"/>
+          </a:p>
+        </p:txBody>
+      </p:sp>
+      <p:sp>
+        <p:nvSpPr>
+          <p:cNvPr id="4" name="スライド番号プレースホルダー 3"/>
+          <p:cNvSpPr>
+            <a:spLocks noGrp="1"/>
+          </p:cNvSpPr>
+          <p:nvPr>
+            <p:ph type="sldNum" sz="quarter" idx="5"/>
+          </p:nvPr>
+        </p:nvSpPr>
+        <p:spPr/>
+        <p:txBody>
+          <a:bodyPr/>
+          <a:lstStyle/>
+          <a:p>
+            <a:fld id="{BCED0462-9738-42E7-A95A-C2273252B265}" type="slidenum">
+              <a:rPr kumimoji="1" lang="ja-JP" altLang="en-US" smtClean="0"/>
+              <a:t>5</a:t>
+            </a:fld>
+            <a:endParaRPr kumimoji="1" lang="ja-JP" altLang="en-US"/>
+          </a:p>
+        </p:txBody>
+      </p:sp>
+    </p:spTree>
+    <p:extLst>
+      <p:ext uri="{BB962C8B-B14F-4D97-AF65-F5344CB8AC3E}">
+        <p14:creationId xmlns:p14="http://schemas.microsoft.com/office/powerpoint/2010/main" val="2925514982"/>
+      </p:ext>
+    </p:extLst>
+  </p:cSld>
+  <p:clrMapOvr>
+    <a:masterClrMapping/>
+  </p:clrMapOvr>
+</p:notes>
+</file>
+
+<file path=ppt/notesSlides/notesSlide6.xml><?xml version="1.0" encoding="utf-8"?>
+<p:notes xmlns:a="http://schemas.openxmlformats.org/drawingml/2006/main" xmlns:r="http://schemas.openxmlformats.org/officeDocument/2006/relationships" xmlns:p="http://schemas.openxmlformats.org/presentationml/2006/main">
+  <p:cSld>
+    <p:spTree>
+      <p:nvGrpSpPr>
+        <p:cNvPr id="1" name=""/>
+        <p:cNvGrpSpPr/>
+        <p:nvPr/>
+      </p:nvGrpSpPr>
+      <p:grpSpPr>
+        <a:xfrm>
+          <a:off x="0" y="0"/>
+          <a:ext cx="0" cy="0"/>
+          <a:chOff x="0" y="0"/>
+          <a:chExt cx="0" cy="0"/>
+        </a:xfrm>
+      </p:grpSpPr>
+      <p:sp>
+        <p:nvSpPr>
+          <p:cNvPr id="2" name="スライド イメージ プレースホルダー 1"/>
+          <p:cNvSpPr>
+            <a:spLocks noGrp="1" noRot="1" noChangeAspect="1"/>
+          </p:cNvSpPr>
+          <p:nvPr>
+            <p:ph type="sldImg"/>
+          </p:nvPr>
+        </p:nvSpPr>
+        <p:spPr/>
+      </p:sp>
+      <p:sp>
+        <p:nvSpPr>
+          <p:cNvPr id="3" name="ノート プレースホルダー 2"/>
+          <p:cNvSpPr>
+            <a:spLocks noGrp="1"/>
+          </p:cNvSpPr>
+          <p:nvPr>
+            <p:ph type="body" idx="1"/>
+          </p:nvPr>
+        </p:nvSpPr>
+        <p:spPr/>
+        <p:txBody>
+          <a:bodyPr/>
+          <a:lstStyle/>
+          <a:p>
+            <a:r>
+              <a:rPr kumimoji="1" lang="ja-JP" altLang="en-US" dirty="0"/>
+              <a:t>概要でも話しましたが、このゲームは敵に発見されてからが本番です。</a:t>
+            </a:r>
+            <a:endParaRPr kumimoji="1" lang="en-US" altLang="ja-JP" dirty="0"/>
+          </a:p>
+          <a:p>
+            <a:r>
+              <a:rPr kumimoji="1" lang="ja-JP" altLang="en-US" dirty="0"/>
+              <a:t>ギリ回避やスタイリッシュにアクションをしながら絵を塗ることで</a:t>
+            </a:r>
+            <a:r>
+              <a:rPr kumimoji="1" lang="en-US" altLang="ja-JP" dirty="0"/>
+              <a:t>HP</a:t>
+            </a:r>
+            <a:r>
+              <a:rPr kumimoji="1" lang="ja-JP" altLang="en-US" dirty="0"/>
+              <a:t>を回復したりするのが注目ポイントです。</a:t>
+            </a:r>
+            <a:endParaRPr kumimoji="1" lang="en-US" altLang="ja-JP" dirty="0"/>
+          </a:p>
+          <a:p>
+            <a:r>
+              <a:rPr kumimoji="1" lang="ja-JP" altLang="en-US" dirty="0"/>
+              <a:t>中には敵に見つからないようにするちゃんとステルスアクション要素のあるミッションなどもあるので気を付けましょう。</a:t>
+            </a:r>
+            <a:endParaRPr kumimoji="1" lang="en-US" altLang="ja-JP" dirty="0"/>
+          </a:p>
+          <a:p>
+            <a:endParaRPr kumimoji="1" lang="ja-JP" altLang="en-US" dirty="0"/>
+          </a:p>
+        </p:txBody>
+      </p:sp>
+      <p:sp>
+        <p:nvSpPr>
+          <p:cNvPr id="4" name="スライド番号プレースホルダー 3"/>
+          <p:cNvSpPr>
+            <a:spLocks noGrp="1"/>
+          </p:cNvSpPr>
+          <p:nvPr>
+            <p:ph type="sldNum" sz="quarter" idx="5"/>
+          </p:nvPr>
+        </p:nvSpPr>
+        <p:spPr/>
+        <p:txBody>
+          <a:bodyPr/>
+          <a:lstStyle/>
+          <a:p>
+            <a:fld id="{BCED0462-9738-42E7-A95A-C2273252B265}" type="slidenum">
+              <a:rPr kumimoji="1" lang="ja-JP" altLang="en-US" smtClean="0"/>
+              <a:t>7</a:t>
+            </a:fld>
+            <a:endParaRPr kumimoji="1" lang="ja-JP" altLang="en-US"/>
+          </a:p>
+        </p:txBody>
+      </p:sp>
+    </p:spTree>
+    <p:extLst>
+      <p:ext uri="{BB962C8B-B14F-4D97-AF65-F5344CB8AC3E}">
+        <p14:creationId xmlns:p14="http://schemas.microsoft.com/office/powerpoint/2010/main" val="2399476530"/>
+      </p:ext>
+    </p:extLst>
+  </p:cSld>
+  <p:clrMapOvr>
+    <a:masterClrMapping/>
+  </p:clrMapOvr>
+</p:notes>
+</file>
+
+<file path=ppt/notesSlides/notesSlide7.xml><?xml version="1.0" encoding="utf-8"?>
+<p:notes xmlns:a="http://schemas.openxmlformats.org/drawingml/2006/main" xmlns:r="http://schemas.openxmlformats.org/officeDocument/2006/relationships" xmlns:p="http://schemas.openxmlformats.org/presentationml/2006/main">
+  <p:cSld>
+    <p:spTree>
+      <p:nvGrpSpPr>
+        <p:cNvPr id="1" name=""/>
+        <p:cNvGrpSpPr/>
+        <p:nvPr/>
+      </p:nvGrpSpPr>
+      <p:grpSpPr>
+        <a:xfrm>
+          <a:off x="0" y="0"/>
+          <a:ext cx="0" cy="0"/>
+          <a:chOff x="0" y="0"/>
+          <a:chExt cx="0" cy="0"/>
+        </a:xfrm>
+      </p:grpSpPr>
+      <p:sp>
+        <p:nvSpPr>
+          <p:cNvPr id="2" name="スライド イメージ プレースホルダー 1"/>
+          <p:cNvSpPr>
+            <a:spLocks noGrp="1" noRot="1" noChangeAspect="1"/>
+          </p:cNvSpPr>
+          <p:nvPr>
+            <p:ph type="sldImg"/>
+          </p:nvPr>
+        </p:nvSpPr>
+        <p:spPr/>
+      </p:sp>
+      <p:sp>
+        <p:nvSpPr>
+          <p:cNvPr id="3" name="ノート プレースホルダー 2"/>
+          <p:cNvSpPr>
+            <a:spLocks noGrp="1"/>
+          </p:cNvSpPr>
+          <p:nvPr>
+            <p:ph type="body" idx="1"/>
+          </p:nvPr>
+        </p:nvSpPr>
+        <p:spPr/>
+        <p:txBody>
+          <a:bodyPr/>
+          <a:lstStyle/>
+          <a:p>
+            <a:r>
+              <a:rPr kumimoji="1" lang="ja-JP" altLang="en-US" dirty="0"/>
+              <a:t>次は塗る色がついてます。</a:t>
+            </a:r>
+            <a:endParaRPr kumimoji="1" lang="en-US" altLang="ja-JP" dirty="0"/>
+          </a:p>
+          <a:p>
+            <a:r>
+              <a:rPr kumimoji="1" lang="ja-JP" altLang="en-US" dirty="0"/>
+              <a:t>色にはそれぞれ特殊能力を持っており、今回はそれを紹介します。</a:t>
+            </a:r>
+            <a:endParaRPr kumimoji="1" lang="en-US" altLang="ja-JP" dirty="0"/>
+          </a:p>
+          <a:p>
+            <a:r>
+              <a:rPr kumimoji="1" lang="ja-JP" altLang="en-US" dirty="0"/>
+              <a:t>赤、敵を唯一攻撃</a:t>
+            </a:r>
+            <a:endParaRPr kumimoji="1" lang="en-US" altLang="ja-JP" dirty="0"/>
+          </a:p>
+          <a:p>
+            <a:r>
+              <a:rPr kumimoji="1" lang="ja-JP" altLang="en-US" dirty="0"/>
+              <a:t>青、敵を遅くする効果</a:t>
+            </a:r>
+            <a:endParaRPr kumimoji="1" lang="en-US" altLang="ja-JP" dirty="0"/>
+          </a:p>
+          <a:p>
+            <a:r>
+              <a:rPr kumimoji="1" lang="ja-JP" altLang="en-US" dirty="0"/>
+              <a:t>黄色、相手の動きを封じる</a:t>
+            </a:r>
+            <a:endParaRPr kumimoji="1" lang="en-US" altLang="ja-JP" dirty="0"/>
+          </a:p>
+          <a:p>
+            <a:r>
+              <a:rPr kumimoji="1" lang="ja-JP" altLang="en-US" dirty="0"/>
+              <a:t>紫、デコイを出して敵の敵を退ける</a:t>
+            </a:r>
+            <a:endParaRPr kumimoji="1" lang="en-US" altLang="ja-JP" dirty="0"/>
+          </a:p>
+          <a:p>
+            <a:r>
+              <a:rPr kumimoji="1" lang="ja-JP" altLang="en-US" dirty="0"/>
+              <a:t>効果があります。</a:t>
+            </a:r>
+            <a:endParaRPr kumimoji="1" lang="en-US" altLang="ja-JP" dirty="0"/>
+          </a:p>
+          <a:p>
+            <a:r>
+              <a:rPr kumimoji="1" lang="ja-JP" altLang="en-US" dirty="0"/>
+              <a:t>尚、このスプレーは絵を塗るのと共通なのですべて使い切った瞬間ゲームオーバーです。</a:t>
+            </a:r>
+          </a:p>
+        </p:txBody>
+      </p:sp>
+      <p:sp>
+        <p:nvSpPr>
+          <p:cNvPr id="4" name="スライド番号プレースホルダー 3"/>
+          <p:cNvSpPr>
+            <a:spLocks noGrp="1"/>
+          </p:cNvSpPr>
+          <p:nvPr>
+            <p:ph type="sldNum" sz="quarter" idx="5"/>
+          </p:nvPr>
+        </p:nvSpPr>
+        <p:spPr/>
+        <p:txBody>
+          <a:bodyPr/>
+          <a:lstStyle/>
+          <a:p>
+            <a:fld id="{BCED0462-9738-42E7-A95A-C2273252B265}" type="slidenum">
+              <a:rPr kumimoji="1" lang="ja-JP" altLang="en-US" smtClean="0"/>
+              <a:t>8</a:t>
+            </a:fld>
+            <a:endParaRPr kumimoji="1" lang="ja-JP" altLang="en-US"/>
+          </a:p>
+        </p:txBody>
+      </p:sp>
+    </p:spTree>
+    <p:extLst>
+      <p:ext uri="{BB962C8B-B14F-4D97-AF65-F5344CB8AC3E}">
+        <p14:creationId xmlns:p14="http://schemas.microsoft.com/office/powerpoint/2010/main" val="1347830141"/>
+      </p:ext>
+    </p:extLst>
+  </p:cSld>
+  <p:clrMapOvr>
+    <a:masterClrMapping/>
+  </p:clrMapOvr>
+</p:notes>
+</file>
+
+<file path=ppt/notesSlides/notesSlide8.xml><?xml version="1.0" encoding="utf-8"?>
+<p:notes xmlns:a="http://schemas.openxmlformats.org/drawingml/2006/main" xmlns:r="http://schemas.openxmlformats.org/officeDocument/2006/relationships" xmlns:p="http://schemas.openxmlformats.org/presentationml/2006/main">
+  <p:cSld>
+    <p:spTree>
+      <p:nvGrpSpPr>
+        <p:cNvPr id="1" name=""/>
+        <p:cNvGrpSpPr/>
+        <p:nvPr/>
+      </p:nvGrpSpPr>
+      <p:grpSpPr>
+        <a:xfrm>
+          <a:off x="0" y="0"/>
+          <a:ext cx="0" cy="0"/>
+          <a:chOff x="0" y="0"/>
+          <a:chExt cx="0" cy="0"/>
+        </a:xfrm>
+      </p:grpSpPr>
+      <p:sp>
+        <p:nvSpPr>
+          <p:cNvPr id="2" name="スライド イメージ プレースホルダー 1"/>
+          <p:cNvSpPr>
+            <a:spLocks noGrp="1" noRot="1" noChangeAspect="1"/>
+          </p:cNvSpPr>
+          <p:nvPr>
+            <p:ph type="sldImg"/>
+          </p:nvPr>
+        </p:nvSpPr>
+        <p:spPr/>
+      </p:sp>
+      <p:sp>
+        <p:nvSpPr>
+          <p:cNvPr id="3" name="ノート プレースホルダー 2"/>
+          <p:cNvSpPr>
+            <a:spLocks noGrp="1"/>
+          </p:cNvSpPr>
+          <p:nvPr>
+            <p:ph type="body" idx="1"/>
+          </p:nvPr>
+        </p:nvSpPr>
+        <p:spPr/>
+        <p:txBody>
+          <a:bodyPr/>
+          <a:lstStyle/>
+          <a:p>
+            <a:endParaRPr kumimoji="1" lang="ja-JP" altLang="en-US" dirty="0"/>
+          </a:p>
+        </p:txBody>
+      </p:sp>
+      <p:sp>
+        <p:nvSpPr>
+          <p:cNvPr id="4" name="スライド番号プレースホルダー 3"/>
+          <p:cNvSpPr>
+            <a:spLocks noGrp="1"/>
+          </p:cNvSpPr>
+          <p:nvPr>
+            <p:ph type="sldNum" sz="quarter" idx="5"/>
+          </p:nvPr>
+        </p:nvSpPr>
+        <p:spPr/>
+        <p:txBody>
+          <a:bodyPr/>
+          <a:lstStyle/>
+          <a:p>
+            <a:fld id="{BCED0462-9738-42E7-A95A-C2273252B265}" type="slidenum">
+              <a:rPr kumimoji="1" lang="ja-JP" altLang="en-US" smtClean="0"/>
+              <a:t>9</a:t>
+            </a:fld>
+            <a:endParaRPr kumimoji="1" lang="ja-JP" altLang="en-US"/>
+          </a:p>
+        </p:txBody>
+      </p:sp>
+    </p:spTree>
+    <p:extLst>
+      <p:ext uri="{BB962C8B-B14F-4D97-AF65-F5344CB8AC3E}">
+        <p14:creationId xmlns:p14="http://schemas.microsoft.com/office/powerpoint/2010/main" val="300358608"/>
+      </p:ext>
+    </p:extLst>
+  </p:cSld>
+  <p:clrMapOvr>
+    <a:masterClrMapping/>
+  </p:clrMapOvr>
+</p:notes>
+</file>
+
+<file path=ppt/notesSlides/notesSlide9.xml><?xml version="1.0" encoding="utf-8"?>
+<p:notes xmlns:a="http://schemas.openxmlformats.org/drawingml/2006/main" xmlns:r="http://schemas.openxmlformats.org/officeDocument/2006/relationships" xmlns:p="http://schemas.openxmlformats.org/presentationml/2006/main">
+  <p:cSld>
+    <p:spTree>
+      <p:nvGrpSpPr>
+        <p:cNvPr id="1" name=""/>
+        <p:cNvGrpSpPr/>
+        <p:nvPr/>
+      </p:nvGrpSpPr>
+      <p:grpSpPr>
+        <a:xfrm>
+          <a:off x="0" y="0"/>
+          <a:ext cx="0" cy="0"/>
+          <a:chOff x="0" y="0"/>
+          <a:chExt cx="0" cy="0"/>
+        </a:xfrm>
+      </p:grpSpPr>
+      <p:sp>
+        <p:nvSpPr>
+          <p:cNvPr id="2" name="スライド イメージ プレースホルダー 1"/>
+          <p:cNvSpPr>
+            <a:spLocks noGrp="1" noRot="1" noChangeAspect="1"/>
+          </p:cNvSpPr>
+          <p:nvPr>
+            <p:ph type="sldImg"/>
+          </p:nvPr>
+        </p:nvSpPr>
+        <p:spPr/>
+      </p:sp>
+      <p:sp>
+        <p:nvSpPr>
+          <p:cNvPr id="3" name="ノート プレースホルダー 2"/>
+          <p:cNvSpPr>
+            <a:spLocks noGrp="1"/>
+          </p:cNvSpPr>
+          <p:nvPr>
+            <p:ph type="body" idx="1"/>
+          </p:nvPr>
+        </p:nvSpPr>
+        <p:spPr/>
+        <p:txBody>
+          <a:bodyPr/>
+          <a:lstStyle/>
+          <a:p>
+            <a:r>
+              <a:rPr kumimoji="1" lang="ja-JP" altLang="en-US" dirty="0"/>
+              <a:t>今後はエフェクトやプレイヤー操作の感触を良くしたいです。</a:t>
+            </a:r>
+            <a:endParaRPr kumimoji="1" lang="en-US" altLang="ja-JP" dirty="0"/>
+          </a:p>
+          <a:p>
+            <a:r>
+              <a:rPr kumimoji="1" lang="ja-JP" altLang="en-US"/>
+              <a:t>具体的に、回避</a:t>
+            </a:r>
+            <a:r>
+              <a:rPr kumimoji="1" lang="ja-JP" altLang="en-US" dirty="0"/>
+              <a:t>アクション</a:t>
+            </a:r>
+            <a:r>
+              <a:rPr kumimoji="1" lang="ja-JP" altLang="en-US"/>
+              <a:t>は現在アニメーション</a:t>
+            </a:r>
+            <a:r>
+              <a:rPr kumimoji="1" lang="ja-JP" altLang="en-US" dirty="0"/>
+              <a:t>などを一切つけていないので回避している感がないし、罠を設置して</a:t>
+            </a:r>
+            <a:r>
+              <a:rPr kumimoji="1" lang="ja-JP" altLang="en-US"/>
+              <a:t>も引っかからないのでそこら辺を直したいです。</a:t>
+            </a:r>
+            <a:endParaRPr kumimoji="1" lang="ja-JP" altLang="en-US" dirty="0"/>
+          </a:p>
+        </p:txBody>
+      </p:sp>
+      <p:sp>
+        <p:nvSpPr>
+          <p:cNvPr id="4" name="スライド番号プレースホルダー 3"/>
+          <p:cNvSpPr>
+            <a:spLocks noGrp="1"/>
+          </p:cNvSpPr>
+          <p:nvPr>
+            <p:ph type="sldNum" sz="quarter" idx="5"/>
+          </p:nvPr>
+        </p:nvSpPr>
+        <p:spPr/>
+        <p:txBody>
+          <a:bodyPr/>
+          <a:lstStyle/>
+          <a:p>
+            <a:fld id="{BCED0462-9738-42E7-A95A-C2273252B265}" type="slidenum">
+              <a:rPr kumimoji="1" lang="ja-JP" altLang="en-US" smtClean="0"/>
+              <a:t>10</a:t>
+            </a:fld>
+            <a:endParaRPr kumimoji="1" lang="ja-JP" altLang="en-US"/>
+          </a:p>
+        </p:txBody>
+      </p:sp>
+    </p:spTree>
+    <p:extLst>
+      <p:ext uri="{BB962C8B-B14F-4D97-AF65-F5344CB8AC3E}">
+        <p14:creationId xmlns:p14="http://schemas.microsoft.com/office/powerpoint/2010/main" val="2862544175"/>
+      </p:ext>
+    </p:extLst>
+  </p:cSld>
+  <p:clrMapOvr>
+    <a:masterClrMapping/>
+  </p:clrMapOvr>
+</p:notes>
+</file>
+
 <file path=ppt/slideLayouts/slideLayout1.xml><?xml version="1.0" encoding="utf-8"?>
 <p:sldLayout xmlns:a="http://schemas.openxmlformats.org/drawingml/2006/main" xmlns:r="http://schemas.openxmlformats.org/officeDocument/2006/relationships" xmlns:p="http://schemas.openxmlformats.org/presentationml/2006/main" type="title" preserve="1">
   <p:cSld name="タイトル スライド">
@@ -250,7 +1834,7 @@
           <a:p>
             <a:fld id="{D9145103-6079-44AB-8287-23A2C0B432BD}" type="datetimeFigureOut">
               <a:rPr kumimoji="1" lang="ja-JP" altLang="en-US" smtClean="0"/>
-              <a:t>2023/2/9</a:t>
+              <a:t>2023/3/2</a:t>
             </a:fld>
             <a:endParaRPr kumimoji="1" lang="ja-JP" altLang="en-US"/>
           </a:p>
@@ -452,7 +2036,7 @@
           <a:p>
             <a:fld id="{D9145103-6079-44AB-8287-23A2C0B432BD}" type="datetimeFigureOut">
               <a:rPr kumimoji="1" lang="ja-JP" altLang="en-US" smtClean="0"/>
-              <a:t>2023/2/9</a:t>
+              <a:t>2023/3/2</a:t>
             </a:fld>
             <a:endParaRPr kumimoji="1" lang="ja-JP" altLang="en-US"/>
           </a:p>
@@ -664,7 +2248,7 @@
           <a:p>
             <a:fld id="{D9145103-6079-44AB-8287-23A2C0B432BD}" type="datetimeFigureOut">
               <a:rPr kumimoji="1" lang="ja-JP" altLang="en-US" smtClean="0"/>
-              <a:t>2023/2/9</a:t>
+              <a:t>2023/3/2</a:t>
             </a:fld>
             <a:endParaRPr kumimoji="1" lang="ja-JP" altLang="en-US"/>
           </a:p>
@@ -866,7 +2450,7 @@
           <a:p>
             <a:fld id="{D9145103-6079-44AB-8287-23A2C0B432BD}" type="datetimeFigureOut">
               <a:rPr kumimoji="1" lang="ja-JP" altLang="en-US" smtClean="0"/>
-              <a:t>2023/2/9</a:t>
+              <a:t>2023/3/2</a:t>
             </a:fld>
             <a:endParaRPr kumimoji="1" lang="ja-JP" altLang="en-US"/>
           </a:p>
@@ -1112,7 +2696,7 @@
           <a:p>
             <a:fld id="{D9145103-6079-44AB-8287-23A2C0B432BD}" type="datetimeFigureOut">
               <a:rPr kumimoji="1" lang="ja-JP" altLang="en-US" smtClean="0"/>
-              <a:t>2023/2/9</a:t>
+              <a:t>2023/3/2</a:t>
             </a:fld>
             <a:endParaRPr kumimoji="1" lang="ja-JP" altLang="en-US"/>
           </a:p>
@@ -1408,7 +2992,7 @@
           <a:p>
             <a:fld id="{D9145103-6079-44AB-8287-23A2C0B432BD}" type="datetimeFigureOut">
               <a:rPr kumimoji="1" lang="ja-JP" altLang="en-US" smtClean="0"/>
-              <a:t>2023/2/9</a:t>
+              <a:t>2023/3/2</a:t>
             </a:fld>
             <a:endParaRPr kumimoji="1" lang="ja-JP" altLang="en-US"/>
           </a:p>
@@ -1839,7 +3423,7 @@
           <a:p>
             <a:fld id="{D9145103-6079-44AB-8287-23A2C0B432BD}" type="datetimeFigureOut">
               <a:rPr kumimoji="1" lang="ja-JP" altLang="en-US" smtClean="0"/>
-              <a:t>2023/2/9</a:t>
+              <a:t>2023/3/2</a:t>
             </a:fld>
             <a:endParaRPr kumimoji="1" lang="ja-JP" altLang="en-US"/>
           </a:p>
@@ -1957,7 +3541,7 @@
           <a:p>
             <a:fld id="{D9145103-6079-44AB-8287-23A2C0B432BD}" type="datetimeFigureOut">
               <a:rPr kumimoji="1" lang="ja-JP" altLang="en-US" smtClean="0"/>
-              <a:t>2023/2/9</a:t>
+              <a:t>2023/3/2</a:t>
             </a:fld>
             <a:endParaRPr kumimoji="1" lang="ja-JP" altLang="en-US"/>
           </a:p>
@@ -2052,7 +3636,7 @@
           <a:p>
             <a:fld id="{D9145103-6079-44AB-8287-23A2C0B432BD}" type="datetimeFigureOut">
               <a:rPr kumimoji="1" lang="ja-JP" altLang="en-US" smtClean="0"/>
-              <a:t>2023/2/9</a:t>
+              <a:t>2023/3/2</a:t>
             </a:fld>
             <a:endParaRPr kumimoji="1" lang="ja-JP" altLang="en-US"/>
           </a:p>
@@ -2361,7 +3945,7 @@
           <a:p>
             <a:fld id="{D9145103-6079-44AB-8287-23A2C0B432BD}" type="datetimeFigureOut">
               <a:rPr kumimoji="1" lang="ja-JP" altLang="en-US" smtClean="0"/>
-              <a:t>2023/2/9</a:t>
+              <a:t>2023/3/2</a:t>
             </a:fld>
             <a:endParaRPr kumimoji="1" lang="ja-JP" altLang="en-US"/>
           </a:p>
@@ -2618,7 +4202,7 @@
           <a:p>
             <a:fld id="{D9145103-6079-44AB-8287-23A2C0B432BD}" type="datetimeFigureOut">
               <a:rPr kumimoji="1" lang="ja-JP" altLang="en-US" smtClean="0"/>
-              <a:t>2023/2/9</a:t>
+              <a:t>2023/3/2</a:t>
             </a:fld>
             <a:endParaRPr kumimoji="1" lang="ja-JP" altLang="en-US"/>
           </a:p>
@@ -2863,7 +4447,7 @@
           <a:p>
             <a:fld id="{D9145103-6079-44AB-8287-23A2C0B432BD}" type="datetimeFigureOut">
               <a:rPr kumimoji="1" lang="ja-JP" altLang="en-US" smtClean="0"/>
-              <a:t>2023/2/9</a:t>
+              <a:t>2023/3/2</a:t>
             </a:fld>
             <a:endParaRPr kumimoji="1" lang="ja-JP" altLang="en-US"/>
           </a:p>
@@ -3290,6 +4874,1160 @@
         </p:nvSpPr>
         <p:spPr>
           <a:xfrm>
+            <a:off x="4046199" y="390314"/>
+            <a:ext cx="3028335" cy="830997"/>
+          </a:xfrm>
+          <a:prstGeom prst="rect">
+            <a:avLst/>
+          </a:prstGeom>
+          <a:noFill/>
+        </p:spPr>
+        <p:txBody>
+          <a:bodyPr wrap="square" rtlCol="0">
+            <a:spAutoFit/>
+          </a:bodyPr>
+          <a:lstStyle/>
+          <a:p>
+            <a:pPr algn="ctr"/>
+            <a:r>
+              <a:rPr kumimoji="1" lang="en-US" altLang="ja-JP" sz="4800" b="1" dirty="0" err="1">
+                <a:solidFill>
+                  <a:schemeClr val="tx2">
+                    <a:lumMod val="10000"/>
+                  </a:schemeClr>
+                </a:solidFill>
+              </a:rPr>
+              <a:t>haskeat</a:t>
+            </a:r>
+            <a:endParaRPr kumimoji="1" lang="ja-JP" altLang="en-US" sz="4800" b="1" dirty="0">
+              <a:solidFill>
+                <a:schemeClr val="tx2">
+                  <a:lumMod val="10000"/>
+                </a:schemeClr>
+              </a:solidFill>
+            </a:endParaRPr>
+          </a:p>
+        </p:txBody>
+      </p:sp>
+      <p:sp>
+        <p:nvSpPr>
+          <p:cNvPr id="8" name="テキスト ボックス 7">
+            <a:extLst>
+              <a:ext uri="{FF2B5EF4-FFF2-40B4-BE49-F238E27FC236}">
+                <a16:creationId xmlns:a16="http://schemas.microsoft.com/office/drawing/2014/main" id="{35D8F0E1-817D-4F2A-9144-4517F5E224B0}"/>
+              </a:ext>
+            </a:extLst>
+          </p:cNvPr>
+          <p:cNvSpPr txBox="1"/>
+          <p:nvPr/>
+        </p:nvSpPr>
+        <p:spPr>
+          <a:xfrm>
+            <a:off x="4488874" y="3429000"/>
+            <a:ext cx="2585660" cy="461665"/>
+          </a:xfrm>
+          <a:prstGeom prst="rect">
+            <a:avLst/>
+          </a:prstGeom>
+          <a:noFill/>
+        </p:spPr>
+        <p:txBody>
+          <a:bodyPr wrap="square" rtlCol="0">
+            <a:spAutoFit/>
+          </a:bodyPr>
+          <a:lstStyle/>
+          <a:p>
+            <a:pPr algn="ctr"/>
+            <a:r>
+              <a:rPr kumimoji="1" lang="ja-JP" altLang="en-US" sz="2400" dirty="0">
+                <a:solidFill>
+                  <a:schemeClr val="tx2">
+                    <a:lumMod val="10000"/>
+                  </a:schemeClr>
+                </a:solidFill>
+              </a:rPr>
+              <a:t>チームメンバー</a:t>
+            </a:r>
+          </a:p>
+        </p:txBody>
+      </p:sp>
+      <p:sp>
+        <p:nvSpPr>
+          <p:cNvPr id="2" name="テキスト ボックス 1">
+            <a:extLst>
+              <a:ext uri="{FF2B5EF4-FFF2-40B4-BE49-F238E27FC236}">
+                <a16:creationId xmlns:a16="http://schemas.microsoft.com/office/drawing/2014/main" id="{8377D707-29C7-4675-801A-87CEF0A00B17}"/>
+              </a:ext>
+            </a:extLst>
+          </p:cNvPr>
+          <p:cNvSpPr txBox="1"/>
+          <p:nvPr/>
+        </p:nvSpPr>
+        <p:spPr>
+          <a:xfrm>
+            <a:off x="4245865" y="1561952"/>
+            <a:ext cx="2585660" cy="646331"/>
+          </a:xfrm>
+          <a:prstGeom prst="rect">
+            <a:avLst/>
+          </a:prstGeom>
+          <a:noFill/>
+        </p:spPr>
+        <p:txBody>
+          <a:bodyPr wrap="square" rtlCol="0">
+            <a:spAutoFit/>
+          </a:bodyPr>
+          <a:lstStyle/>
+          <a:p>
+            <a:pPr algn="ctr"/>
+            <a:r>
+              <a:rPr kumimoji="1" lang="en-US" altLang="ja-JP" sz="3600" dirty="0">
+                <a:solidFill>
+                  <a:schemeClr val="bg1"/>
+                </a:solidFill>
+              </a:rPr>
+              <a:t>art </a:t>
+            </a:r>
+            <a:r>
+              <a:rPr kumimoji="1" lang="en-US" altLang="ja-JP" sz="3600" dirty="0" err="1">
+                <a:solidFill>
+                  <a:schemeClr val="bg1"/>
+                </a:solidFill>
+              </a:rPr>
+              <a:t>vandalis</a:t>
+            </a:r>
+            <a:endParaRPr kumimoji="1" lang="ja-JP" altLang="en-US" sz="3600" dirty="0">
+              <a:solidFill>
+                <a:schemeClr val="bg1"/>
+              </a:solidFill>
+            </a:endParaRPr>
+          </a:p>
+        </p:txBody>
+      </p:sp>
+      <p:sp>
+        <p:nvSpPr>
+          <p:cNvPr id="3" name="テキスト ボックス 2">
+            <a:extLst>
+              <a:ext uri="{FF2B5EF4-FFF2-40B4-BE49-F238E27FC236}">
+                <a16:creationId xmlns:a16="http://schemas.microsoft.com/office/drawing/2014/main" id="{BCF5EC7E-923C-47B7-8BB1-8C8368BDDC77}"/>
+              </a:ext>
+            </a:extLst>
+          </p:cNvPr>
+          <p:cNvSpPr txBox="1"/>
+          <p:nvPr/>
+        </p:nvSpPr>
+        <p:spPr>
+          <a:xfrm>
+            <a:off x="4670322" y="4001729"/>
+            <a:ext cx="1995949" cy="923330"/>
+          </a:xfrm>
+          <a:prstGeom prst="rect">
+            <a:avLst/>
+          </a:prstGeom>
+          <a:noFill/>
+        </p:spPr>
+        <p:txBody>
+          <a:bodyPr wrap="square" rtlCol="0">
+            <a:spAutoFit/>
+          </a:bodyPr>
+          <a:lstStyle/>
+          <a:p>
+            <a:pPr algn="ctr"/>
+            <a:r>
+              <a:rPr kumimoji="1" lang="ja-JP" altLang="en-US" dirty="0">
+                <a:solidFill>
+                  <a:schemeClr val="bg1"/>
+                </a:solidFill>
+              </a:rPr>
+              <a:t>・濱﨑柊衣</a:t>
+            </a:r>
+            <a:endParaRPr kumimoji="1" lang="en-US" altLang="ja-JP" dirty="0">
+              <a:solidFill>
+                <a:schemeClr val="bg1"/>
+              </a:solidFill>
+            </a:endParaRPr>
+          </a:p>
+          <a:p>
+            <a:pPr algn="ctr"/>
+            <a:r>
+              <a:rPr kumimoji="1" lang="ja-JP" altLang="en-US" dirty="0">
+                <a:solidFill>
+                  <a:schemeClr val="bg1"/>
+                </a:solidFill>
+              </a:rPr>
+              <a:t>・白井悠斗</a:t>
+            </a:r>
+            <a:endParaRPr kumimoji="1" lang="en-US" altLang="ja-JP" dirty="0">
+              <a:solidFill>
+                <a:schemeClr val="bg1"/>
+              </a:solidFill>
+            </a:endParaRPr>
+          </a:p>
+          <a:p>
+            <a:pPr algn="ctr"/>
+            <a:r>
+              <a:rPr kumimoji="1" lang="ja-JP" altLang="en-US" dirty="0">
+                <a:solidFill>
+                  <a:schemeClr val="bg1"/>
+                </a:solidFill>
+              </a:rPr>
+              <a:t>・川島永資</a:t>
+            </a:r>
+          </a:p>
+        </p:txBody>
+      </p:sp>
+      <p:graphicFrame>
+        <p:nvGraphicFramePr>
+          <p:cNvPr id="4" name="表 3">
+            <a:extLst>
+              <a:ext uri="{FF2B5EF4-FFF2-40B4-BE49-F238E27FC236}">
+                <a16:creationId xmlns:a16="http://schemas.microsoft.com/office/drawing/2014/main" id="{1979AE7F-0936-44EA-A719-021EEB78EB49}"/>
+              </a:ext>
+            </a:extLst>
+          </p:cNvPr>
+          <p:cNvGraphicFramePr>
+            <a:graphicFrameLocks noGrp="1"/>
+          </p:cNvGraphicFramePr>
+          <p:nvPr>
+            <p:extLst>
+              <p:ext uri="{D42A27DB-BD31-4B8C-83A1-F6EECF244321}">
+                <p14:modId xmlns:p14="http://schemas.microsoft.com/office/powerpoint/2010/main" val="189404426"/>
+              </p:ext>
+            </p:extLst>
+          </p:nvPr>
+        </p:nvGraphicFramePr>
+        <p:xfrm>
+          <a:off x="6990735" y="5005065"/>
+          <a:ext cx="4001729" cy="1112520"/>
+        </p:xfrm>
+        <a:graphic>
+          <a:graphicData uri="http://schemas.openxmlformats.org/drawingml/2006/table">
+            <a:tbl>
+              <a:tblPr firstRow="1" bandRow="1">
+                <a:tableStyleId>{35758FB7-9AC5-4552-8A53-C91805E547FA}</a:tableStyleId>
+              </a:tblPr>
+              <a:tblGrid>
+                <a:gridCol w="1671484">
+                  <a:extLst>
+                    <a:ext uri="{9D8B030D-6E8A-4147-A177-3AD203B41FA5}">
+                      <a16:colId xmlns:a16="http://schemas.microsoft.com/office/drawing/2014/main" val="3085572769"/>
+                    </a:ext>
+                  </a:extLst>
+                </a:gridCol>
+                <a:gridCol w="2330245">
+                  <a:extLst>
+                    <a:ext uri="{9D8B030D-6E8A-4147-A177-3AD203B41FA5}">
+                      <a16:colId xmlns:a16="http://schemas.microsoft.com/office/drawing/2014/main" val="3988156855"/>
+                    </a:ext>
+                  </a:extLst>
+                </a:gridCol>
+              </a:tblGrid>
+              <a:tr h="370840">
+                <a:tc>
+                  <a:txBody>
+                    <a:bodyPr/>
+                    <a:lstStyle/>
+                    <a:p>
+                      <a:r>
+                        <a:rPr kumimoji="1" lang="ja-JP" altLang="en-US" dirty="0"/>
+                        <a:t>ジャンル</a:t>
+                      </a:r>
+                    </a:p>
+                  </a:txBody>
+                  <a:tcPr/>
+                </a:tc>
+                <a:tc>
+                  <a:txBody>
+                    <a:bodyPr/>
+                    <a:lstStyle/>
+                    <a:p>
+                      <a:r>
+                        <a:rPr kumimoji="1" lang="ja-JP" altLang="en-US" dirty="0"/>
+                        <a:t>ステルスアクション</a:t>
+                      </a:r>
+                    </a:p>
+                  </a:txBody>
+                  <a:tcPr/>
+                </a:tc>
+                <a:extLst>
+                  <a:ext uri="{0D108BD9-81ED-4DB2-BD59-A6C34878D82A}">
+                    <a16:rowId xmlns:a16="http://schemas.microsoft.com/office/drawing/2014/main" val="3794117094"/>
+                  </a:ext>
+                </a:extLst>
+              </a:tr>
+              <a:tr h="370840">
+                <a:tc>
+                  <a:txBody>
+                    <a:bodyPr/>
+                    <a:lstStyle/>
+                    <a:p>
+                      <a:r>
+                        <a:rPr kumimoji="1" lang="ja-JP" altLang="en-US" dirty="0"/>
+                        <a:t>ハード</a:t>
+                      </a:r>
+                    </a:p>
+                  </a:txBody>
+                  <a:tcPr/>
+                </a:tc>
+                <a:tc>
+                  <a:txBody>
+                    <a:bodyPr/>
+                    <a:lstStyle/>
+                    <a:p>
+                      <a:r>
+                        <a:rPr kumimoji="1" lang="en-US" altLang="ja-JP" dirty="0"/>
+                        <a:t>PC</a:t>
+                      </a:r>
+                      <a:r>
+                        <a:rPr kumimoji="1" lang="ja-JP" altLang="en-US" dirty="0" err="1"/>
+                        <a:t>、</a:t>
+                      </a:r>
+                      <a:r>
+                        <a:rPr kumimoji="1" lang="en-US" altLang="ja-JP" dirty="0"/>
+                        <a:t>Windows</a:t>
+                      </a:r>
+                      <a:endParaRPr kumimoji="1" lang="ja-JP" altLang="en-US" dirty="0"/>
+                    </a:p>
+                  </a:txBody>
+                  <a:tcPr/>
+                </a:tc>
+                <a:extLst>
+                  <a:ext uri="{0D108BD9-81ED-4DB2-BD59-A6C34878D82A}">
+                    <a16:rowId xmlns:a16="http://schemas.microsoft.com/office/drawing/2014/main" val="2012942157"/>
+                  </a:ext>
+                </a:extLst>
+              </a:tr>
+              <a:tr h="370840">
+                <a:tc>
+                  <a:txBody>
+                    <a:bodyPr/>
+                    <a:lstStyle/>
+                    <a:p>
+                      <a:r>
+                        <a:rPr kumimoji="1" lang="ja-JP" altLang="en-US" dirty="0"/>
+                        <a:t>プレイ人数</a:t>
+                      </a:r>
+                    </a:p>
+                  </a:txBody>
+                  <a:tcPr/>
+                </a:tc>
+                <a:tc>
+                  <a:txBody>
+                    <a:bodyPr/>
+                    <a:lstStyle/>
+                    <a:p>
+                      <a:r>
+                        <a:rPr kumimoji="1" lang="ja-JP" altLang="en-US" dirty="0"/>
+                        <a:t>一人</a:t>
+                      </a:r>
+                    </a:p>
+                  </a:txBody>
+                  <a:tcPr/>
+                </a:tc>
+                <a:extLst>
+                  <a:ext uri="{0D108BD9-81ED-4DB2-BD59-A6C34878D82A}">
+                    <a16:rowId xmlns:a16="http://schemas.microsoft.com/office/drawing/2014/main" val="4241652030"/>
+                  </a:ext>
+                </a:extLst>
+              </a:tr>
+            </a:tbl>
+          </a:graphicData>
+        </a:graphic>
+      </p:graphicFrame>
+    </p:spTree>
+    <p:extLst>
+      <p:ext uri="{BB962C8B-B14F-4D97-AF65-F5344CB8AC3E}">
+        <p14:creationId xmlns:p14="http://schemas.microsoft.com/office/powerpoint/2010/main" val="1633509176"/>
+      </p:ext>
+    </p:extLst>
+  </p:cSld>
+  <p:clrMapOvr>
+    <a:masterClrMapping/>
+  </p:clrMapOvr>
+</p:sld>
+</file>
+
+<file path=ppt/slides/slide10.xml><?xml version="1.0" encoding="utf-8"?>
+<p:sld xmlns:a="http://schemas.openxmlformats.org/drawingml/2006/main" xmlns:r="http://schemas.openxmlformats.org/officeDocument/2006/relationships" xmlns:p="http://schemas.openxmlformats.org/presentationml/2006/main">
+  <p:cSld>
+    <p:bg>
+      <p:bgPr>
+        <a:solidFill>
+          <a:schemeClr val="accent4"/>
+        </a:solidFill>
+        <a:effectLst/>
+      </p:bgPr>
+    </p:bg>
+    <p:spTree>
+      <p:nvGrpSpPr>
+        <p:cNvPr id="1" name=""/>
+        <p:cNvGrpSpPr/>
+        <p:nvPr/>
+      </p:nvGrpSpPr>
+      <p:grpSpPr>
+        <a:xfrm>
+          <a:off x="0" y="0"/>
+          <a:ext cx="0" cy="0"/>
+          <a:chOff x="0" y="0"/>
+          <a:chExt cx="0" cy="0"/>
+        </a:xfrm>
+      </p:grpSpPr>
+      <p:sp>
+        <p:nvSpPr>
+          <p:cNvPr id="2" name="正方形/長方形 1">
+            <a:extLst>
+              <a:ext uri="{FF2B5EF4-FFF2-40B4-BE49-F238E27FC236}">
+                <a16:creationId xmlns:a16="http://schemas.microsoft.com/office/drawing/2014/main" id="{DEDE4D18-ED5C-4ECE-91FE-EE136883207F}"/>
+              </a:ext>
+            </a:extLst>
+          </p:cNvPr>
+          <p:cNvSpPr/>
+          <p:nvPr/>
+        </p:nvSpPr>
+        <p:spPr>
+          <a:xfrm>
+            <a:off x="393290" y="344130"/>
+            <a:ext cx="2595716" cy="1032387"/>
+          </a:xfrm>
+          <a:prstGeom prst="rect">
+            <a:avLst/>
+          </a:prstGeom>
+        </p:spPr>
+        <p:style>
+          <a:lnRef idx="2">
+            <a:schemeClr val="accent1">
+              <a:shade val="50000"/>
+            </a:schemeClr>
+          </a:lnRef>
+          <a:fillRef idx="1">
+            <a:schemeClr val="accent1"/>
+          </a:fillRef>
+          <a:effectRef idx="0">
+            <a:schemeClr val="accent1"/>
+          </a:effectRef>
+          <a:fontRef idx="minor">
+            <a:schemeClr val="lt1"/>
+          </a:fontRef>
+        </p:style>
+        <p:txBody>
+          <a:bodyPr rtlCol="0" anchor="ctr"/>
+          <a:lstStyle/>
+          <a:p>
+            <a:pPr algn="ctr"/>
+            <a:r>
+              <a:rPr kumimoji="1" lang="ja-JP" altLang="en-US" dirty="0"/>
+              <a:t>今後どうするか</a:t>
+            </a:r>
+          </a:p>
+        </p:txBody>
+      </p:sp>
+    </p:spTree>
+    <p:extLst>
+      <p:ext uri="{BB962C8B-B14F-4D97-AF65-F5344CB8AC3E}">
+        <p14:creationId xmlns:p14="http://schemas.microsoft.com/office/powerpoint/2010/main" val="17118276"/>
+      </p:ext>
+    </p:extLst>
+  </p:cSld>
+  <p:clrMapOvr>
+    <a:masterClrMapping/>
+  </p:clrMapOvr>
+</p:sld>
+</file>
+
+<file path=ppt/slides/slide11.xml><?xml version="1.0" encoding="utf-8"?>
+<p:sld xmlns:a="http://schemas.openxmlformats.org/drawingml/2006/main" xmlns:r="http://schemas.openxmlformats.org/officeDocument/2006/relationships" xmlns:p="http://schemas.openxmlformats.org/presentationml/2006/main" show="0">
+  <p:cSld>
+    <p:bg>
+      <p:bgPr>
+        <a:solidFill>
+          <a:schemeClr val="accent4"/>
+        </a:solidFill>
+        <a:effectLst/>
+      </p:bgPr>
+    </p:bg>
+    <p:spTree>
+      <p:nvGrpSpPr>
+        <p:cNvPr id="1" name=""/>
+        <p:cNvGrpSpPr/>
+        <p:nvPr/>
+      </p:nvGrpSpPr>
+      <p:grpSpPr>
+        <a:xfrm>
+          <a:off x="0" y="0"/>
+          <a:ext cx="0" cy="0"/>
+          <a:chOff x="0" y="0"/>
+          <a:chExt cx="0" cy="0"/>
+        </a:xfrm>
+      </p:grpSpPr>
+      <p:sp>
+        <p:nvSpPr>
+          <p:cNvPr id="7" name="正方形/長方形 6">
+            <a:extLst>
+              <a:ext uri="{FF2B5EF4-FFF2-40B4-BE49-F238E27FC236}">
+                <a16:creationId xmlns:a16="http://schemas.microsoft.com/office/drawing/2014/main" id="{68B26BD5-900C-4648-B4E9-4695AB1662EA}"/>
+              </a:ext>
+            </a:extLst>
+          </p:cNvPr>
+          <p:cNvSpPr/>
+          <p:nvPr/>
+        </p:nvSpPr>
+        <p:spPr>
+          <a:xfrm>
+            <a:off x="1702291" y="1392904"/>
+            <a:ext cx="639097" cy="727587"/>
+          </a:xfrm>
+          <a:prstGeom prst="rect">
+            <a:avLst/>
+          </a:prstGeom>
+          <a:solidFill>
+            <a:srgbClr val="FF0000"/>
+          </a:solidFill>
+        </p:spPr>
+        <p:style>
+          <a:lnRef idx="2">
+            <a:schemeClr val="accent1">
+              <a:shade val="50000"/>
+            </a:schemeClr>
+          </a:lnRef>
+          <a:fillRef idx="1">
+            <a:schemeClr val="accent1"/>
+          </a:fillRef>
+          <a:effectRef idx="0">
+            <a:schemeClr val="accent1"/>
+          </a:effectRef>
+          <a:fontRef idx="minor">
+            <a:schemeClr val="lt1"/>
+          </a:fontRef>
+        </p:style>
+        <p:txBody>
+          <a:bodyPr rtlCol="0" anchor="ctr"/>
+          <a:lstStyle/>
+          <a:p>
+            <a:pPr algn="ctr"/>
+            <a:endParaRPr kumimoji="1" lang="ja-JP" altLang="en-US"/>
+          </a:p>
+        </p:txBody>
+      </p:sp>
+      <p:sp>
+        <p:nvSpPr>
+          <p:cNvPr id="2" name="テキスト ボックス 1">
+            <a:extLst>
+              <a:ext uri="{FF2B5EF4-FFF2-40B4-BE49-F238E27FC236}">
+                <a16:creationId xmlns:a16="http://schemas.microsoft.com/office/drawing/2014/main" id="{F9C449EC-5322-459E-B7E8-51158F758E80}"/>
+              </a:ext>
+            </a:extLst>
+          </p:cNvPr>
+          <p:cNvSpPr txBox="1"/>
+          <p:nvPr/>
+        </p:nvSpPr>
+        <p:spPr>
+          <a:xfrm>
+            <a:off x="2021840" y="182880"/>
+            <a:ext cx="3840480" cy="369332"/>
+          </a:xfrm>
+          <a:prstGeom prst="rect">
+            <a:avLst/>
+          </a:prstGeom>
+          <a:noFill/>
+        </p:spPr>
+        <p:txBody>
+          <a:bodyPr wrap="square" rtlCol="0">
+            <a:spAutoFit/>
+          </a:bodyPr>
+          <a:lstStyle/>
+          <a:p>
+            <a:r>
+              <a:rPr kumimoji="1" lang="ja-JP" altLang="en-US" dirty="0"/>
+              <a:t>こんな演出があってもいいかも？</a:t>
+            </a:r>
+          </a:p>
+        </p:txBody>
+      </p:sp>
+      <p:sp>
+        <p:nvSpPr>
+          <p:cNvPr id="3" name="四角形: 角を丸くする 2">
+            <a:extLst>
+              <a:ext uri="{FF2B5EF4-FFF2-40B4-BE49-F238E27FC236}">
+                <a16:creationId xmlns:a16="http://schemas.microsoft.com/office/drawing/2014/main" id="{955C9E10-C873-4760-9350-108A2051613F}"/>
+              </a:ext>
+            </a:extLst>
+          </p:cNvPr>
+          <p:cNvSpPr/>
+          <p:nvPr/>
+        </p:nvSpPr>
+        <p:spPr>
+          <a:xfrm>
+            <a:off x="1022553" y="717755"/>
+            <a:ext cx="5781369" cy="530942"/>
+          </a:xfrm>
+          <a:prstGeom prst="roundRect">
+            <a:avLst/>
+          </a:prstGeom>
+          <a:solidFill>
+            <a:schemeClr val="tx1"/>
+          </a:solidFill>
+          <a:ln>
+            <a:solidFill>
+              <a:schemeClr val="bg1"/>
+            </a:solidFill>
+          </a:ln>
+        </p:spPr>
+        <p:style>
+          <a:lnRef idx="2">
+            <a:schemeClr val="accent1">
+              <a:shade val="50000"/>
+            </a:schemeClr>
+          </a:lnRef>
+          <a:fillRef idx="1">
+            <a:schemeClr val="accent1"/>
+          </a:fillRef>
+          <a:effectRef idx="0">
+            <a:schemeClr val="accent1"/>
+          </a:effectRef>
+          <a:fontRef idx="minor">
+            <a:schemeClr val="lt1"/>
+          </a:fontRef>
+        </p:style>
+        <p:txBody>
+          <a:bodyPr rot="0" spcFirstLastPara="0" vertOverflow="overflow" horzOverflow="overflow" vert="horz" wrap="square" lIns="91440" tIns="45720" rIns="91440" bIns="45720" numCol="1" spcCol="0" rtlCol="0" fromWordArt="0" anchor="ctr" anchorCtr="0" forceAA="0" compatLnSpc="1">
+            <a:prstTxWarp prst="textNoShape">
+              <a:avLst/>
+            </a:prstTxWarp>
+            <a:noAutofit/>
+          </a:bodyPr>
+          <a:lstStyle/>
+          <a:p>
+            <a:r>
+              <a:rPr kumimoji="1" lang="ja-JP" altLang="en-US" dirty="0">
+                <a:solidFill>
+                  <a:schemeClr val="bg1"/>
+                </a:solidFill>
+              </a:rPr>
+              <a:t>回避や塗るときにいいかも（決めると</a:t>
+            </a:r>
+            <a:r>
+              <a:rPr kumimoji="1" lang="en-US" altLang="ja-JP" dirty="0">
+                <a:solidFill>
+                  <a:schemeClr val="bg1"/>
+                </a:solidFill>
+              </a:rPr>
+              <a:t>HP</a:t>
+            </a:r>
+            <a:r>
+              <a:rPr kumimoji="1" lang="ja-JP" altLang="en-US" dirty="0">
+                <a:solidFill>
+                  <a:schemeClr val="bg1"/>
+                </a:solidFill>
+              </a:rPr>
+              <a:t>回復とか？）</a:t>
+            </a:r>
+          </a:p>
+        </p:txBody>
+      </p:sp>
+      <p:sp>
+        <p:nvSpPr>
+          <p:cNvPr id="8" name="正方形/長方形 7">
+            <a:extLst>
+              <a:ext uri="{FF2B5EF4-FFF2-40B4-BE49-F238E27FC236}">
+                <a16:creationId xmlns:a16="http://schemas.microsoft.com/office/drawing/2014/main" id="{5FE9418E-C028-487D-B7EC-0C4CD280A7BA}"/>
+              </a:ext>
+            </a:extLst>
+          </p:cNvPr>
+          <p:cNvSpPr/>
+          <p:nvPr/>
+        </p:nvSpPr>
+        <p:spPr>
+          <a:xfrm>
+            <a:off x="571581" y="4260294"/>
+            <a:ext cx="1769807" cy="1543664"/>
+          </a:xfrm>
+          <a:prstGeom prst="rect">
+            <a:avLst/>
+          </a:prstGeom>
+          <a:solidFill>
+            <a:schemeClr val="accent1"/>
+          </a:solidFill>
+          <a:ln>
+            <a:solidFill>
+              <a:schemeClr val="bg1"/>
+            </a:solidFill>
+          </a:ln>
+        </p:spPr>
+        <p:style>
+          <a:lnRef idx="2">
+            <a:schemeClr val="accent1">
+              <a:shade val="50000"/>
+            </a:schemeClr>
+          </a:lnRef>
+          <a:fillRef idx="1">
+            <a:schemeClr val="accent1"/>
+          </a:fillRef>
+          <a:effectRef idx="0">
+            <a:schemeClr val="accent1"/>
+          </a:effectRef>
+          <a:fontRef idx="minor">
+            <a:schemeClr val="lt1"/>
+          </a:fontRef>
+        </p:style>
+        <p:txBody>
+          <a:bodyPr rot="0" spcFirstLastPara="0" vertOverflow="overflow" horzOverflow="overflow" vert="horz" wrap="square" lIns="91440" tIns="45720" rIns="91440" bIns="45720" numCol="1" spcCol="0" rtlCol="0" fromWordArt="0" anchor="ctr" anchorCtr="0" forceAA="0" compatLnSpc="1">
+            <a:prstTxWarp prst="textNoShape">
+              <a:avLst/>
+            </a:prstTxWarp>
+            <a:noAutofit/>
+          </a:bodyPr>
+          <a:lstStyle/>
+          <a:p>
+            <a:pPr algn="ctr"/>
+            <a:endParaRPr kumimoji="1" lang="ja-JP" altLang="en-US"/>
+          </a:p>
+        </p:txBody>
+      </p:sp>
+      <p:sp>
+        <p:nvSpPr>
+          <p:cNvPr id="10" name="正方形/長方形 9">
+            <a:extLst>
+              <a:ext uri="{FF2B5EF4-FFF2-40B4-BE49-F238E27FC236}">
+                <a16:creationId xmlns:a16="http://schemas.microsoft.com/office/drawing/2014/main" id="{6E1EA4C1-2D7E-4B99-B883-6A2CB04D20D4}"/>
+              </a:ext>
+            </a:extLst>
+          </p:cNvPr>
+          <p:cNvSpPr/>
+          <p:nvPr/>
+        </p:nvSpPr>
+        <p:spPr>
+          <a:xfrm rot="861056">
+            <a:off x="3039091" y="4119186"/>
+            <a:ext cx="1397425" cy="1110941"/>
+          </a:xfrm>
+          <a:prstGeom prst="rect">
+            <a:avLst/>
+          </a:prstGeom>
+          <a:solidFill>
+            <a:schemeClr val="tx1"/>
+          </a:solidFill>
+          <a:ln>
+            <a:solidFill>
+              <a:schemeClr val="bg1"/>
+            </a:solidFill>
+          </a:ln>
+        </p:spPr>
+        <p:style>
+          <a:lnRef idx="2">
+            <a:schemeClr val="accent1">
+              <a:shade val="50000"/>
+            </a:schemeClr>
+          </a:lnRef>
+          <a:fillRef idx="1">
+            <a:schemeClr val="accent1"/>
+          </a:fillRef>
+          <a:effectRef idx="0">
+            <a:schemeClr val="accent1"/>
+          </a:effectRef>
+          <a:fontRef idx="minor">
+            <a:schemeClr val="lt1"/>
+          </a:fontRef>
+        </p:style>
+        <p:txBody>
+          <a:bodyPr rot="0" spcFirstLastPara="0" vertOverflow="overflow" horzOverflow="overflow" vert="horz" wrap="square" lIns="91440" tIns="45720" rIns="91440" bIns="45720" numCol="1" spcCol="0" rtlCol="0" fromWordArt="0" anchor="ctr" anchorCtr="0" forceAA="0" compatLnSpc="1">
+            <a:prstTxWarp prst="textNoShape">
+              <a:avLst/>
+            </a:prstTxWarp>
+            <a:noAutofit/>
+          </a:bodyPr>
+          <a:lstStyle/>
+          <a:p>
+            <a:pPr algn="ctr"/>
+            <a:r>
+              <a:rPr kumimoji="1" lang="ja-JP" altLang="en-US" sz="1400" dirty="0">
+                <a:solidFill>
+                  <a:schemeClr val="bg1"/>
+                </a:solidFill>
+              </a:rPr>
+              <a:t>ミッションが書いてある</a:t>
+            </a:r>
+          </a:p>
+        </p:txBody>
+      </p:sp>
+      <p:sp>
+        <p:nvSpPr>
+          <p:cNvPr id="14" name="四角形: 角を丸くする 13">
+            <a:extLst>
+              <a:ext uri="{FF2B5EF4-FFF2-40B4-BE49-F238E27FC236}">
+                <a16:creationId xmlns:a16="http://schemas.microsoft.com/office/drawing/2014/main" id="{9AD8C4AD-1195-4C6F-909A-D4198767036F}"/>
+              </a:ext>
+            </a:extLst>
+          </p:cNvPr>
+          <p:cNvSpPr/>
+          <p:nvPr/>
+        </p:nvSpPr>
+        <p:spPr>
+          <a:xfrm>
+            <a:off x="314631" y="2735908"/>
+            <a:ext cx="2989007" cy="530942"/>
+          </a:xfrm>
+          <a:prstGeom prst="roundRect">
+            <a:avLst/>
+          </a:prstGeom>
+          <a:solidFill>
+            <a:schemeClr val="tx1"/>
+          </a:solidFill>
+          <a:ln>
+            <a:solidFill>
+              <a:schemeClr val="bg1"/>
+            </a:solidFill>
+          </a:ln>
+        </p:spPr>
+        <p:style>
+          <a:lnRef idx="2">
+            <a:schemeClr val="accent1">
+              <a:shade val="50000"/>
+            </a:schemeClr>
+          </a:lnRef>
+          <a:fillRef idx="1">
+            <a:schemeClr val="accent1"/>
+          </a:fillRef>
+          <a:effectRef idx="0">
+            <a:schemeClr val="accent1"/>
+          </a:effectRef>
+          <a:fontRef idx="minor">
+            <a:schemeClr val="lt1"/>
+          </a:fontRef>
+        </p:style>
+        <p:txBody>
+          <a:bodyPr rot="0" spcFirstLastPara="0" vertOverflow="overflow" horzOverflow="overflow" vert="horz" wrap="square" lIns="91440" tIns="45720" rIns="91440" bIns="45720" numCol="1" spcCol="0" rtlCol="0" fromWordArt="0" anchor="ctr" anchorCtr="0" forceAA="0" compatLnSpc="1">
+            <a:prstTxWarp prst="textNoShape">
+              <a:avLst/>
+            </a:prstTxWarp>
+            <a:noAutofit/>
+          </a:bodyPr>
+          <a:lstStyle/>
+          <a:p>
+            <a:r>
+              <a:rPr kumimoji="1" lang="ja-JP" altLang="en-US" dirty="0">
+                <a:solidFill>
+                  <a:schemeClr val="bg1"/>
+                </a:solidFill>
+              </a:rPr>
+              <a:t>ミッション表示の時の演出</a:t>
+            </a:r>
+          </a:p>
+        </p:txBody>
+      </p:sp>
+    </p:spTree>
+    <p:extLst>
+      <p:ext uri="{BB962C8B-B14F-4D97-AF65-F5344CB8AC3E}">
+        <p14:creationId xmlns:p14="http://schemas.microsoft.com/office/powerpoint/2010/main" val="3254657228"/>
+      </p:ext>
+    </p:extLst>
+  </p:cSld>
+  <p:clrMapOvr>
+    <a:masterClrMapping/>
+  </p:clrMapOvr>
+  <p:timing>
+    <p:tnLst>
+      <p:par>
+        <p:cTn id="1" dur="indefinite" restart="never" nodeType="tmRoot">
+          <p:childTnLst>
+            <p:seq concurrent="1" nextAc="seek">
+              <p:cTn id="2" dur="indefinite" nodeType="mainSeq">
+                <p:childTnLst>
+                  <p:par>
+                    <p:cTn id="3" fill="hold">
+                      <p:stCondLst>
+                        <p:cond delay="indefinite"/>
+                      </p:stCondLst>
+                      <p:childTnLst>
+                        <p:par>
+                          <p:cTn id="4" fill="hold">
+                            <p:stCondLst>
+                              <p:cond delay="0"/>
+                            </p:stCondLst>
+                            <p:childTnLst>
+                              <p:par>
+                                <p:cTn id="5" presetID="37" presetClass="path" presetSubtype="0" accel="50000" decel="50000" fill="hold" grpId="0" nodeType="clickEffect">
+                                  <p:stCondLst>
+                                    <p:cond delay="0"/>
+                                  </p:stCondLst>
+                                  <p:childTnLst>
+                                    <p:animMotion origin="layout" path="M 4.79167E-6 1.48148E-6 L 0.03763 -0.03958 C 0.04557 -0.04838 0.05729 -0.05301 0.06966 -0.05301 C 0.08385 -0.05301 0.09518 -0.04838 0.10299 -0.03958 L 0.14088 1.48148E-6 " pathEditMode="relative" rAng="0" ptsTypes="AAAAA">
+                                      <p:cBhvr>
+                                        <p:cTn id="6" dur="1000" fill="hold"/>
+                                        <p:tgtEl>
+                                          <p:spTgt spid="7"/>
+                                        </p:tgtEl>
+                                        <p:attrNameLst>
+                                          <p:attrName>ppt_x</p:attrName>
+                                          <p:attrName>ppt_y</p:attrName>
+                                        </p:attrNameLst>
+                                      </p:cBhvr>
+                                      <p:rCtr x="7044" y="-2662"/>
+                                    </p:animMotion>
+                                  </p:childTnLst>
+                                </p:cTn>
+                              </p:par>
+                              <p:par>
+                                <p:cTn id="7" presetID="8" presetClass="emph" presetSubtype="0" fill="hold" grpId="3" nodeType="withEffect">
+                                  <p:stCondLst>
+                                    <p:cond delay="0"/>
+                                  </p:stCondLst>
+                                  <p:childTnLst>
+                                    <p:animRot by="21600000">
+                                      <p:cBhvr>
+                                        <p:cTn id="8" dur="2000" fill="hold"/>
+                                        <p:tgtEl>
+                                          <p:spTgt spid="7"/>
+                                        </p:tgtEl>
+                                        <p:attrNameLst>
+                                          <p:attrName>r</p:attrName>
+                                        </p:attrNameLst>
+                                      </p:cBhvr>
+                                    </p:animRot>
+                                  </p:childTnLst>
+                                </p:cTn>
+                              </p:par>
+                            </p:childTnLst>
+                          </p:cTn>
+                        </p:par>
+                        <p:par>
+                          <p:cTn id="9" fill="hold">
+                            <p:stCondLst>
+                              <p:cond delay="2000"/>
+                            </p:stCondLst>
+                            <p:childTnLst>
+                              <p:par>
+                                <p:cTn id="10" presetID="37" presetClass="path" presetSubtype="0" accel="50000" decel="50000" fill="hold" grpId="1" nodeType="afterEffect">
+                                  <p:stCondLst>
+                                    <p:cond delay="0"/>
+                                  </p:stCondLst>
+                                  <p:childTnLst>
+                                    <p:animMotion origin="layout" path="M 0.14088 1.48148E-6 L 0.17838 -0.03958 C 0.18619 -0.04838 0.19804 -0.05301 0.21028 -0.05301 C 0.22421 -0.05301 0.23554 -0.04838 0.24335 -0.03958 L 0.28112 1.48148E-6 " pathEditMode="relative" rAng="0" ptsTypes="AAAAA">
+                                      <p:cBhvr>
+                                        <p:cTn id="11" dur="1000" fill="hold"/>
+                                        <p:tgtEl>
+                                          <p:spTgt spid="7"/>
+                                        </p:tgtEl>
+                                        <p:attrNameLst>
+                                          <p:attrName>ppt_x</p:attrName>
+                                          <p:attrName>ppt_y</p:attrName>
+                                        </p:attrNameLst>
+                                      </p:cBhvr>
+                                      <p:rCtr x="7005" y="-2662"/>
+                                    </p:animMotion>
+                                  </p:childTnLst>
+                                </p:cTn>
+                              </p:par>
+                              <p:par>
+                                <p:cTn id="12" presetID="8" presetClass="emph" presetSubtype="0" fill="hold" grpId="5" nodeType="withEffect">
+                                  <p:stCondLst>
+                                    <p:cond delay="0"/>
+                                  </p:stCondLst>
+                                  <p:childTnLst>
+                                    <p:animRot by="21600000">
+                                      <p:cBhvr>
+                                        <p:cTn id="13" dur="2000" fill="hold"/>
+                                        <p:tgtEl>
+                                          <p:spTgt spid="7"/>
+                                        </p:tgtEl>
+                                        <p:attrNameLst>
+                                          <p:attrName>r</p:attrName>
+                                        </p:attrNameLst>
+                                      </p:cBhvr>
+                                    </p:animRot>
+                                  </p:childTnLst>
+                                </p:cTn>
+                              </p:par>
+                            </p:childTnLst>
+                          </p:cTn>
+                        </p:par>
+                        <p:par>
+                          <p:cTn id="14" fill="hold">
+                            <p:stCondLst>
+                              <p:cond delay="4000"/>
+                            </p:stCondLst>
+                            <p:childTnLst>
+                              <p:par>
+                                <p:cTn id="15" presetID="37" presetClass="path" presetSubtype="0" accel="50000" decel="50000" fill="hold" grpId="2" nodeType="afterEffect">
+                                  <p:stCondLst>
+                                    <p:cond delay="0"/>
+                                  </p:stCondLst>
+                                  <p:childTnLst>
+                                    <p:animMotion origin="layout" path="M 0.28112 1.48148E-6 L 0.31614 -0.03958 C 0.32343 -0.04838 0.33437 -0.05301 0.34583 -0.05301 C 0.35898 -0.05301 0.3694 -0.04838 0.37669 -0.03958 L 0.41184 1.48148E-6 " pathEditMode="relative" rAng="0" ptsTypes="AAAAA">
+                                      <p:cBhvr>
+                                        <p:cTn id="16" dur="1000" fill="hold"/>
+                                        <p:tgtEl>
+                                          <p:spTgt spid="7"/>
+                                        </p:tgtEl>
+                                        <p:attrNameLst>
+                                          <p:attrName>ppt_x</p:attrName>
+                                          <p:attrName>ppt_y</p:attrName>
+                                        </p:attrNameLst>
+                                      </p:cBhvr>
+                                      <p:rCtr x="6536" y="-2662"/>
+                                    </p:animMotion>
+                                  </p:childTnLst>
+                                </p:cTn>
+                              </p:par>
+                              <p:par>
+                                <p:cTn id="17" presetID="8" presetClass="emph" presetSubtype="0" fill="hold" grpId="4" nodeType="withEffect">
+                                  <p:stCondLst>
+                                    <p:cond delay="0"/>
+                                  </p:stCondLst>
+                                  <p:childTnLst>
+                                    <p:animRot by="21600000">
+                                      <p:cBhvr>
+                                        <p:cTn id="18" dur="2000" fill="hold"/>
+                                        <p:tgtEl>
+                                          <p:spTgt spid="7"/>
+                                        </p:tgtEl>
+                                        <p:attrNameLst>
+                                          <p:attrName>r</p:attrName>
+                                        </p:attrNameLst>
+                                      </p:cBhvr>
+                                    </p:animRot>
+                                  </p:childTnLst>
+                                </p:cTn>
+                              </p:par>
+                            </p:childTnLst>
+                          </p:cTn>
+                        </p:par>
+                      </p:childTnLst>
+                    </p:cTn>
+                  </p:par>
+                  <p:par>
+                    <p:cTn id="19" fill="hold">
+                      <p:stCondLst>
+                        <p:cond delay="indefinite"/>
+                      </p:stCondLst>
+                      <p:childTnLst>
+                        <p:par>
+                          <p:cTn id="20" fill="hold">
+                            <p:stCondLst>
+                              <p:cond delay="0"/>
+                            </p:stCondLst>
+                            <p:childTnLst>
+                              <p:par>
+                                <p:cTn id="21" presetID="42" presetClass="path" presetSubtype="0" accel="50000" decel="50000" fill="hold" grpId="0" nodeType="clickEffect">
+                                  <p:stCondLst>
+                                    <p:cond delay="0"/>
+                                  </p:stCondLst>
+                                  <p:childTnLst>
+                                    <p:animMotion origin="layout" path="M -4.16667E-7 -2.96296E-6 L -0.18398 0.04653 " pathEditMode="relative" rAng="0" ptsTypes="AA">
+                                      <p:cBhvr>
+                                        <p:cTn id="22" dur="1000" fill="hold"/>
+                                        <p:tgtEl>
+                                          <p:spTgt spid="10"/>
+                                        </p:tgtEl>
+                                        <p:attrNameLst>
+                                          <p:attrName>ppt_x</p:attrName>
+                                          <p:attrName>ppt_y</p:attrName>
+                                        </p:attrNameLst>
+                                      </p:cBhvr>
+                                      <p:rCtr x="-9206" y="2315"/>
+                                    </p:animMotion>
+                                  </p:childTnLst>
+                                </p:cTn>
+                              </p:par>
+                              <p:par>
+                                <p:cTn id="23" presetID="8" presetClass="emph" presetSubtype="0" fill="hold" grpId="1" nodeType="withEffect">
+                                  <p:stCondLst>
+                                    <p:cond delay="0"/>
+                                  </p:stCondLst>
+                                  <p:childTnLst>
+                                    <p:animRot by="21600000">
+                                      <p:cBhvr>
+                                        <p:cTn id="24" dur="950" fill="hold"/>
+                                        <p:tgtEl>
+                                          <p:spTgt spid="10"/>
+                                        </p:tgtEl>
+                                        <p:attrNameLst>
+                                          <p:attrName>r</p:attrName>
+                                        </p:attrNameLst>
+                                      </p:cBhvr>
+                                    </p:animRot>
+                                  </p:childTnLst>
+                                </p:cTn>
+                              </p:par>
+                            </p:childTnLst>
+                          </p:cTn>
+                        </p:par>
+                      </p:childTnLst>
+                    </p:cTn>
+                  </p:par>
+                </p:childTnLst>
+              </p:cTn>
+              <p:prevCondLst>
+                <p:cond evt="onPrev" delay="0">
+                  <p:tgtEl>
+                    <p:sldTgt/>
+                  </p:tgtEl>
+                </p:cond>
+              </p:prevCondLst>
+              <p:nextCondLst>
+                <p:cond evt="onNext" delay="0">
+                  <p:tgtEl>
+                    <p:sldTgt/>
+                  </p:tgtEl>
+                </p:cond>
+              </p:nextCondLst>
+            </p:seq>
+          </p:childTnLst>
+        </p:cTn>
+      </p:par>
+    </p:tnLst>
+    <p:bldLst>
+      <p:bldP spid="7" grpId="0" animBg="1"/>
+      <p:bldP spid="7" grpId="1" animBg="1"/>
+      <p:bldP spid="7" grpId="2" animBg="1"/>
+      <p:bldP spid="7" grpId="3" animBg="1"/>
+      <p:bldP spid="7" grpId="4" animBg="1"/>
+      <p:bldP spid="7" grpId="5" animBg="1"/>
+      <p:bldP spid="10" grpId="0" animBg="1"/>
+      <p:bldP spid="10" grpId="1" animBg="1"/>
+    </p:bldLst>
+  </p:timing>
+</p:sld>
+</file>
+
+<file path=ppt/slides/slide2.xml><?xml version="1.0" encoding="utf-8"?>
+<p:sld xmlns:a="http://schemas.openxmlformats.org/drawingml/2006/main" xmlns:r="http://schemas.openxmlformats.org/officeDocument/2006/relationships" xmlns:p="http://schemas.openxmlformats.org/presentationml/2006/main">
+  <p:cSld>
+    <p:bg>
+      <p:bgPr>
+        <a:solidFill>
+          <a:schemeClr val="accent4"/>
+        </a:solidFill>
+        <a:effectLst/>
+      </p:bgPr>
+    </p:bg>
+    <p:spTree>
+      <p:nvGrpSpPr>
+        <p:cNvPr id="1" name=""/>
+        <p:cNvGrpSpPr/>
+        <p:nvPr/>
+      </p:nvGrpSpPr>
+      <p:grpSpPr>
+        <a:xfrm>
+          <a:off x="0" y="0"/>
+          <a:ext cx="0" cy="0"/>
+          <a:chOff x="0" y="0"/>
+          <a:chExt cx="0" cy="0"/>
+        </a:xfrm>
+      </p:grpSpPr>
+      <p:sp>
+        <p:nvSpPr>
+          <p:cNvPr id="6" name="テキスト ボックス 5">
+            <a:extLst>
+              <a:ext uri="{FF2B5EF4-FFF2-40B4-BE49-F238E27FC236}">
+                <a16:creationId xmlns:a16="http://schemas.microsoft.com/office/drawing/2014/main" id="{C66B683C-79B3-4E2C-A192-FF6C6661D5FC}"/>
+              </a:ext>
+            </a:extLst>
+          </p:cNvPr>
+          <p:cNvSpPr txBox="1"/>
+          <p:nvPr/>
+        </p:nvSpPr>
+        <p:spPr>
+          <a:xfrm>
             <a:off x="1145459" y="424780"/>
             <a:ext cx="8893276" cy="830997"/>
           </a:xfrm>
@@ -3312,7 +6050,7 @@
                   </a:schemeClr>
                 </a:solidFill>
               </a:rPr>
-              <a:t>今回のゲームショウのテーマは</a:t>
+              <a:t>今回のゲーム大賞のテーマは</a:t>
             </a:r>
             <a:endParaRPr kumimoji="1" lang="ja-JP" altLang="en-US" sz="4800" b="1" dirty="0">
               <a:solidFill>
@@ -3518,7 +6256,7 @@
           <p:nvPr/>
         </p:nvPicPr>
         <p:blipFill>
-          <a:blip r:embed="rId2">
+          <a:blip r:embed="rId3">
             <a:extLst>
               <a:ext uri="{28A0092B-C50C-407E-A947-70E740481C1C}">
                 <a14:useLocalDpi xmlns:a14="http://schemas.microsoft.com/office/drawing/2010/main" val="0"/>
@@ -3552,7 +6290,7 @@
 </p:sld>
 </file>
 
-<file path=ppt/slides/slide2.xml><?xml version="1.0" encoding="utf-8"?>
+<file path=ppt/slides/slide3.xml><?xml version="1.0" encoding="utf-8"?>
 <p:sld xmlns:a="http://schemas.openxmlformats.org/drawingml/2006/main" xmlns:r="http://schemas.openxmlformats.org/officeDocument/2006/relationships" xmlns:p="http://schemas.openxmlformats.org/presentationml/2006/main">
   <p:cSld>
     <p:bg>
@@ -3782,7 +6520,7 @@
           <p:nvPr/>
         </p:nvPicPr>
         <p:blipFill>
-          <a:blip r:embed="rId2">
+          <a:blip r:embed="rId3">
             <a:extLst>
               <a:ext uri="{28A0092B-C50C-407E-A947-70E740481C1C}">
                 <a14:useLocalDpi xmlns:a14="http://schemas.microsoft.com/office/drawing/2010/main" val="0"/>
@@ -3818,7 +6556,7 @@
           <p:nvPr/>
         </p:nvPicPr>
         <p:blipFill>
-          <a:blip r:embed="rId3">
+          <a:blip r:embed="rId4">
             <a:extLst>
               <a:ext uri="{28A0092B-C50C-407E-A947-70E740481C1C}">
                 <a14:useLocalDpi xmlns:a14="http://schemas.microsoft.com/office/drawing/2010/main" val="0"/>
@@ -3935,7 +6673,7 @@
 </p:sld>
 </file>
 
-<file path=ppt/slides/slide3.xml><?xml version="1.0" encoding="utf-8"?>
+<file path=ppt/slides/slide4.xml><?xml version="1.0" encoding="utf-8"?>
 <p:sld xmlns:a="http://schemas.openxmlformats.org/drawingml/2006/main" xmlns:r="http://schemas.openxmlformats.org/officeDocument/2006/relationships" xmlns:p="http://schemas.openxmlformats.org/presentationml/2006/main">
   <p:cSld>
     <p:bg>
@@ -4872,7 +7610,7 @@
           <p:nvPr/>
         </p:nvPicPr>
         <p:blipFill>
-          <a:blip r:embed="rId2">
+          <a:blip r:embed="rId3">
             <a:extLst>
               <a:ext uri="{28A0092B-C50C-407E-A947-70E740481C1C}">
                 <a14:useLocalDpi xmlns:a14="http://schemas.microsoft.com/office/drawing/2010/main" val="0"/>
@@ -5586,7 +8324,7 @@
 </p:sld>
 </file>
 
-<file path=ppt/slides/slide4.xml><?xml version="1.0" encoding="utf-8"?>
+<file path=ppt/slides/slide5.xml><?xml version="1.0" encoding="utf-8"?>
 <p:sld xmlns:a="http://schemas.openxmlformats.org/drawingml/2006/main" xmlns:r="http://schemas.openxmlformats.org/officeDocument/2006/relationships" xmlns:p="http://schemas.openxmlformats.org/presentationml/2006/main">
   <p:cSld>
     <p:bg>
@@ -6346,7 +9084,7 @@
           <p:nvPr/>
         </p:nvPicPr>
         <p:blipFill>
-          <a:blip r:embed="rId2">
+          <a:blip r:embed="rId3">
             <a:extLst>
               <a:ext uri="{28A0092B-C50C-407E-A947-70E740481C1C}">
                 <a14:useLocalDpi xmlns:a14="http://schemas.microsoft.com/office/drawing/2010/main" val="0"/>
@@ -6380,8 +9118,8 @@
 </p:sld>
 </file>
 
-<file path=ppt/slides/slide5.xml><?xml version="1.0" encoding="utf-8"?>
-<p:sld xmlns:a="http://schemas.openxmlformats.org/drawingml/2006/main" xmlns:r="http://schemas.openxmlformats.org/officeDocument/2006/relationships" xmlns:p="http://schemas.openxmlformats.org/presentationml/2006/main">
+<file path=ppt/slides/slide6.xml><?xml version="1.0" encoding="utf-8"?>
+<p:sld xmlns:a="http://schemas.openxmlformats.org/drawingml/2006/main" xmlns:r="http://schemas.openxmlformats.org/officeDocument/2006/relationships" xmlns:p="http://schemas.openxmlformats.org/presentationml/2006/main" show="0">
   <p:cSld>
     <p:bg>
       <p:bgPr>
@@ -7709,7 +10447,7 @@
 </p:sld>
 </file>
 
-<file path=ppt/slides/slide6.xml><?xml version="1.0" encoding="utf-8"?>
+<file path=ppt/slides/slide7.xml><?xml version="1.0" encoding="utf-8"?>
 <p:sld xmlns:a="http://schemas.openxmlformats.org/drawingml/2006/main" xmlns:r="http://schemas.openxmlformats.org/officeDocument/2006/relationships" xmlns:p="http://schemas.openxmlformats.org/presentationml/2006/main">
   <p:cSld>
     <p:bg>
@@ -8288,7 +11026,7 @@
             <a:avLst/>
           </a:prstGeom>
           <a:solidFill>
-            <a:srgbClr val="FF0000"/>
+            <a:srgbClr val="FFFF00"/>
           </a:solidFill>
           <a:ln>
             <a:solidFill>
@@ -8340,7 +11078,7 @@
         </p:nvSpPr>
         <p:spPr>
           <a:xfrm>
-            <a:off x="7870107" y="3799423"/>
+            <a:off x="8667176" y="3825197"/>
             <a:ext cx="401092" cy="402949"/>
           </a:xfrm>
           <a:prstGeom prst="ellipse">
@@ -9125,7 +11863,7 @@
             <p:nvPr/>
           </p:nvPicPr>
           <p:blipFill>
-            <a:blip r:embed="rId2">
+            <a:blip r:embed="rId3">
               <a:extLst>
                 <a:ext uri="{28A0092B-C50C-407E-A947-70E740481C1C}">
                   <a14:useLocalDpi xmlns:a14="http://schemas.microsoft.com/office/drawing/2010/main" val="0"/>
@@ -10551,7 +13289,7 @@
 </p:sld>
 </file>
 
-<file path=ppt/slides/slide7.xml><?xml version="1.0" encoding="utf-8"?>
+<file path=ppt/slides/slide8.xml><?xml version="1.0" encoding="utf-8"?>
 <p:sld xmlns:a="http://schemas.openxmlformats.org/drawingml/2006/main" xmlns:r="http://schemas.openxmlformats.org/officeDocument/2006/relationships" xmlns:p="http://schemas.openxmlformats.org/presentationml/2006/main">
   <p:cSld>
     <p:bg>
@@ -11301,8 +14039,8 @@
 </p:sld>
 </file>
 
-<file path=ppt/slides/slide8.xml><?xml version="1.0" encoding="utf-8"?>
-<p:sld xmlns:a="http://schemas.openxmlformats.org/drawingml/2006/main" xmlns:r="http://schemas.openxmlformats.org/officeDocument/2006/relationships" xmlns:p="http://schemas.openxmlformats.org/presentationml/2006/main" show="0">
+<file path=ppt/slides/slide9.xml><?xml version="1.0" encoding="utf-8"?>
+<p:sld xmlns:a="http://schemas.openxmlformats.org/drawingml/2006/main" xmlns:r="http://schemas.openxmlformats.org/officeDocument/2006/relationships" xmlns:p="http://schemas.openxmlformats.org/presentationml/2006/main">
   <p:cSld>
     <p:bg>
       <p:bgPr>
@@ -11328,10 +14066,10 @@
       </p:grpSpPr>
       <p:sp>
         <p:nvSpPr>
-          <p:cNvPr id="7" name="正方形/長方形 6">
+          <p:cNvPr id="2" name="正方形/長方形 1">
             <a:extLst>
               <a:ext uri="{FF2B5EF4-FFF2-40B4-BE49-F238E27FC236}">
-                <a16:creationId xmlns:a16="http://schemas.microsoft.com/office/drawing/2014/main" id="{68B26BD5-900C-4648-B4E9-4695AB1662EA}"/>
+                <a16:creationId xmlns:a16="http://schemas.microsoft.com/office/drawing/2014/main" id="{DEDE4D18-ED5C-4ECE-91FE-EE136883207F}"/>
               </a:ext>
             </a:extLst>
           </p:cNvPr>
@@ -11340,15 +14078,12 @@
         </p:nvSpPr>
         <p:spPr>
           <a:xfrm>
-            <a:off x="1702291" y="1392904"/>
-            <a:ext cx="639097" cy="727587"/>
+            <a:off x="393290" y="344130"/>
+            <a:ext cx="2595716" cy="1032387"/>
           </a:xfrm>
           <a:prstGeom prst="rect">
             <a:avLst/>
           </a:prstGeom>
-          <a:solidFill>
-            <a:srgbClr val="FF0000"/>
-          </a:solidFill>
         </p:spPr>
         <p:style>
           <a:lnRef idx="2">
@@ -11371,51 +14106,19 @@
           <a:lstStyle/>
           <a:p>
             <a:pPr algn="ctr"/>
-            <a:endParaRPr kumimoji="1" lang="ja-JP" altLang="en-US"/>
-          </a:p>
-        </p:txBody>
-      </p:sp>
-      <p:sp>
-        <p:nvSpPr>
-          <p:cNvPr id="2" name="テキスト ボックス 1">
+            <a:r>
+              <a:rPr kumimoji="1" lang="ja-JP" altLang="en-US" dirty="0"/>
+              <a:t>反省点</a:t>
+            </a:r>
+          </a:p>
+        </p:txBody>
+      </p:sp>
+      <p:sp>
+        <p:nvSpPr>
+          <p:cNvPr id="4" name="四角形: 角を丸くする 3">
             <a:extLst>
               <a:ext uri="{FF2B5EF4-FFF2-40B4-BE49-F238E27FC236}">
-                <a16:creationId xmlns:a16="http://schemas.microsoft.com/office/drawing/2014/main" id="{F9C449EC-5322-459E-B7E8-51158F758E80}"/>
-              </a:ext>
-            </a:extLst>
-          </p:cNvPr>
-          <p:cNvSpPr txBox="1"/>
-          <p:nvPr/>
-        </p:nvSpPr>
-        <p:spPr>
-          <a:xfrm>
-            <a:off x="2021840" y="182880"/>
-            <a:ext cx="3840480" cy="369332"/>
-          </a:xfrm>
-          <a:prstGeom prst="rect">
-            <a:avLst/>
-          </a:prstGeom>
-          <a:noFill/>
-        </p:spPr>
-        <p:txBody>
-          <a:bodyPr wrap="square" rtlCol="0">
-            <a:spAutoFit/>
-          </a:bodyPr>
-          <a:lstStyle/>
-          <a:p>
-            <a:r>
-              <a:rPr kumimoji="1" lang="ja-JP" altLang="en-US" dirty="0"/>
-              <a:t>こんな演出があってもいいかも？</a:t>
-            </a:r>
-          </a:p>
-        </p:txBody>
-      </p:sp>
-      <p:sp>
-        <p:nvSpPr>
-          <p:cNvPr id="3" name="四角形: 角を丸くする 2">
-            <a:extLst>
-              <a:ext uri="{FF2B5EF4-FFF2-40B4-BE49-F238E27FC236}">
-                <a16:creationId xmlns:a16="http://schemas.microsoft.com/office/drawing/2014/main" id="{955C9E10-C873-4760-9350-108A2051613F}"/>
+                <a16:creationId xmlns:a16="http://schemas.microsoft.com/office/drawing/2014/main" id="{6E15F3DD-01C8-4FDB-BC79-F36E11AD0A0C}"/>
               </a:ext>
             </a:extLst>
           </p:cNvPr>
@@ -11424,8 +14127,8 @@
         </p:nvSpPr>
         <p:spPr>
           <a:xfrm>
-            <a:off x="1022553" y="717755"/>
-            <a:ext cx="5781369" cy="530942"/>
+            <a:off x="2143432" y="1710813"/>
+            <a:ext cx="6951407" cy="3746090"/>
           </a:xfrm>
           <a:prstGeom prst="roundRect">
             <a:avLst/>
@@ -11456,21 +14159,95 @@
           </a:fontRef>
         </p:style>
         <p:txBody>
-          <a:bodyPr rot="0" spcFirstLastPara="0" vertOverflow="overflow" horzOverflow="overflow" vert="horz" wrap="square" lIns="91440" tIns="45720" rIns="91440" bIns="45720" numCol="1" spcCol="0" rtlCol="0" fromWordArt="0" anchor="ctr" anchorCtr="0" forceAA="0" compatLnSpc="1">
-            <a:prstTxWarp prst="textNoShape">
-              <a:avLst/>
-            </a:prstTxWarp>
-            <a:noAutofit/>
+          <a:bodyPr rtlCol="0" anchor="ctr"/>
+          <a:lstStyle/>
+          <a:p>
+            <a:pPr algn="ctr"/>
+            <a:endParaRPr kumimoji="1" lang="ja-JP" altLang="en-US" dirty="0">
+              <a:solidFill>
+                <a:schemeClr val="bg1"/>
+              </a:solidFill>
+            </a:endParaRPr>
+          </a:p>
+        </p:txBody>
+      </p:sp>
+      <p:sp>
+        <p:nvSpPr>
+          <p:cNvPr id="6" name="テキスト ボックス 5">
+            <a:extLst>
+              <a:ext uri="{FF2B5EF4-FFF2-40B4-BE49-F238E27FC236}">
+                <a16:creationId xmlns:a16="http://schemas.microsoft.com/office/drawing/2014/main" id="{FA170FD6-F61B-4C7B-BE3E-EEADBEACD785}"/>
+              </a:ext>
+            </a:extLst>
+          </p:cNvPr>
+          <p:cNvSpPr txBox="1"/>
+          <p:nvPr/>
+        </p:nvSpPr>
+        <p:spPr>
+          <a:xfrm>
+            <a:off x="2467897" y="1946787"/>
+            <a:ext cx="6282813" cy="3139321"/>
+          </a:xfrm>
+          <a:prstGeom prst="rect">
+            <a:avLst/>
+          </a:prstGeom>
+          <a:noFill/>
+        </p:spPr>
+        <p:txBody>
+          <a:bodyPr wrap="square" rtlCol="0">
+            <a:spAutoFit/>
           </a:bodyPr>
           <a:lstStyle/>
           <a:p>
+            <a:pPr marL="285750" indent="-285750">
+              <a:buFont typeface="Arial" panose="020B0604020202020204" pitchFamily="34" charset="0"/>
+              <a:buChar char="•"/>
+            </a:pPr>
             <a:r>
               <a:rPr kumimoji="1" lang="ja-JP" altLang="en-US" dirty="0">
                 <a:solidFill>
                   <a:schemeClr val="bg1"/>
                 </a:solidFill>
               </a:rPr>
-              <a:t>回避や塗るときにいいかも（決めると</a:t>
+              <a:t>移動しながらのアクションができない。</a:t>
+            </a:r>
+            <a:endParaRPr kumimoji="1" lang="en-US" altLang="ja-JP" dirty="0">
+              <a:solidFill>
+                <a:schemeClr val="bg1"/>
+              </a:solidFill>
+            </a:endParaRPr>
+          </a:p>
+          <a:p>
+            <a:pPr marL="285750" indent="-285750">
+              <a:buFont typeface="Arial" panose="020B0604020202020204" pitchFamily="34" charset="0"/>
+              <a:buChar char="•"/>
+            </a:pPr>
+            <a:r>
+              <a:rPr kumimoji="1" lang="ja-JP" altLang="en-US" dirty="0">
+                <a:solidFill>
+                  <a:schemeClr val="bg1"/>
+                </a:solidFill>
+              </a:rPr>
+              <a:t>画像がほとんど仮のまま</a:t>
+            </a:r>
+            <a:endParaRPr kumimoji="1" lang="en-US" altLang="ja-JP" dirty="0">
+              <a:solidFill>
+                <a:schemeClr val="bg1"/>
+              </a:solidFill>
+            </a:endParaRPr>
+          </a:p>
+          <a:p>
+            <a:pPr marL="285750" indent="-285750">
+              <a:buFont typeface="Arial" panose="020B0604020202020204" pitchFamily="34" charset="0"/>
+              <a:buChar char="•"/>
+            </a:pPr>
+            <a:r>
+              <a:rPr kumimoji="1" lang="ja-JP" altLang="en-US" dirty="0">
+                <a:solidFill>
+                  <a:schemeClr val="bg1"/>
+                </a:solidFill>
+              </a:rPr>
+              <a:t>エフェクトや</a:t>
             </a:r>
             <a:r>
               <a:rPr kumimoji="1" lang="en-US" altLang="ja-JP" dirty="0">
@@ -11478,7 +14255,23 @@
                   <a:schemeClr val="bg1"/>
                 </a:solidFill>
               </a:rPr>
-              <a:t>HP</a:t>
+              <a:t>BGM</a:t>
+            </a:r>
+            <a:r>
+              <a:rPr kumimoji="1" lang="ja-JP" altLang="en-US" dirty="0" err="1">
+                <a:solidFill>
+                  <a:schemeClr val="bg1"/>
+                </a:solidFill>
+              </a:rPr>
+              <a:t>、</a:t>
+            </a:r>
+            <a:r>
+              <a:rPr kumimoji="1" lang="en-US" altLang="ja-JP" dirty="0">
+                <a:solidFill>
+                  <a:schemeClr val="bg1"/>
+                </a:solidFill>
+              </a:rPr>
+              <a:t>SE</a:t>
             </a:r>
             <a:r>
               <a:rPr kumimoji="1" lang="ja-JP" altLang="en-US" dirty="0">
@@ -11486,473 +14279,178 @@
                   <a:schemeClr val="bg1"/>
                 </a:solidFill>
               </a:rPr>
-              <a:t>回復とか？）</a:t>
-            </a:r>
-          </a:p>
-        </p:txBody>
-      </p:sp>
-      <p:sp>
-        <p:nvSpPr>
-          <p:cNvPr id="8" name="正方形/長方形 7">
-            <a:extLst>
-              <a:ext uri="{FF2B5EF4-FFF2-40B4-BE49-F238E27FC236}">
-                <a16:creationId xmlns:a16="http://schemas.microsoft.com/office/drawing/2014/main" id="{5FE9418E-C028-487D-B7EC-0C4CD280A7BA}"/>
-              </a:ext>
-            </a:extLst>
-          </p:cNvPr>
-          <p:cNvSpPr/>
-          <p:nvPr/>
-        </p:nvSpPr>
-        <p:spPr>
-          <a:xfrm>
-            <a:off x="571581" y="4260294"/>
-            <a:ext cx="1769807" cy="1543664"/>
-          </a:xfrm>
-          <a:prstGeom prst="rect">
-            <a:avLst/>
-          </a:prstGeom>
-          <a:solidFill>
-            <a:schemeClr val="accent1"/>
-          </a:solidFill>
-          <a:ln>
-            <a:solidFill>
-              <a:schemeClr val="bg1"/>
-            </a:solidFill>
-          </a:ln>
-        </p:spPr>
-        <p:style>
-          <a:lnRef idx="2">
-            <a:schemeClr val="accent1">
-              <a:shade val="50000"/>
-            </a:schemeClr>
-          </a:lnRef>
-          <a:fillRef idx="1">
-            <a:schemeClr val="accent1"/>
-          </a:fillRef>
-          <a:effectRef idx="0">
-            <a:schemeClr val="accent1"/>
-          </a:effectRef>
-          <a:fontRef idx="minor">
-            <a:schemeClr val="lt1"/>
-          </a:fontRef>
-        </p:style>
-        <p:txBody>
-          <a:bodyPr rot="0" spcFirstLastPara="0" vertOverflow="overflow" horzOverflow="overflow" vert="horz" wrap="square" lIns="91440" tIns="45720" rIns="91440" bIns="45720" numCol="1" spcCol="0" rtlCol="0" fromWordArt="0" anchor="ctr" anchorCtr="0" forceAA="0" compatLnSpc="1">
-            <a:prstTxWarp prst="textNoShape">
-              <a:avLst/>
-            </a:prstTxWarp>
-            <a:noAutofit/>
-          </a:bodyPr>
-          <a:lstStyle/>
-          <a:p>
-            <a:pPr algn="ctr"/>
-            <a:endParaRPr kumimoji="1" lang="ja-JP" altLang="en-US"/>
-          </a:p>
-        </p:txBody>
-      </p:sp>
-      <p:sp>
-        <p:nvSpPr>
-          <p:cNvPr id="10" name="正方形/長方形 9">
-            <a:extLst>
-              <a:ext uri="{FF2B5EF4-FFF2-40B4-BE49-F238E27FC236}">
-                <a16:creationId xmlns:a16="http://schemas.microsoft.com/office/drawing/2014/main" id="{6E1EA4C1-2D7E-4B99-B883-6A2CB04D20D4}"/>
-              </a:ext>
-            </a:extLst>
-          </p:cNvPr>
-          <p:cNvSpPr/>
-          <p:nvPr/>
-        </p:nvSpPr>
-        <p:spPr>
-          <a:xfrm rot="861056">
-            <a:off x="3039091" y="4119186"/>
-            <a:ext cx="1397425" cy="1110941"/>
-          </a:xfrm>
-          <a:prstGeom prst="rect">
-            <a:avLst/>
-          </a:prstGeom>
-          <a:solidFill>
-            <a:schemeClr val="tx1"/>
-          </a:solidFill>
-          <a:ln>
-            <a:solidFill>
-              <a:schemeClr val="bg1"/>
-            </a:solidFill>
-          </a:ln>
-        </p:spPr>
-        <p:style>
-          <a:lnRef idx="2">
-            <a:schemeClr val="accent1">
-              <a:shade val="50000"/>
-            </a:schemeClr>
-          </a:lnRef>
-          <a:fillRef idx="1">
-            <a:schemeClr val="accent1"/>
-          </a:fillRef>
-          <a:effectRef idx="0">
-            <a:schemeClr val="accent1"/>
-          </a:effectRef>
-          <a:fontRef idx="minor">
-            <a:schemeClr val="lt1"/>
-          </a:fontRef>
-        </p:style>
-        <p:txBody>
-          <a:bodyPr rot="0" spcFirstLastPara="0" vertOverflow="overflow" horzOverflow="overflow" vert="horz" wrap="square" lIns="91440" tIns="45720" rIns="91440" bIns="45720" numCol="1" spcCol="0" rtlCol="0" fromWordArt="0" anchor="ctr" anchorCtr="0" forceAA="0" compatLnSpc="1">
-            <a:prstTxWarp prst="textNoShape">
-              <a:avLst/>
-            </a:prstTxWarp>
-            <a:noAutofit/>
-          </a:bodyPr>
-          <a:lstStyle/>
-          <a:p>
-            <a:pPr algn="ctr"/>
-            <a:r>
-              <a:rPr kumimoji="1" lang="ja-JP" altLang="en-US" sz="1400" dirty="0">
-                <a:solidFill>
-                  <a:schemeClr val="bg1"/>
-                </a:solidFill>
-              </a:rPr>
-              <a:t>ミッションが書いてある</a:t>
-            </a:r>
-          </a:p>
-        </p:txBody>
-      </p:sp>
-      <p:sp>
-        <p:nvSpPr>
-          <p:cNvPr id="14" name="四角形: 角を丸くする 13">
-            <a:extLst>
-              <a:ext uri="{FF2B5EF4-FFF2-40B4-BE49-F238E27FC236}">
-                <a16:creationId xmlns:a16="http://schemas.microsoft.com/office/drawing/2014/main" id="{9AD8C4AD-1195-4C6F-909A-D4198767036F}"/>
-              </a:ext>
-            </a:extLst>
-          </p:cNvPr>
-          <p:cNvSpPr/>
-          <p:nvPr/>
-        </p:nvSpPr>
-        <p:spPr>
-          <a:xfrm>
-            <a:off x="314631" y="2735908"/>
-            <a:ext cx="2989007" cy="530942"/>
-          </a:xfrm>
-          <a:prstGeom prst="roundRect">
-            <a:avLst/>
-          </a:prstGeom>
-          <a:solidFill>
-            <a:schemeClr val="tx1"/>
-          </a:solidFill>
-          <a:ln>
-            <a:solidFill>
-              <a:schemeClr val="bg1"/>
-            </a:solidFill>
-          </a:ln>
-        </p:spPr>
-        <p:style>
-          <a:lnRef idx="2">
-            <a:schemeClr val="accent1">
-              <a:shade val="50000"/>
-            </a:schemeClr>
-          </a:lnRef>
-          <a:fillRef idx="1">
-            <a:schemeClr val="accent1"/>
-          </a:fillRef>
-          <a:effectRef idx="0">
-            <a:schemeClr val="accent1"/>
-          </a:effectRef>
-          <a:fontRef idx="minor">
-            <a:schemeClr val="lt1"/>
-          </a:fontRef>
-        </p:style>
-        <p:txBody>
-          <a:bodyPr rot="0" spcFirstLastPara="0" vertOverflow="overflow" horzOverflow="overflow" vert="horz" wrap="square" lIns="91440" tIns="45720" rIns="91440" bIns="45720" numCol="1" spcCol="0" rtlCol="0" fromWordArt="0" anchor="ctr" anchorCtr="0" forceAA="0" compatLnSpc="1">
-            <a:prstTxWarp prst="textNoShape">
-              <a:avLst/>
-            </a:prstTxWarp>
-            <a:noAutofit/>
-          </a:bodyPr>
-          <a:lstStyle/>
-          <a:p>
+              <a:t>を完全につけていない。</a:t>
+            </a:r>
+            <a:endParaRPr kumimoji="1" lang="en-US" altLang="ja-JP" dirty="0">
+              <a:solidFill>
+                <a:schemeClr val="bg1"/>
+              </a:solidFill>
+            </a:endParaRPr>
+          </a:p>
+          <a:p>
+            <a:pPr marL="285750" indent="-285750">
+              <a:buFont typeface="Arial" panose="020B0604020202020204" pitchFamily="34" charset="0"/>
+              <a:buChar char="•"/>
+            </a:pPr>
             <a:r>
               <a:rPr kumimoji="1" lang="ja-JP" altLang="en-US" dirty="0">
                 <a:solidFill>
                   <a:schemeClr val="bg1"/>
                 </a:solidFill>
               </a:rPr>
-              <a:t>ミッション表示の時の演出</a:t>
-            </a:r>
+              <a:t>敵の配置ができていない。</a:t>
+            </a:r>
+            <a:endParaRPr kumimoji="1" lang="en-US" altLang="ja-JP" dirty="0">
+              <a:solidFill>
+                <a:schemeClr val="bg1"/>
+              </a:solidFill>
+            </a:endParaRPr>
+          </a:p>
+          <a:p>
+            <a:pPr marL="285750" indent="-285750">
+              <a:buFont typeface="Arial" panose="020B0604020202020204" pitchFamily="34" charset="0"/>
+              <a:buChar char="•"/>
+            </a:pPr>
+            <a:r>
+              <a:rPr kumimoji="1" lang="ja-JP" altLang="en-US" dirty="0">
+                <a:solidFill>
+                  <a:schemeClr val="bg1"/>
+                </a:solidFill>
+              </a:rPr>
+              <a:t>ステージが一つだけ</a:t>
+            </a:r>
+            <a:endParaRPr kumimoji="1" lang="en-US" altLang="ja-JP" dirty="0">
+              <a:solidFill>
+                <a:schemeClr val="bg1"/>
+              </a:solidFill>
+            </a:endParaRPr>
+          </a:p>
+          <a:p>
+            <a:pPr marL="285750" indent="-285750">
+              <a:buFont typeface="Arial" panose="020B0604020202020204" pitchFamily="34" charset="0"/>
+              <a:buChar char="•"/>
+            </a:pPr>
+            <a:r>
+              <a:rPr kumimoji="1" lang="ja-JP" altLang="en-US" dirty="0">
+                <a:solidFill>
+                  <a:schemeClr val="bg1"/>
+                </a:solidFill>
+              </a:rPr>
+              <a:t>クリア演出がまだ</a:t>
+            </a:r>
+            <a:endParaRPr kumimoji="1" lang="en-US" altLang="ja-JP" dirty="0">
+              <a:solidFill>
+                <a:schemeClr val="bg1"/>
+              </a:solidFill>
+            </a:endParaRPr>
+          </a:p>
+          <a:p>
+            <a:pPr marL="285750" indent="-285750">
+              <a:buFont typeface="Arial" panose="020B0604020202020204" pitchFamily="34" charset="0"/>
+              <a:buChar char="•"/>
+            </a:pPr>
+            <a:r>
+              <a:rPr kumimoji="1" lang="ja-JP" altLang="en-US" dirty="0">
+                <a:solidFill>
+                  <a:schemeClr val="bg1"/>
+                </a:solidFill>
+              </a:rPr>
+              <a:t>ボス敵の作成ができていない</a:t>
+            </a:r>
+            <a:endParaRPr kumimoji="1" lang="en-US" altLang="ja-JP" dirty="0">
+              <a:solidFill>
+                <a:schemeClr val="bg1"/>
+              </a:solidFill>
+            </a:endParaRPr>
+          </a:p>
+          <a:p>
+            <a:pPr marL="285750" indent="-285750">
+              <a:buFont typeface="Arial" panose="020B0604020202020204" pitchFamily="34" charset="0"/>
+              <a:buChar char="•"/>
+            </a:pPr>
+            <a:r>
+              <a:rPr kumimoji="1" lang="ja-JP" altLang="en-US" dirty="0">
+                <a:solidFill>
+                  <a:schemeClr val="bg1"/>
+                </a:solidFill>
+              </a:rPr>
+              <a:t>ステージのギミックが導入できていない。</a:t>
+            </a:r>
+            <a:endParaRPr kumimoji="1" lang="en-US" altLang="ja-JP" dirty="0">
+              <a:solidFill>
+                <a:schemeClr val="bg1"/>
+              </a:solidFill>
+            </a:endParaRPr>
+          </a:p>
+          <a:p>
+            <a:pPr marL="285750" indent="-285750">
+              <a:buFont typeface="Arial" panose="020B0604020202020204" pitchFamily="34" charset="0"/>
+              <a:buChar char="•"/>
+            </a:pPr>
+            <a:r>
+              <a:rPr kumimoji="1" lang="ja-JP" altLang="en-US" dirty="0">
+                <a:solidFill>
+                  <a:schemeClr val="bg1"/>
+                </a:solidFill>
+              </a:rPr>
+              <a:t>ソースツリーで共有に手間取った</a:t>
+            </a:r>
+            <a:endParaRPr kumimoji="1" lang="en-US" altLang="ja-JP" dirty="0">
+              <a:solidFill>
+                <a:schemeClr val="bg1"/>
+              </a:solidFill>
+            </a:endParaRPr>
+          </a:p>
+          <a:p>
+            <a:pPr marL="285750" indent="-285750">
+              <a:buFont typeface="Arial" panose="020B0604020202020204" pitchFamily="34" charset="0"/>
+              <a:buChar char="•"/>
+            </a:pPr>
+            <a:r>
+              <a:rPr kumimoji="1" lang="ja-JP" altLang="en-US" dirty="0">
+                <a:solidFill>
+                  <a:schemeClr val="bg1"/>
+                </a:solidFill>
+              </a:rPr>
+              <a:t>クリアシーンを作っていない。</a:t>
+            </a:r>
+            <a:endParaRPr kumimoji="1" lang="en-US" altLang="ja-JP" dirty="0">
+              <a:solidFill>
+                <a:schemeClr val="bg1"/>
+              </a:solidFill>
+            </a:endParaRPr>
+          </a:p>
+          <a:p>
+            <a:pPr marL="285750" indent="-285750">
+              <a:buFont typeface="Arial" panose="020B0604020202020204" pitchFamily="34" charset="0"/>
+              <a:buChar char="•"/>
+            </a:pPr>
+            <a:r>
+              <a:rPr kumimoji="1" lang="ja-JP" altLang="en-US" dirty="0">
+                <a:solidFill>
+                  <a:schemeClr val="bg1"/>
+                </a:solidFill>
+              </a:rPr>
+              <a:t>タイトルも仮のまま</a:t>
+            </a:r>
+            <a:endParaRPr kumimoji="1" lang="en-US" altLang="ja-JP" dirty="0">
+              <a:solidFill>
+                <a:schemeClr val="bg1"/>
+              </a:solidFill>
+            </a:endParaRPr>
           </a:p>
         </p:txBody>
       </p:sp>
     </p:spTree>
     <p:extLst>
       <p:ext uri="{BB962C8B-B14F-4D97-AF65-F5344CB8AC3E}">
-        <p14:creationId xmlns:p14="http://schemas.microsoft.com/office/powerpoint/2010/main" val="3254657228"/>
+        <p14:creationId xmlns:p14="http://schemas.microsoft.com/office/powerpoint/2010/main" val="494307430"/>
       </p:ext>
     </p:extLst>
   </p:cSld>
   <p:clrMapOvr>
     <a:masterClrMapping/>
   </p:clrMapOvr>
-  <p:timing>
-    <p:tnLst>
-      <p:par>
-        <p:cTn id="1" dur="indefinite" restart="never" nodeType="tmRoot">
-          <p:childTnLst>
-            <p:seq concurrent="1" nextAc="seek">
-              <p:cTn id="2" dur="indefinite" nodeType="mainSeq">
-                <p:childTnLst>
-                  <p:par>
-                    <p:cTn id="3" fill="hold">
-                      <p:stCondLst>
-                        <p:cond delay="indefinite"/>
-                      </p:stCondLst>
-                      <p:childTnLst>
-                        <p:par>
-                          <p:cTn id="4" fill="hold">
-                            <p:stCondLst>
-                              <p:cond delay="0"/>
-                            </p:stCondLst>
-                            <p:childTnLst>
-                              <p:par>
-                                <p:cTn id="5" presetID="37" presetClass="path" presetSubtype="0" accel="50000" decel="50000" fill="hold" grpId="0" nodeType="clickEffect">
-                                  <p:stCondLst>
-                                    <p:cond delay="0"/>
-                                  </p:stCondLst>
-                                  <p:childTnLst>
-                                    <p:animMotion origin="layout" path="M 4.79167E-6 1.48148E-6 L 0.03763 -0.03958 C 0.04557 -0.04838 0.05729 -0.05301 0.06966 -0.05301 C 0.08385 -0.05301 0.09518 -0.04838 0.10299 -0.03958 L 0.14088 1.48148E-6 " pathEditMode="relative" rAng="0" ptsTypes="AAAAA">
-                                      <p:cBhvr>
-                                        <p:cTn id="6" dur="1000" fill="hold"/>
-                                        <p:tgtEl>
-                                          <p:spTgt spid="7"/>
-                                        </p:tgtEl>
-                                        <p:attrNameLst>
-                                          <p:attrName>ppt_x</p:attrName>
-                                          <p:attrName>ppt_y</p:attrName>
-                                        </p:attrNameLst>
-                                      </p:cBhvr>
-                                      <p:rCtr x="7044" y="-2662"/>
-                                    </p:animMotion>
-                                  </p:childTnLst>
-                                </p:cTn>
-                              </p:par>
-                              <p:par>
-                                <p:cTn id="7" presetID="8" presetClass="emph" presetSubtype="0" fill="hold" grpId="3" nodeType="withEffect">
-                                  <p:stCondLst>
-                                    <p:cond delay="0"/>
-                                  </p:stCondLst>
-                                  <p:childTnLst>
-                                    <p:animRot by="21600000">
-                                      <p:cBhvr>
-                                        <p:cTn id="8" dur="2000" fill="hold"/>
-                                        <p:tgtEl>
-                                          <p:spTgt spid="7"/>
-                                        </p:tgtEl>
-                                        <p:attrNameLst>
-                                          <p:attrName>r</p:attrName>
-                                        </p:attrNameLst>
-                                      </p:cBhvr>
-                                    </p:animRot>
-                                  </p:childTnLst>
-                                </p:cTn>
-                              </p:par>
-                            </p:childTnLst>
-                          </p:cTn>
-                        </p:par>
-                        <p:par>
-                          <p:cTn id="9" fill="hold">
-                            <p:stCondLst>
-                              <p:cond delay="2000"/>
-                            </p:stCondLst>
-                            <p:childTnLst>
-                              <p:par>
-                                <p:cTn id="10" presetID="37" presetClass="path" presetSubtype="0" accel="50000" decel="50000" fill="hold" grpId="1" nodeType="afterEffect">
-                                  <p:stCondLst>
-                                    <p:cond delay="0"/>
-                                  </p:stCondLst>
-                                  <p:childTnLst>
-                                    <p:animMotion origin="layout" path="M 0.14088 1.48148E-6 L 0.17838 -0.03958 C 0.18619 -0.04838 0.19804 -0.05301 0.21028 -0.05301 C 0.22421 -0.05301 0.23554 -0.04838 0.24335 -0.03958 L 0.28112 1.48148E-6 " pathEditMode="relative" rAng="0" ptsTypes="AAAAA">
-                                      <p:cBhvr>
-                                        <p:cTn id="11" dur="1000" fill="hold"/>
-                                        <p:tgtEl>
-                                          <p:spTgt spid="7"/>
-                                        </p:tgtEl>
-                                        <p:attrNameLst>
-                                          <p:attrName>ppt_x</p:attrName>
-                                          <p:attrName>ppt_y</p:attrName>
-                                        </p:attrNameLst>
-                                      </p:cBhvr>
-                                      <p:rCtr x="7005" y="-2662"/>
-                                    </p:animMotion>
-                                  </p:childTnLst>
-                                </p:cTn>
-                              </p:par>
-                              <p:par>
-                                <p:cTn id="12" presetID="8" presetClass="emph" presetSubtype="0" fill="hold" grpId="5" nodeType="withEffect">
-                                  <p:stCondLst>
-                                    <p:cond delay="0"/>
-                                  </p:stCondLst>
-                                  <p:childTnLst>
-                                    <p:animRot by="21600000">
-                                      <p:cBhvr>
-                                        <p:cTn id="13" dur="2000" fill="hold"/>
-                                        <p:tgtEl>
-                                          <p:spTgt spid="7"/>
-                                        </p:tgtEl>
-                                        <p:attrNameLst>
-                                          <p:attrName>r</p:attrName>
-                                        </p:attrNameLst>
-                                      </p:cBhvr>
-                                    </p:animRot>
-                                  </p:childTnLst>
-                                </p:cTn>
-                              </p:par>
-                            </p:childTnLst>
-                          </p:cTn>
-                        </p:par>
-                        <p:par>
-                          <p:cTn id="14" fill="hold">
-                            <p:stCondLst>
-                              <p:cond delay="4000"/>
-                            </p:stCondLst>
-                            <p:childTnLst>
-                              <p:par>
-                                <p:cTn id="15" presetID="37" presetClass="path" presetSubtype="0" accel="50000" decel="50000" fill="hold" grpId="2" nodeType="afterEffect">
-                                  <p:stCondLst>
-                                    <p:cond delay="0"/>
-                                  </p:stCondLst>
-                                  <p:childTnLst>
-                                    <p:animMotion origin="layout" path="M 0.28112 1.48148E-6 L 0.31614 -0.03958 C 0.32343 -0.04838 0.33437 -0.05301 0.34583 -0.05301 C 0.35898 -0.05301 0.3694 -0.04838 0.37669 -0.03958 L 0.41184 1.48148E-6 " pathEditMode="relative" rAng="0" ptsTypes="AAAAA">
-                                      <p:cBhvr>
-                                        <p:cTn id="16" dur="1000" fill="hold"/>
-                                        <p:tgtEl>
-                                          <p:spTgt spid="7"/>
-                                        </p:tgtEl>
-                                        <p:attrNameLst>
-                                          <p:attrName>ppt_x</p:attrName>
-                                          <p:attrName>ppt_y</p:attrName>
-                                        </p:attrNameLst>
-                                      </p:cBhvr>
-                                      <p:rCtr x="6536" y="-2662"/>
-                                    </p:animMotion>
-                                  </p:childTnLst>
-                                </p:cTn>
-                              </p:par>
-                              <p:par>
-                                <p:cTn id="17" presetID="8" presetClass="emph" presetSubtype="0" fill="hold" grpId="4" nodeType="withEffect">
-                                  <p:stCondLst>
-                                    <p:cond delay="0"/>
-                                  </p:stCondLst>
-                                  <p:childTnLst>
-                                    <p:animRot by="21600000">
-                                      <p:cBhvr>
-                                        <p:cTn id="18" dur="2000" fill="hold"/>
-                                        <p:tgtEl>
-                                          <p:spTgt spid="7"/>
-                                        </p:tgtEl>
-                                        <p:attrNameLst>
-                                          <p:attrName>r</p:attrName>
-                                        </p:attrNameLst>
-                                      </p:cBhvr>
-                                    </p:animRot>
-                                  </p:childTnLst>
-                                </p:cTn>
-                              </p:par>
-                            </p:childTnLst>
-                          </p:cTn>
-                        </p:par>
-                      </p:childTnLst>
-                    </p:cTn>
-                  </p:par>
-                  <p:par>
-                    <p:cTn id="19" fill="hold">
-                      <p:stCondLst>
-                        <p:cond delay="indefinite"/>
-                      </p:stCondLst>
-                      <p:childTnLst>
-                        <p:par>
-                          <p:cTn id="20" fill="hold">
-                            <p:stCondLst>
-                              <p:cond delay="0"/>
-                            </p:stCondLst>
-                            <p:childTnLst>
-                              <p:par>
-                                <p:cTn id="21" presetID="42" presetClass="path" presetSubtype="0" accel="50000" decel="50000" fill="hold" grpId="0" nodeType="clickEffect">
-                                  <p:stCondLst>
-                                    <p:cond delay="0"/>
-                                  </p:stCondLst>
-                                  <p:childTnLst>
-                                    <p:animMotion origin="layout" path="M -4.16667E-7 -2.96296E-6 L -0.18398 0.04653 " pathEditMode="relative" rAng="0" ptsTypes="AA">
-                                      <p:cBhvr>
-                                        <p:cTn id="22" dur="1000" fill="hold"/>
-                                        <p:tgtEl>
-                                          <p:spTgt spid="10"/>
-                                        </p:tgtEl>
-                                        <p:attrNameLst>
-                                          <p:attrName>ppt_x</p:attrName>
-                                          <p:attrName>ppt_y</p:attrName>
-                                        </p:attrNameLst>
-                                      </p:cBhvr>
-                                      <p:rCtr x="-9206" y="2315"/>
-                                    </p:animMotion>
-                                  </p:childTnLst>
-                                </p:cTn>
-                              </p:par>
-                              <p:par>
-                                <p:cTn id="23" presetID="8" presetClass="emph" presetSubtype="0" fill="hold" grpId="1" nodeType="withEffect">
-                                  <p:stCondLst>
-                                    <p:cond delay="0"/>
-                                  </p:stCondLst>
-                                  <p:childTnLst>
-                                    <p:animRot by="21600000">
-                                      <p:cBhvr>
-                                        <p:cTn id="24" dur="950" fill="hold"/>
-                                        <p:tgtEl>
-                                          <p:spTgt spid="10"/>
-                                        </p:tgtEl>
-                                        <p:attrNameLst>
-                                          <p:attrName>r</p:attrName>
-                                        </p:attrNameLst>
-                                      </p:cBhvr>
-                                    </p:animRot>
-                                  </p:childTnLst>
-                                </p:cTn>
-                              </p:par>
-                            </p:childTnLst>
-                          </p:cTn>
-                        </p:par>
-                      </p:childTnLst>
-                    </p:cTn>
-                  </p:par>
-                </p:childTnLst>
-              </p:cTn>
-              <p:prevCondLst>
-                <p:cond evt="onPrev" delay="0">
-                  <p:tgtEl>
-                    <p:sldTgt/>
-                  </p:tgtEl>
-                </p:cond>
-              </p:prevCondLst>
-              <p:nextCondLst>
-                <p:cond evt="onNext" delay="0">
-                  <p:tgtEl>
-                    <p:sldTgt/>
-                  </p:tgtEl>
-                </p:cond>
-              </p:nextCondLst>
-            </p:seq>
-          </p:childTnLst>
-        </p:cTn>
-      </p:par>
-    </p:tnLst>
-    <p:bldLst>
-      <p:bldP spid="7" grpId="0" animBg="1"/>
-      <p:bldP spid="7" grpId="1" animBg="1"/>
-      <p:bldP spid="7" grpId="2" animBg="1"/>
-      <p:bldP spid="7" grpId="3" animBg="1"/>
-      <p:bldP spid="7" grpId="4" animBg="1"/>
-      <p:bldP spid="7" grpId="5" animBg="1"/>
-      <p:bldP spid="10" grpId="0" animBg="1"/>
-      <p:bldP spid="10" grpId="1" animBg="1"/>
-    </p:bldLst>
-  </p:timing>
 </p:sld>
 </file>
 
@@ -12276,4 +14774,299 @@
     </a:ext>
   </a:extLst>
 </a:theme>
+</file>
+
+<file path=ppt/theme/theme2.xml><?xml version="1.0" encoding="utf-8"?>
+<a:theme xmlns:a="http://schemas.openxmlformats.org/drawingml/2006/main" name="Office テーマ">
+  <a:themeElements>
+    <a:clrScheme name="Office">
+      <a:dk1>
+        <a:sysClr val="windowText" lastClr="000000"/>
+      </a:dk1>
+      <a:lt1>
+        <a:sysClr val="window" lastClr="FFFFFF"/>
+      </a:lt1>
+      <a:dk2>
+        <a:srgbClr val="44546A"/>
+      </a:dk2>
+      <a:lt2>
+        <a:srgbClr val="E7E6E6"/>
+      </a:lt2>
+      <a:accent1>
+        <a:srgbClr val="4472C4"/>
+      </a:accent1>
+      <a:accent2>
+        <a:srgbClr val="ED7D31"/>
+      </a:accent2>
+      <a:accent3>
+        <a:srgbClr val="A5A5A5"/>
+      </a:accent3>
+      <a:accent4>
+        <a:srgbClr val="FFC000"/>
+      </a:accent4>
+      <a:accent5>
+        <a:srgbClr val="5B9BD5"/>
+      </a:accent5>
+      <a:accent6>
+        <a:srgbClr val="70AD47"/>
+      </a:accent6>
+      <a:hlink>
+        <a:srgbClr val="0563C1"/>
+      </a:hlink>
+      <a:folHlink>
+        <a:srgbClr val="954F72"/>
+      </a:folHlink>
+    </a:clrScheme>
+    <a:fontScheme name="Office">
+      <a:majorFont>
+        <a:latin typeface="游ゴシック Light" panose="020F0302020204030204"/>
+        <a:ea typeface=""/>
+        <a:cs typeface=""/>
+        <a:font script="Jpan" typeface="游ゴシック Light"/>
+        <a:font script="Hang" typeface="맑은 고딕"/>
+        <a:font script="Hans" typeface="等线 Light"/>
+        <a:font script="Hant" typeface="新細明體"/>
+        <a:font script="Arab" typeface="Times New Roman"/>
+        <a:font script="Hebr" typeface="Times New Roman"/>
+        <a:font script="Thai" typeface="Angsana New"/>
+        <a:font script="Ethi" typeface="Nyala"/>
+        <a:font script="Beng" typeface="Vrinda"/>
+        <a:font script="Gujr" typeface="Shruti"/>
+        <a:font script="Khmr" typeface="MoolBoran"/>
+        <a:font script="Knda" typeface="Tunga"/>
+        <a:font script="Guru" typeface="Raavi"/>
+        <a:font script="Cans" typeface="Euphemia"/>
+        <a:font script="Cher" typeface="Plantagenet Cherokee"/>
+        <a:font script="Yiii" typeface="Microsoft Yi Baiti"/>
+        <a:font script="Tibt" typeface="Microsoft Himalaya"/>
+        <a:font script="Thaa" typeface="MV Boli"/>
+        <a:font script="Deva" typeface="Mangal"/>
+        <a:font script="Telu" typeface="Gautami"/>
+        <a:font script="Taml" typeface="Latha"/>
+        <a:font script="Syrc" typeface="Estrangelo Edessa"/>
+        <a:font script="Orya" typeface="Kalinga"/>
+        <a:font script="Mlym" typeface="Kartika"/>
+        <a:font script="Laoo" typeface="DokChampa"/>
+        <a:font script="Sinh" typeface="Iskoola Pota"/>
+        <a:font script="Mong" typeface="Mongolian Baiti"/>
+        <a:font script="Viet" typeface="Times New Roman"/>
+        <a:font script="Uigh" typeface="Microsoft Uighur"/>
+        <a:font script="Geor" typeface="Sylfaen"/>
+        <a:font script="Armn" typeface="Arial"/>
+        <a:font script="Bugi" typeface="Leelawadee UI"/>
+        <a:font script="Bopo" typeface="Microsoft JhengHei"/>
+        <a:font script="Java" typeface="Javanese Text"/>
+        <a:font script="Lisu" typeface="Segoe UI"/>
+        <a:font script="Mymr" typeface="Myanmar Text"/>
+        <a:font script="Nkoo" typeface="Ebrima"/>
+        <a:font script="Olck" typeface="Nirmala UI"/>
+        <a:font script="Osma" typeface="Ebrima"/>
+        <a:font script="Phag" typeface="Phagspa"/>
+        <a:font script="Syrn" typeface="Estrangelo Edessa"/>
+        <a:font script="Syrj" typeface="Estrangelo Edessa"/>
+        <a:font script="Syre" typeface="Estrangelo Edessa"/>
+        <a:font script="Sora" typeface="Nirmala UI"/>
+        <a:font script="Tale" typeface="Microsoft Tai Le"/>
+        <a:font script="Talu" typeface="Microsoft New Tai Lue"/>
+        <a:font script="Tfng" typeface="Ebrima"/>
+      </a:majorFont>
+      <a:minorFont>
+        <a:latin typeface="游ゴシック" panose="020F0502020204030204"/>
+        <a:ea typeface=""/>
+        <a:cs typeface=""/>
+        <a:font script="Jpan" typeface="游ゴシック"/>
+        <a:font script="Hang" typeface="맑은 고딕"/>
+        <a:font script="Hans" typeface="等线"/>
+        <a:font script="Hant" typeface="新細明體"/>
+        <a:font script="Arab" typeface="Arial"/>
+        <a:font script="Hebr" typeface="Arial"/>
+        <a:font script="Thai" typeface="Cordia New"/>
+        <a:font script="Ethi" typeface="Nyala"/>
+        <a:font script="Beng" typeface="Vrinda"/>
+        <a:font script="Gujr" typeface="Shruti"/>
+        <a:font script="Khmr" typeface="DaunPenh"/>
+        <a:font script="Knda" typeface="Tunga"/>
+        <a:font script="Guru" typeface="Raavi"/>
+        <a:font script="Cans" typeface="Euphemia"/>
+        <a:font script="Cher" typeface="Plantagenet Cherokee"/>
+        <a:font script="Yiii" typeface="Microsoft Yi Baiti"/>
+        <a:font script="Tibt" typeface="Microsoft Himalaya"/>
+        <a:font script="Thaa" typeface="MV Boli"/>
+        <a:font script="Deva" typeface="Mangal"/>
+        <a:font script="Telu" typeface="Gautami"/>
+        <a:font script="Taml" typeface="Latha"/>
+        <a:font script="Syrc" typeface="Estrangelo Edessa"/>
+        <a:font script="Orya" typeface="Kalinga"/>
+        <a:font script="Mlym" typeface="Kartika"/>
+        <a:font script="Laoo" typeface="DokChampa"/>
+        <a:font script="Sinh" typeface="Iskoola Pota"/>
+        <a:font script="Mong" typeface="Mongolian Baiti"/>
+        <a:font script="Viet" typeface="Arial"/>
+        <a:font script="Uigh" typeface="Microsoft Uighur"/>
+        <a:font script="Geor" typeface="Sylfaen"/>
+        <a:font script="Armn" typeface="Arial"/>
+        <a:font script="Bugi" typeface="Leelawadee UI"/>
+        <a:font script="Bopo" typeface="Microsoft JhengHei"/>
+        <a:font script="Java" typeface="Javanese Text"/>
+        <a:font script="Lisu" typeface="Segoe UI"/>
+        <a:font script="Mymr" typeface="Myanmar Text"/>
+        <a:font script="Nkoo" typeface="Ebrima"/>
+        <a:font script="Olck" typeface="Nirmala UI"/>
+        <a:font script="Osma" typeface="Ebrima"/>
+        <a:font script="Phag" typeface="Phagspa"/>
+        <a:font script="Syrn" typeface="Estrangelo Edessa"/>
+        <a:font script="Syrj" typeface="Estrangelo Edessa"/>
+        <a:font script="Syre" typeface="Estrangelo Edessa"/>
+        <a:font script="Sora" typeface="Nirmala UI"/>
+        <a:font script="Tale" typeface="Microsoft Tai Le"/>
+        <a:font script="Talu" typeface="Microsoft New Tai Lue"/>
+        <a:font script="Tfng" typeface="Ebrima"/>
+      </a:minorFont>
+    </a:fontScheme>
+    <a:fmtScheme name="Office">
+      <a:fillStyleLst>
+        <a:solidFill>
+          <a:schemeClr val="phClr"/>
+        </a:solidFill>
+        <a:gradFill rotWithShape="1">
+          <a:gsLst>
+            <a:gs pos="0">
+              <a:schemeClr val="phClr">
+                <a:lumMod val="110000"/>
+                <a:satMod val="105000"/>
+                <a:tint val="67000"/>
+              </a:schemeClr>
+            </a:gs>
+            <a:gs pos="50000">
+              <a:schemeClr val="phClr">
+                <a:lumMod val="105000"/>
+                <a:satMod val="103000"/>
+                <a:tint val="73000"/>
+              </a:schemeClr>
+            </a:gs>
+            <a:gs pos="100000">
+              <a:schemeClr val="phClr">
+                <a:lumMod val="105000"/>
+                <a:satMod val="109000"/>
+                <a:tint val="81000"/>
+              </a:schemeClr>
+            </a:gs>
+          </a:gsLst>
+          <a:lin ang="5400000" scaled="0"/>
+        </a:gradFill>
+        <a:gradFill rotWithShape="1">
+          <a:gsLst>
+            <a:gs pos="0">
+              <a:schemeClr val="phClr">
+                <a:satMod val="103000"/>
+                <a:lumMod val="102000"/>
+                <a:tint val="94000"/>
+              </a:schemeClr>
+            </a:gs>
+            <a:gs pos="50000">
+              <a:schemeClr val="phClr">
+                <a:satMod val="110000"/>
+                <a:lumMod val="100000"/>
+                <a:shade val="100000"/>
+              </a:schemeClr>
+            </a:gs>
+            <a:gs pos="100000">
+              <a:schemeClr val="phClr">
+                <a:lumMod val="99000"/>
+                <a:satMod val="120000"/>
+                <a:shade val="78000"/>
+              </a:schemeClr>
+            </a:gs>
+          </a:gsLst>
+          <a:lin ang="5400000" scaled="0"/>
+        </a:gradFill>
+      </a:fillStyleLst>
+      <a:lnStyleLst>
+        <a:ln w="6350" cap="flat" cmpd="sng" algn="ctr">
+          <a:solidFill>
+            <a:schemeClr val="phClr"/>
+          </a:solidFill>
+          <a:prstDash val="solid"/>
+          <a:miter lim="800000"/>
+        </a:ln>
+        <a:ln w="12700" cap="flat" cmpd="sng" algn="ctr">
+          <a:solidFill>
+            <a:schemeClr val="phClr"/>
+          </a:solidFill>
+          <a:prstDash val="solid"/>
+          <a:miter lim="800000"/>
+        </a:ln>
+        <a:ln w="19050" cap="flat" cmpd="sng" algn="ctr">
+          <a:solidFill>
+            <a:schemeClr val="phClr"/>
+          </a:solidFill>
+          <a:prstDash val="solid"/>
+          <a:miter lim="800000"/>
+        </a:ln>
+      </a:lnStyleLst>
+      <a:effectStyleLst>
+        <a:effectStyle>
+          <a:effectLst/>
+        </a:effectStyle>
+        <a:effectStyle>
+          <a:effectLst/>
+        </a:effectStyle>
+        <a:effectStyle>
+          <a:effectLst>
+            <a:outerShdw blurRad="57150" dist="19050" dir="5400000" algn="ctr" rotWithShape="0">
+              <a:srgbClr val="000000">
+                <a:alpha val="63000"/>
+              </a:srgbClr>
+            </a:outerShdw>
+          </a:effectLst>
+        </a:effectStyle>
+      </a:effectStyleLst>
+      <a:bgFillStyleLst>
+        <a:solidFill>
+          <a:schemeClr val="phClr"/>
+        </a:solidFill>
+        <a:solidFill>
+          <a:schemeClr val="phClr">
+            <a:tint val="95000"/>
+            <a:satMod val="170000"/>
+          </a:schemeClr>
+        </a:solidFill>
+        <a:gradFill rotWithShape="1">
+          <a:gsLst>
+            <a:gs pos="0">
+              <a:schemeClr val="phClr">
+                <a:tint val="93000"/>
+                <a:satMod val="150000"/>
+                <a:shade val="98000"/>
+                <a:lumMod val="102000"/>
+              </a:schemeClr>
+            </a:gs>
+            <a:gs pos="50000">
+              <a:schemeClr val="phClr">
+                <a:tint val="98000"/>
+                <a:satMod val="130000"/>
+                <a:shade val="90000"/>
+                <a:lumMod val="103000"/>
+              </a:schemeClr>
+            </a:gs>
+            <a:gs pos="100000">
+              <a:schemeClr val="phClr">
+                <a:shade val="63000"/>
+                <a:satMod val="120000"/>
+              </a:schemeClr>
+            </a:gs>
+          </a:gsLst>
+          <a:lin ang="5400000" scaled="0"/>
+        </a:gradFill>
+      </a:bgFillStyleLst>
+    </a:fmtScheme>
+  </a:themeElements>
+  <a:objectDefaults/>
+  <a:extraClrSchemeLst/>
+  <a:extLst>
+    <a:ext uri="{05A4C25C-085E-4340-85A3-A5531E510DB2}">
+      <thm15:themeFamily xmlns:thm15="http://schemas.microsoft.com/office/thememl/2012/main" name="Office Theme" id="{62F939B6-93AF-4DB8-9C6B-D6C7DFDC589F}" vid="{4A3C46E8-61CC-4603-A589-7422A47A8E4A}"/>
+    </a:ext>
+  </a:extLst>
+</a:theme>
 </file>
--- a/haskeat.pptx
+++ b/haskeat.pptx
@@ -207,7 +207,7 @@
           <a:p>
             <a:fld id="{823F6C72-E8C8-42DC-ADFB-A86410617821}" type="datetimeFigureOut">
               <a:rPr kumimoji="1" lang="ja-JP" altLang="en-US" smtClean="0"/>
-              <a:t>2023/3/2</a:t>
+              <a:t>2023/3/3</a:t>
             </a:fld>
             <a:endParaRPr kumimoji="1" lang="ja-JP" altLang="en-US"/>
           </a:p>
@@ -1644,26 +1644,23 @@
           </a:p>
           <a:p>
             <a:r>
-              <a:rPr kumimoji="1" lang="ja-JP" altLang="en-US"/>
-              <a:t>具体的に、回避</a:t>
-            </a:r>
-            <a:r>
               <a:rPr kumimoji="1" lang="ja-JP" altLang="en-US" dirty="0"/>
-              <a:t>アクション</a:t>
-            </a:r>
-            <a:r>
-              <a:rPr kumimoji="1" lang="ja-JP" altLang="en-US"/>
-              <a:t>は現在アニメーション</a:t>
-            </a:r>
+              <a:t>具体的に、回避アクションは現在アニメーションなどを一切つけていないので回避している感がないし、罠を設置しても引っかからないのでそこら辺を直したいです。</a:t>
+            </a:r>
+            <a:endParaRPr kumimoji="1" lang="en-US" altLang="ja-JP" dirty="0"/>
+          </a:p>
+          <a:p>
             <a:r>
               <a:rPr kumimoji="1" lang="ja-JP" altLang="en-US" dirty="0"/>
-              <a:t>などを一切つけていないので回避している感がないし、罠を設置して</a:t>
-            </a:r>
-            <a:r>
-              <a:rPr kumimoji="1" lang="ja-JP" altLang="en-US"/>
-              <a:t>も引っかからないのでそこら辺を直したいです。</a:t>
-            </a:r>
-            <a:endParaRPr kumimoji="1" lang="ja-JP" altLang="en-US" dirty="0"/>
+              <a:t>次にステージですが、オブジェクトの配置や壁枠に違和感が残っているので、改善しつつ次のステージ制作に入りたいなと思います。</a:t>
+            </a:r>
+            <a:endParaRPr kumimoji="1" lang="en-US" altLang="ja-JP" dirty="0"/>
+          </a:p>
+          <a:p>
+            <a:r>
+              <a:rPr kumimoji="1" lang="ja-JP" altLang="en-US" dirty="0"/>
+              <a:t>また、通路部分が少し寂しいのでその部分も改善していきたいです。</a:t>
+            </a:r>
           </a:p>
         </p:txBody>
       </p:sp>
@@ -1834,7 +1831,7 @@
           <a:p>
             <a:fld id="{D9145103-6079-44AB-8287-23A2C0B432BD}" type="datetimeFigureOut">
               <a:rPr kumimoji="1" lang="ja-JP" altLang="en-US" smtClean="0"/>
-              <a:t>2023/3/2</a:t>
+              <a:t>2023/3/3</a:t>
             </a:fld>
             <a:endParaRPr kumimoji="1" lang="ja-JP" altLang="en-US"/>
           </a:p>
@@ -2036,7 +2033,7 @@
           <a:p>
             <a:fld id="{D9145103-6079-44AB-8287-23A2C0B432BD}" type="datetimeFigureOut">
               <a:rPr kumimoji="1" lang="ja-JP" altLang="en-US" smtClean="0"/>
-              <a:t>2023/3/2</a:t>
+              <a:t>2023/3/3</a:t>
             </a:fld>
             <a:endParaRPr kumimoji="1" lang="ja-JP" altLang="en-US"/>
           </a:p>
@@ -2248,7 +2245,7 @@
           <a:p>
             <a:fld id="{D9145103-6079-44AB-8287-23A2C0B432BD}" type="datetimeFigureOut">
               <a:rPr kumimoji="1" lang="ja-JP" altLang="en-US" smtClean="0"/>
-              <a:t>2023/3/2</a:t>
+              <a:t>2023/3/3</a:t>
             </a:fld>
             <a:endParaRPr kumimoji="1" lang="ja-JP" altLang="en-US"/>
           </a:p>
@@ -2450,7 +2447,7 @@
           <a:p>
             <a:fld id="{D9145103-6079-44AB-8287-23A2C0B432BD}" type="datetimeFigureOut">
               <a:rPr kumimoji="1" lang="ja-JP" altLang="en-US" smtClean="0"/>
-              <a:t>2023/3/2</a:t>
+              <a:t>2023/3/3</a:t>
             </a:fld>
             <a:endParaRPr kumimoji="1" lang="ja-JP" altLang="en-US"/>
           </a:p>
@@ -2696,7 +2693,7 @@
           <a:p>
             <a:fld id="{D9145103-6079-44AB-8287-23A2C0B432BD}" type="datetimeFigureOut">
               <a:rPr kumimoji="1" lang="ja-JP" altLang="en-US" smtClean="0"/>
-              <a:t>2023/3/2</a:t>
+              <a:t>2023/3/3</a:t>
             </a:fld>
             <a:endParaRPr kumimoji="1" lang="ja-JP" altLang="en-US"/>
           </a:p>
@@ -2992,7 +2989,7 @@
           <a:p>
             <a:fld id="{D9145103-6079-44AB-8287-23A2C0B432BD}" type="datetimeFigureOut">
               <a:rPr kumimoji="1" lang="ja-JP" altLang="en-US" smtClean="0"/>
-              <a:t>2023/3/2</a:t>
+              <a:t>2023/3/3</a:t>
             </a:fld>
             <a:endParaRPr kumimoji="1" lang="ja-JP" altLang="en-US"/>
           </a:p>
@@ -3423,7 +3420,7 @@
           <a:p>
             <a:fld id="{D9145103-6079-44AB-8287-23A2C0B432BD}" type="datetimeFigureOut">
               <a:rPr kumimoji="1" lang="ja-JP" altLang="en-US" smtClean="0"/>
-              <a:t>2023/3/2</a:t>
+              <a:t>2023/3/3</a:t>
             </a:fld>
             <a:endParaRPr kumimoji="1" lang="ja-JP" altLang="en-US"/>
           </a:p>
@@ -3541,7 +3538,7 @@
           <a:p>
             <a:fld id="{D9145103-6079-44AB-8287-23A2C0B432BD}" type="datetimeFigureOut">
               <a:rPr kumimoji="1" lang="ja-JP" altLang="en-US" smtClean="0"/>
-              <a:t>2023/3/2</a:t>
+              <a:t>2023/3/3</a:t>
             </a:fld>
             <a:endParaRPr kumimoji="1" lang="ja-JP" altLang="en-US"/>
           </a:p>
@@ -3636,7 +3633,7 @@
           <a:p>
             <a:fld id="{D9145103-6079-44AB-8287-23A2C0B432BD}" type="datetimeFigureOut">
               <a:rPr kumimoji="1" lang="ja-JP" altLang="en-US" smtClean="0"/>
-              <a:t>2023/3/2</a:t>
+              <a:t>2023/3/3</a:t>
             </a:fld>
             <a:endParaRPr kumimoji="1" lang="ja-JP" altLang="en-US"/>
           </a:p>
@@ -3945,7 +3942,7 @@
           <a:p>
             <a:fld id="{D9145103-6079-44AB-8287-23A2C0B432BD}" type="datetimeFigureOut">
               <a:rPr kumimoji="1" lang="ja-JP" altLang="en-US" smtClean="0"/>
-              <a:t>2023/3/2</a:t>
+              <a:t>2023/3/3</a:t>
             </a:fld>
             <a:endParaRPr kumimoji="1" lang="ja-JP" altLang="en-US"/>
           </a:p>
@@ -4202,7 +4199,7 @@
           <a:p>
             <a:fld id="{D9145103-6079-44AB-8287-23A2C0B432BD}" type="datetimeFigureOut">
               <a:rPr kumimoji="1" lang="ja-JP" altLang="en-US" smtClean="0"/>
-              <a:t>2023/3/2</a:t>
+              <a:t>2023/3/3</a:t>
             </a:fld>
             <a:endParaRPr kumimoji="1" lang="ja-JP" altLang="en-US"/>
           </a:p>
@@ -4447,7 +4444,7 @@
           <a:p>
             <a:fld id="{D9145103-6079-44AB-8287-23A2C0B432BD}" type="datetimeFigureOut">
               <a:rPr kumimoji="1" lang="ja-JP" altLang="en-US" smtClean="0"/>
-              <a:t>2023/3/2</a:t>
+              <a:t>2023/3/3</a:t>
             </a:fld>
             <a:endParaRPr kumimoji="1" lang="ja-JP" altLang="en-US"/>
           </a:p>

--- a/haskeat.pptx
+++ b/haskeat.pptx
@@ -5283,8 +5283,8 @@
         </p:nvSpPr>
         <p:spPr>
           <a:xfrm>
-            <a:off x="393290" y="344130"/>
-            <a:ext cx="2595716" cy="1032387"/>
+            <a:off x="4108762" y="1501599"/>
+            <a:ext cx="4595399" cy="3429217"/>
           </a:xfrm>
           <a:prstGeom prst="rect">
             <a:avLst/>
@@ -5312,7 +5312,7 @@
           <a:p>
             <a:pPr algn="ctr"/>
             <a:r>
-              <a:rPr kumimoji="1" lang="ja-JP" altLang="en-US" dirty="0"/>
+              <a:rPr kumimoji="1" lang="ja-JP" altLang="en-US" sz="4000" dirty="0"/>
               <a:t>今後どうするか</a:t>
             </a:r>
           </a:p>

--- a/haskeat.pptx
+++ b/haskeat.pptx
@@ -1661,6 +1661,21 @@
               <a:rPr kumimoji="1" lang="ja-JP" altLang="en-US" dirty="0"/>
               <a:t>また、通路部分が少し寂しいのでその部分も改善していきたいです。</a:t>
             </a:r>
+            <a:endParaRPr kumimoji="1" lang="en-US" altLang="ja-JP" dirty="0"/>
+          </a:p>
+          <a:p>
+            <a:r>
+              <a:rPr kumimoji="1" lang="ja-JP" altLang="en-US" dirty="0"/>
+              <a:t>他にも敵やギミックが実装できなかったので実装したいです。</a:t>
+            </a:r>
+            <a:endParaRPr kumimoji="1" lang="en-US" altLang="ja-JP" dirty="0"/>
+          </a:p>
+          <a:p>
+            <a:r>
+              <a:rPr kumimoji="1" lang="ja-JP" altLang="en-US"/>
+              <a:t>またプレイヤーのスプレーのギミックも実装できなかったので改善したいです。</a:t>
+            </a:r>
+            <a:endParaRPr kumimoji="1" lang="ja-JP" altLang="en-US" dirty="0"/>
           </a:p>
         </p:txBody>
       </p:sp>
